--- a/images/Sample dashboards/Sample_dashboards.pptx
+++ b/images/Sample dashboards/Sample_dashboards.pptx
@@ -104,6 +104,11 @@
       </a:defRPr>
     </a:lvl9pPr>
   </p:defaultTextStyle>
+  <p:extLst>
+    <p:ext uri="{EFAFB233-063F-42B5-8137-9DF3F51BA10A}">
+      <p15:sldGuideLst xmlns:p15="http://schemas.microsoft.com/office/powerpoint/2012/main"/>
+    </p:ext>
+  </p:extLst>
 </p:presentation>
 </file>
 
@@ -256,7 +261,7 @@
           <a:p>
             <a:fld id="{E3B75F80-F4B0-4C38-86B1-FEB191EA565F}" type="datetimeFigureOut">
               <a:rPr lang="es-MX" smtClean="0"/>
-              <a:t>21/09/2022</a:t>
+              <a:t>28/09/2022</a:t>
             </a:fld>
             <a:endParaRPr lang="es-MX"/>
           </a:p>
@@ -456,7 +461,7 @@
           <a:p>
             <a:fld id="{E3B75F80-F4B0-4C38-86B1-FEB191EA565F}" type="datetimeFigureOut">
               <a:rPr lang="es-MX" smtClean="0"/>
-              <a:t>21/09/2022</a:t>
+              <a:t>28/09/2022</a:t>
             </a:fld>
             <a:endParaRPr lang="es-MX"/>
           </a:p>
@@ -666,7 +671,7 @@
           <a:p>
             <a:fld id="{E3B75F80-F4B0-4C38-86B1-FEB191EA565F}" type="datetimeFigureOut">
               <a:rPr lang="es-MX" smtClean="0"/>
-              <a:t>21/09/2022</a:t>
+              <a:t>28/09/2022</a:t>
             </a:fld>
             <a:endParaRPr lang="es-MX"/>
           </a:p>
@@ -866,7 +871,7 @@
           <a:p>
             <a:fld id="{E3B75F80-F4B0-4C38-86B1-FEB191EA565F}" type="datetimeFigureOut">
               <a:rPr lang="es-MX" smtClean="0"/>
-              <a:t>21/09/2022</a:t>
+              <a:t>28/09/2022</a:t>
             </a:fld>
             <a:endParaRPr lang="es-MX"/>
           </a:p>
@@ -1142,7 +1147,7 @@
           <a:p>
             <a:fld id="{E3B75F80-F4B0-4C38-86B1-FEB191EA565F}" type="datetimeFigureOut">
               <a:rPr lang="es-MX" smtClean="0"/>
-              <a:t>21/09/2022</a:t>
+              <a:t>28/09/2022</a:t>
             </a:fld>
             <a:endParaRPr lang="es-MX"/>
           </a:p>
@@ -1410,7 +1415,7 @@
           <a:p>
             <a:fld id="{E3B75F80-F4B0-4C38-86B1-FEB191EA565F}" type="datetimeFigureOut">
               <a:rPr lang="es-MX" smtClean="0"/>
-              <a:t>21/09/2022</a:t>
+              <a:t>28/09/2022</a:t>
             </a:fld>
             <a:endParaRPr lang="es-MX"/>
           </a:p>
@@ -1825,7 +1830,7 @@
           <a:p>
             <a:fld id="{E3B75F80-F4B0-4C38-86B1-FEB191EA565F}" type="datetimeFigureOut">
               <a:rPr lang="es-MX" smtClean="0"/>
-              <a:t>21/09/2022</a:t>
+              <a:t>28/09/2022</a:t>
             </a:fld>
             <a:endParaRPr lang="es-MX"/>
           </a:p>
@@ -1967,7 +1972,7 @@
           <a:p>
             <a:fld id="{E3B75F80-F4B0-4C38-86B1-FEB191EA565F}" type="datetimeFigureOut">
               <a:rPr lang="es-MX" smtClean="0"/>
-              <a:t>21/09/2022</a:t>
+              <a:t>28/09/2022</a:t>
             </a:fld>
             <a:endParaRPr lang="es-MX"/>
           </a:p>
@@ -2080,7 +2085,7 @@
           <a:p>
             <a:fld id="{E3B75F80-F4B0-4C38-86B1-FEB191EA565F}" type="datetimeFigureOut">
               <a:rPr lang="es-MX" smtClean="0"/>
-              <a:t>21/09/2022</a:t>
+              <a:t>28/09/2022</a:t>
             </a:fld>
             <a:endParaRPr lang="es-MX"/>
           </a:p>
@@ -2393,7 +2398,7 @@
           <a:p>
             <a:fld id="{E3B75F80-F4B0-4C38-86B1-FEB191EA565F}" type="datetimeFigureOut">
               <a:rPr lang="es-MX" smtClean="0"/>
-              <a:t>21/09/2022</a:t>
+              <a:t>28/09/2022</a:t>
             </a:fld>
             <a:endParaRPr lang="es-MX"/>
           </a:p>
@@ -2682,7 +2687,7 @@
           <a:p>
             <a:fld id="{E3B75F80-F4B0-4C38-86B1-FEB191EA565F}" type="datetimeFigureOut">
               <a:rPr lang="es-MX" smtClean="0"/>
-              <a:t>21/09/2022</a:t>
+              <a:t>28/09/2022</a:t>
             </a:fld>
             <a:endParaRPr lang="es-MX"/>
           </a:p>
@@ -2925,7 +2930,7 @@
           <a:p>
             <a:fld id="{E3B75F80-F4B0-4C38-86B1-FEB191EA565F}" type="datetimeFigureOut">
               <a:rPr lang="es-MX" smtClean="0"/>
-              <a:t>21/09/2022</a:t>
+              <a:t>28/09/2022</a:t>
             </a:fld>
             <a:endParaRPr lang="es-MX"/>
           </a:p>
@@ -3344,10 +3349,10 @@
       </p:grpSpPr>
       <p:pic>
         <p:nvPicPr>
-          <p:cNvPr id="5" name="Picture 4" descr="Graphical user interface, chart&#10;&#10;Description automatically generated">
-            <a:extLst>
-              <a:ext uri="{FF2B5EF4-FFF2-40B4-BE49-F238E27FC236}">
-                <a16:creationId xmlns:a16="http://schemas.microsoft.com/office/drawing/2014/main" id="{108D16FF-6E26-DA32-6E91-D29B0C939B46}"/>
+          <p:cNvPr id="6" name="Picture 5" descr="Graphical user interface, application&#10;&#10;Description automatically generated">
+            <a:extLst>
+              <a:ext uri="{FF2B5EF4-FFF2-40B4-BE49-F238E27FC236}">
+                <a16:creationId xmlns:a16="http://schemas.microsoft.com/office/drawing/2014/main" id="{105DD5A2-C35C-4C8E-B9B7-6B26955995CC}"/>
               </a:ext>
             </a:extLst>
           </p:cNvPr>
@@ -3370,50 +3375,20 @@
         </p:blipFill>
         <p:spPr>
           <a:xfrm>
-            <a:off x="178124" y="3521376"/>
-            <a:ext cx="5652445" cy="3186973"/>
+            <a:off x="0" y="3459946"/>
+            <a:ext cx="5996824" cy="3398054"/>
           </a:xfrm>
           <a:prstGeom prst="rect">
             <a:avLst/>
           </a:prstGeom>
-          <a:solidFill>
-            <a:srgbClr val="FFFFFF">
-              <a:shade val="85000"/>
-            </a:srgbClr>
-          </a:solidFill>
-          <a:ln w="88900" cap="sq">
-            <a:solidFill>
-              <a:srgbClr val="FFFFFF"/>
-            </a:solidFill>
-            <a:miter lim="800000"/>
-          </a:ln>
-          <a:effectLst>
-            <a:outerShdw blurRad="55000" dist="18000" dir="5400000" algn="tl" rotWithShape="0">
-              <a:srgbClr val="000000">
-                <a:alpha val="40000"/>
-              </a:srgbClr>
-            </a:outerShdw>
-          </a:effectLst>
-          <a:scene3d>
-            <a:camera prst="orthographicFront"/>
-            <a:lightRig rig="twoPt" dir="t">
-              <a:rot lat="0" lon="0" rev="7200000"/>
-            </a:lightRig>
-          </a:scene3d>
-          <a:sp3d>
-            <a:bevelT w="25400" h="19050"/>
-            <a:contourClr>
-              <a:srgbClr val="FFFFFF"/>
-            </a:contourClr>
-          </a:sp3d>
         </p:spPr>
       </p:pic>
       <p:pic>
         <p:nvPicPr>
-          <p:cNvPr id="7" name="Picture 6" descr="Graphical user interface, chart, application&#10;&#10;Description automatically generated">
-            <a:extLst>
-              <a:ext uri="{FF2B5EF4-FFF2-40B4-BE49-F238E27FC236}">
-                <a16:creationId xmlns:a16="http://schemas.microsoft.com/office/drawing/2014/main" id="{61E2B915-9246-3726-AA79-B7D436B72460}"/>
+          <p:cNvPr id="10" name="Picture 9" descr="Graphical user interface, chart, application&#10;&#10;Description automatically generated">
+            <a:extLst>
+              <a:ext uri="{FF2B5EF4-FFF2-40B4-BE49-F238E27FC236}">
+                <a16:creationId xmlns:a16="http://schemas.microsoft.com/office/drawing/2014/main" id="{FCFC1030-711A-ED02-8FA7-C78AE75462A4}"/>
               </a:ext>
             </a:extLst>
           </p:cNvPr>
@@ -3436,50 +3411,20 @@
         </p:blipFill>
         <p:spPr>
           <a:xfrm>
-            <a:off x="178124" y="99593"/>
-            <a:ext cx="5727375" cy="3237031"/>
+            <a:off x="52531" y="0"/>
+            <a:ext cx="5944293" cy="3359630"/>
           </a:xfrm>
           <a:prstGeom prst="rect">
             <a:avLst/>
           </a:prstGeom>
-          <a:solidFill>
-            <a:srgbClr val="FFFFFF">
-              <a:shade val="85000"/>
-            </a:srgbClr>
-          </a:solidFill>
-          <a:ln w="88900" cap="sq">
-            <a:solidFill>
-              <a:srgbClr val="FFFFFF"/>
-            </a:solidFill>
-            <a:miter lim="800000"/>
-          </a:ln>
-          <a:effectLst>
-            <a:outerShdw blurRad="55000" dist="18000" dir="5400000" algn="tl" rotWithShape="0">
-              <a:srgbClr val="000000">
-                <a:alpha val="40000"/>
-              </a:srgbClr>
-            </a:outerShdw>
-          </a:effectLst>
-          <a:scene3d>
-            <a:camera prst="orthographicFront"/>
-            <a:lightRig rig="twoPt" dir="t">
-              <a:rot lat="0" lon="0" rev="7200000"/>
-            </a:lightRig>
-          </a:scene3d>
-          <a:sp3d>
-            <a:bevelT w="25400" h="19050"/>
-            <a:contourClr>
-              <a:srgbClr val="FFFFFF"/>
-            </a:contourClr>
-          </a:sp3d>
         </p:spPr>
       </p:pic>
       <p:pic>
         <p:nvPicPr>
-          <p:cNvPr id="9" name="Picture 8" descr="Chart, bar chart&#10;&#10;Description automatically generated">
-            <a:extLst>
-              <a:ext uri="{FF2B5EF4-FFF2-40B4-BE49-F238E27FC236}">
-                <a16:creationId xmlns:a16="http://schemas.microsoft.com/office/drawing/2014/main" id="{E755A63B-7200-4103-C9A0-0DCCC8793854}"/>
+          <p:cNvPr id="13" name="Picture 12" descr="Chart, bar chart&#10;&#10;Description automatically generated">
+            <a:extLst>
+              <a:ext uri="{FF2B5EF4-FFF2-40B4-BE49-F238E27FC236}">
+                <a16:creationId xmlns:a16="http://schemas.microsoft.com/office/drawing/2014/main" id="{07C4F2BC-DD84-A959-6BA7-4696835C841B}"/>
               </a:ext>
             </a:extLst>
           </p:cNvPr>
@@ -3502,50 +3447,20 @@
         </p:blipFill>
         <p:spPr>
           <a:xfrm>
-            <a:off x="6130268" y="99593"/>
-            <a:ext cx="5883608" cy="3237031"/>
+            <a:off x="6127372" y="0"/>
+            <a:ext cx="6064628" cy="3336624"/>
           </a:xfrm>
           <a:prstGeom prst="rect">
             <a:avLst/>
           </a:prstGeom>
-          <a:solidFill>
-            <a:srgbClr val="FFFFFF">
-              <a:shade val="85000"/>
-            </a:srgbClr>
-          </a:solidFill>
-          <a:ln w="88900" cap="sq">
-            <a:solidFill>
-              <a:srgbClr val="FFFFFF"/>
-            </a:solidFill>
-            <a:miter lim="800000"/>
-          </a:ln>
-          <a:effectLst>
-            <a:outerShdw blurRad="55000" dist="18000" dir="5400000" algn="tl" rotWithShape="0">
-              <a:srgbClr val="000000">
-                <a:alpha val="40000"/>
-              </a:srgbClr>
-            </a:outerShdw>
-          </a:effectLst>
-          <a:scene3d>
-            <a:camera prst="orthographicFront"/>
-            <a:lightRig rig="twoPt" dir="t">
-              <a:rot lat="0" lon="0" rev="7200000"/>
-            </a:lightRig>
-          </a:scene3d>
-          <a:sp3d>
-            <a:bevelT w="25400" h="19050"/>
-            <a:contourClr>
-              <a:srgbClr val="FFFFFF"/>
-            </a:contourClr>
-          </a:sp3d>
         </p:spPr>
       </p:pic>
       <p:pic>
         <p:nvPicPr>
-          <p:cNvPr id="11" name="Picture 10" descr="Graphical user interface, application&#10;&#10;Description automatically generated">
-            <a:extLst>
-              <a:ext uri="{FF2B5EF4-FFF2-40B4-BE49-F238E27FC236}">
-                <a16:creationId xmlns:a16="http://schemas.microsoft.com/office/drawing/2014/main" id="{B2DCD265-6B7C-E4B4-3D34-A6D09E520CD4}"/>
+          <p:cNvPr id="15" name="Picture 14" descr="Graphical user interface, application&#10;&#10;Description automatically generated">
+            <a:extLst>
+              <a:ext uri="{FF2B5EF4-FFF2-40B4-BE49-F238E27FC236}">
+                <a16:creationId xmlns:a16="http://schemas.microsoft.com/office/drawing/2014/main" id="{DFF48C93-24F4-E131-EC63-33BB6BC37F79}"/>
               </a:ext>
             </a:extLst>
           </p:cNvPr>
@@ -3568,42 +3483,12 @@
         </p:blipFill>
         <p:spPr>
           <a:xfrm>
-            <a:off x="6195176" y="3521376"/>
-            <a:ext cx="5753791" cy="3237031"/>
+            <a:off x="6195177" y="3484240"/>
+            <a:ext cx="5996824" cy="3373760"/>
           </a:xfrm>
           <a:prstGeom prst="rect">
             <a:avLst/>
           </a:prstGeom>
-          <a:solidFill>
-            <a:srgbClr val="FFFFFF">
-              <a:shade val="85000"/>
-            </a:srgbClr>
-          </a:solidFill>
-          <a:ln w="88900" cap="sq">
-            <a:solidFill>
-              <a:srgbClr val="FFFFFF"/>
-            </a:solidFill>
-            <a:miter lim="800000"/>
-          </a:ln>
-          <a:effectLst>
-            <a:outerShdw blurRad="55000" dist="18000" dir="5400000" algn="tl" rotWithShape="0">
-              <a:srgbClr val="000000">
-                <a:alpha val="40000"/>
-              </a:srgbClr>
-            </a:outerShdw>
-          </a:effectLst>
-          <a:scene3d>
-            <a:camera prst="orthographicFront"/>
-            <a:lightRig rig="twoPt" dir="t">
-              <a:rot lat="0" lon="0" rev="7200000"/>
-            </a:lightRig>
-          </a:scene3d>
-          <a:sp3d>
-            <a:bevelT w="25400" h="19050"/>
-            <a:contourClr>
-              <a:srgbClr val="FFFFFF"/>
-            </a:contourClr>
-          </a:sp3d>
         </p:spPr>
       </p:pic>
     </p:spTree>

--- a/images/Sample dashboards/Sample_dashboards.pptx
+++ b/images/Sample dashboards/Sample_dashboards.pptx
@@ -3375,7 +3375,7 @@
         </p:blipFill>
         <p:spPr>
           <a:xfrm>
-            <a:off x="0" y="3459946"/>
+            <a:off x="0" y="-1288"/>
             <a:ext cx="5996824" cy="3398054"/>
           </a:xfrm>
           <a:prstGeom prst="rect">
@@ -3411,7 +3411,7 @@
         </p:blipFill>
         <p:spPr>
           <a:xfrm>
-            <a:off x="52531" y="0"/>
+            <a:off x="21159" y="3498370"/>
             <a:ext cx="5944293" cy="3359630"/>
           </a:xfrm>
           <a:prstGeom prst="rect">
@@ -3447,7 +3447,7 @@
         </p:blipFill>
         <p:spPr>
           <a:xfrm>
-            <a:off x="6127372" y="0"/>
+            <a:off x="6096000" y="3498370"/>
             <a:ext cx="6064628" cy="3336624"/>
           </a:xfrm>
           <a:prstGeom prst="rect">
@@ -3483,7 +3483,7 @@
         </p:blipFill>
         <p:spPr>
           <a:xfrm>
-            <a:off x="6195177" y="3484240"/>
+            <a:off x="6195178" y="0"/>
             <a:ext cx="5996824" cy="3373760"/>
           </a:xfrm>
           <a:prstGeom prst="rect">

--- a/images/Sample dashboards/Sample_dashboards.pptx
+++ b/images/Sample dashboards/Sample_dashboards.pptx
@@ -2,18 +2,18 @@
 <file path=ppt/presentation.xml><?xml version="1.0" encoding="utf-8"?>
 <p:presentation xmlns:a="http://schemas.openxmlformats.org/drawingml/2006/main" xmlns:r="http://schemas.openxmlformats.org/officeDocument/2006/relationships" xmlns:p="http://schemas.openxmlformats.org/presentationml/2006/main" saveSubsetFonts="1">
   <p:sldMasterIdLst>
-    <p:sldMasterId id="2147483648" r:id="rId1"/>
+    <p:sldMasterId id="2147483660" r:id="rId1"/>
   </p:sldMasterIdLst>
   <p:sldIdLst>
     <p:sldId id="256" r:id="rId2"/>
   </p:sldIdLst>
-  <p:sldSz cx="12192000" cy="6858000"/>
+  <p:sldSz cx="12192000" cy="11898313"/>
   <p:notesSz cx="6858000" cy="9144000"/>
   <p:defaultTextStyle>
     <a:defPPr>
-      <a:defRPr lang="es-MX"/>
+      <a:defRPr lang="en-US"/>
     </a:defPPr>
-    <a:lvl1pPr marL="0" algn="l" defTabSz="914400" rtl="0" eaLnBrk="1" latinLnBrk="0" hangingPunct="1">
+    <a:lvl1pPr marL="0" algn="l" defTabSz="457200" rtl="0" eaLnBrk="1" latinLnBrk="0" hangingPunct="1">
       <a:defRPr sz="1800" kern="1200">
         <a:solidFill>
           <a:schemeClr val="tx1"/>
@@ -23,7 +23,7 @@
         <a:cs typeface="+mn-cs"/>
       </a:defRPr>
     </a:lvl1pPr>
-    <a:lvl2pPr marL="457200" algn="l" defTabSz="914400" rtl="0" eaLnBrk="1" latinLnBrk="0" hangingPunct="1">
+    <a:lvl2pPr marL="457200" algn="l" defTabSz="457200" rtl="0" eaLnBrk="1" latinLnBrk="0" hangingPunct="1">
       <a:defRPr sz="1800" kern="1200">
         <a:solidFill>
           <a:schemeClr val="tx1"/>
@@ -33,7 +33,7 @@
         <a:cs typeface="+mn-cs"/>
       </a:defRPr>
     </a:lvl2pPr>
-    <a:lvl3pPr marL="914400" algn="l" defTabSz="914400" rtl="0" eaLnBrk="1" latinLnBrk="0" hangingPunct="1">
+    <a:lvl3pPr marL="914400" algn="l" defTabSz="457200" rtl="0" eaLnBrk="1" latinLnBrk="0" hangingPunct="1">
       <a:defRPr sz="1800" kern="1200">
         <a:solidFill>
           <a:schemeClr val="tx1"/>
@@ -43,7 +43,7 @@
         <a:cs typeface="+mn-cs"/>
       </a:defRPr>
     </a:lvl3pPr>
-    <a:lvl4pPr marL="1371600" algn="l" defTabSz="914400" rtl="0" eaLnBrk="1" latinLnBrk="0" hangingPunct="1">
+    <a:lvl4pPr marL="1371600" algn="l" defTabSz="457200" rtl="0" eaLnBrk="1" latinLnBrk="0" hangingPunct="1">
       <a:defRPr sz="1800" kern="1200">
         <a:solidFill>
           <a:schemeClr val="tx1"/>
@@ -53,7 +53,7 @@
         <a:cs typeface="+mn-cs"/>
       </a:defRPr>
     </a:lvl4pPr>
-    <a:lvl5pPr marL="1828800" algn="l" defTabSz="914400" rtl="0" eaLnBrk="1" latinLnBrk="0" hangingPunct="1">
+    <a:lvl5pPr marL="1828800" algn="l" defTabSz="457200" rtl="0" eaLnBrk="1" latinLnBrk="0" hangingPunct="1">
       <a:defRPr sz="1800" kern="1200">
         <a:solidFill>
           <a:schemeClr val="tx1"/>
@@ -63,7 +63,7 @@
         <a:cs typeface="+mn-cs"/>
       </a:defRPr>
     </a:lvl5pPr>
-    <a:lvl6pPr marL="2286000" algn="l" defTabSz="914400" rtl="0" eaLnBrk="1" latinLnBrk="0" hangingPunct="1">
+    <a:lvl6pPr marL="2286000" algn="l" defTabSz="457200" rtl="0" eaLnBrk="1" latinLnBrk="0" hangingPunct="1">
       <a:defRPr sz="1800" kern="1200">
         <a:solidFill>
           <a:schemeClr val="tx1"/>
@@ -73,7 +73,7 @@
         <a:cs typeface="+mn-cs"/>
       </a:defRPr>
     </a:lvl6pPr>
-    <a:lvl7pPr marL="2743200" algn="l" defTabSz="914400" rtl="0" eaLnBrk="1" latinLnBrk="0" hangingPunct="1">
+    <a:lvl7pPr marL="2743200" algn="l" defTabSz="457200" rtl="0" eaLnBrk="1" latinLnBrk="0" hangingPunct="1">
       <a:defRPr sz="1800" kern="1200">
         <a:solidFill>
           <a:schemeClr val="tx1"/>
@@ -83,7 +83,7 @@
         <a:cs typeface="+mn-cs"/>
       </a:defRPr>
     </a:lvl7pPr>
-    <a:lvl8pPr marL="3200400" algn="l" defTabSz="914400" rtl="0" eaLnBrk="1" latinLnBrk="0" hangingPunct="1">
+    <a:lvl8pPr marL="3200400" algn="l" defTabSz="457200" rtl="0" eaLnBrk="1" latinLnBrk="0" hangingPunct="1">
       <a:defRPr sz="1800" kern="1200">
         <a:solidFill>
           <a:schemeClr val="tx1"/>
@@ -93,7 +93,7 @@
         <a:cs typeface="+mn-cs"/>
       </a:defRPr>
     </a:lvl8pPr>
-    <a:lvl9pPr marL="3657600" algn="l" defTabSz="914400" rtl="0" eaLnBrk="1" latinLnBrk="0" hangingPunct="1">
+    <a:lvl9pPr marL="3657600" algn="l" defTabSz="457200" rtl="0" eaLnBrk="1" latinLnBrk="0" hangingPunct="1">
       <a:defRPr sz="1800" kern="1200">
         <a:solidFill>
           <a:schemeClr val="tx1"/>
@@ -131,13 +131,7 @@
       </p:grpSpPr>
       <p:sp>
         <p:nvSpPr>
-          <p:cNvPr id="2" name="Title 1">
-            <a:extLst>
-              <a:ext uri="{FF2B5EF4-FFF2-40B4-BE49-F238E27FC236}">
-                <a16:creationId xmlns:a16="http://schemas.microsoft.com/office/drawing/2014/main" id="{532427D3-1927-C78B-75ED-9615B4029E3D}"/>
-              </a:ext>
-            </a:extLst>
-          </p:cNvPr>
+          <p:cNvPr id="2" name="Title 1"/>
           <p:cNvSpPr>
             <a:spLocks noGrp="1"/>
           </p:cNvSpPr>
@@ -147,15 +141,15 @@
         </p:nvSpPr>
         <p:spPr>
           <a:xfrm>
-            <a:off x="1524000" y="1122363"/>
-            <a:ext cx="9144000" cy="2387600"/>
+            <a:off x="914400" y="1947248"/>
+            <a:ext cx="10363200" cy="4142376"/>
           </a:xfrm>
         </p:spPr>
         <p:txBody>
           <a:bodyPr anchor="b"/>
           <a:lstStyle>
             <a:lvl1pPr algn="ctr">
-              <a:defRPr sz="6000"/>
+              <a:defRPr sz="8000"/>
             </a:lvl1pPr>
           </a:lstStyle>
           <a:p>
@@ -163,19 +157,13 @@
               <a:rPr lang="en-US"/>
               <a:t>Click to edit Master title style</a:t>
             </a:r>
-            <a:endParaRPr lang="es-MX"/>
-          </a:p>
-        </p:txBody>
-      </p:sp>
-      <p:sp>
-        <p:nvSpPr>
-          <p:cNvPr id="3" name="Subtitle 2">
-            <a:extLst>
-              <a:ext uri="{FF2B5EF4-FFF2-40B4-BE49-F238E27FC236}">
-                <a16:creationId xmlns:a16="http://schemas.microsoft.com/office/drawing/2014/main" id="{651DEBA3-5DF9-7E1E-D3BC-2B855641AB72}"/>
-              </a:ext>
-            </a:extLst>
-          </p:cNvPr>
+            <a:endParaRPr lang="en-US" dirty="0"/>
+          </a:p>
+        </p:txBody>
+      </p:sp>
+      <p:sp>
+        <p:nvSpPr>
+          <p:cNvPr id="3" name="Subtitle 2"/>
           <p:cNvSpPr>
             <a:spLocks noGrp="1"/>
           </p:cNvSpPr>
@@ -185,8 +173,8 @@
         </p:nvSpPr>
         <p:spPr>
           <a:xfrm>
-            <a:off x="1524000" y="3602038"/>
-            <a:ext cx="9144000" cy="1655762"/>
+            <a:off x="1524000" y="6249369"/>
+            <a:ext cx="9144000" cy="2872671"/>
           </a:xfrm>
         </p:spPr>
         <p:txBody>
@@ -194,39 +182,39 @@
           <a:lstStyle>
             <a:lvl1pPr marL="0" indent="0" algn="ctr">
               <a:buNone/>
+              <a:defRPr sz="3200"/>
+            </a:lvl1pPr>
+            <a:lvl2pPr marL="609585" indent="0" algn="ctr">
+              <a:buNone/>
+              <a:defRPr sz="2667"/>
+            </a:lvl2pPr>
+            <a:lvl3pPr marL="1219170" indent="0" algn="ctr">
+              <a:buNone/>
               <a:defRPr sz="2400"/>
-            </a:lvl1pPr>
-            <a:lvl2pPr marL="457200" indent="0" algn="ctr">
-              <a:buNone/>
-              <a:defRPr sz="2000"/>
-            </a:lvl2pPr>
-            <a:lvl3pPr marL="914400" indent="0" algn="ctr">
-              <a:buNone/>
-              <a:defRPr sz="1800"/>
             </a:lvl3pPr>
-            <a:lvl4pPr marL="1371600" indent="0" algn="ctr">
-              <a:buNone/>
-              <a:defRPr sz="1600"/>
+            <a:lvl4pPr marL="1828754" indent="0" algn="ctr">
+              <a:buNone/>
+              <a:defRPr sz="2133"/>
             </a:lvl4pPr>
-            <a:lvl5pPr marL="1828800" indent="0" algn="ctr">
-              <a:buNone/>
-              <a:defRPr sz="1600"/>
+            <a:lvl5pPr marL="2438339" indent="0" algn="ctr">
+              <a:buNone/>
+              <a:defRPr sz="2133"/>
             </a:lvl5pPr>
-            <a:lvl6pPr marL="2286000" indent="0" algn="ctr">
-              <a:buNone/>
-              <a:defRPr sz="1600"/>
+            <a:lvl6pPr marL="3047924" indent="0" algn="ctr">
+              <a:buNone/>
+              <a:defRPr sz="2133"/>
             </a:lvl6pPr>
-            <a:lvl7pPr marL="2743200" indent="0" algn="ctr">
-              <a:buNone/>
-              <a:defRPr sz="1600"/>
+            <a:lvl7pPr marL="3657509" indent="0" algn="ctr">
+              <a:buNone/>
+              <a:defRPr sz="2133"/>
             </a:lvl7pPr>
-            <a:lvl8pPr marL="3200400" indent="0" algn="ctr">
-              <a:buNone/>
-              <a:defRPr sz="1600"/>
+            <a:lvl8pPr marL="4267093" indent="0" algn="ctr">
+              <a:buNone/>
+              <a:defRPr sz="2133"/>
             </a:lvl8pPr>
-            <a:lvl9pPr marL="3657600" indent="0" algn="ctr">
-              <a:buNone/>
-              <a:defRPr sz="1600"/>
+            <a:lvl9pPr marL="4876678" indent="0" algn="ctr">
+              <a:buNone/>
+              <a:defRPr sz="2133"/>
             </a:lvl9pPr>
           </a:lstStyle>
           <a:p>
@@ -234,19 +222,13 @@
               <a:rPr lang="en-US"/>
               <a:t>Click to edit Master subtitle style</a:t>
             </a:r>
-            <a:endParaRPr lang="es-MX"/>
-          </a:p>
-        </p:txBody>
-      </p:sp>
-      <p:sp>
-        <p:nvSpPr>
-          <p:cNvPr id="4" name="Date Placeholder 3">
-            <a:extLst>
-              <a:ext uri="{FF2B5EF4-FFF2-40B4-BE49-F238E27FC236}">
-                <a16:creationId xmlns:a16="http://schemas.microsoft.com/office/drawing/2014/main" id="{45133797-8BF1-9856-9907-FB8307F9C36B}"/>
-              </a:ext>
-            </a:extLst>
-          </p:cNvPr>
+            <a:endParaRPr lang="en-US" dirty="0"/>
+          </a:p>
+        </p:txBody>
+      </p:sp>
+      <p:sp>
+        <p:nvSpPr>
+          <p:cNvPr id="4" name="Date Placeholder 3"/>
           <p:cNvSpPr>
             <a:spLocks noGrp="1"/>
           </p:cNvSpPr>
@@ -261,7 +243,7 @@
           <a:p>
             <a:fld id="{E3B75F80-F4B0-4C38-86B1-FEB191EA565F}" type="datetimeFigureOut">
               <a:rPr lang="es-MX" smtClean="0"/>
-              <a:t>28/09/2022</a:t>
+              <a:t>05/12/2022</a:t>
             </a:fld>
             <a:endParaRPr lang="es-MX"/>
           </a:p>
@@ -269,13 +251,7 @@
       </p:sp>
       <p:sp>
         <p:nvSpPr>
-          <p:cNvPr id="5" name="Footer Placeholder 4">
-            <a:extLst>
-              <a:ext uri="{FF2B5EF4-FFF2-40B4-BE49-F238E27FC236}">
-                <a16:creationId xmlns:a16="http://schemas.microsoft.com/office/drawing/2014/main" id="{4C55E5DE-86A1-3C0B-7B9C-6057F44391CC}"/>
-              </a:ext>
-            </a:extLst>
-          </p:cNvPr>
+          <p:cNvPr id="5" name="Footer Placeholder 4"/>
           <p:cNvSpPr>
             <a:spLocks noGrp="1"/>
           </p:cNvSpPr>
@@ -294,13 +270,7 @@
       </p:sp>
       <p:sp>
         <p:nvSpPr>
-          <p:cNvPr id="6" name="Slide Number Placeholder 5">
-            <a:extLst>
-              <a:ext uri="{FF2B5EF4-FFF2-40B4-BE49-F238E27FC236}">
-                <a16:creationId xmlns:a16="http://schemas.microsoft.com/office/drawing/2014/main" id="{6F926523-290E-28DC-2BE0-72F338B03D2C}"/>
-              </a:ext>
-            </a:extLst>
-          </p:cNvPr>
+          <p:cNvPr id="6" name="Slide Number Placeholder 5"/>
           <p:cNvSpPr>
             <a:spLocks noGrp="1"/>
           </p:cNvSpPr>
@@ -324,7 +294,7 @@
     </p:spTree>
     <p:extLst>
       <p:ext uri="{BB962C8B-B14F-4D97-AF65-F5344CB8AC3E}">
-        <p14:creationId xmlns:p14="http://schemas.microsoft.com/office/powerpoint/2010/main" val="3383792528"/>
+        <p14:creationId xmlns:p14="http://schemas.microsoft.com/office/powerpoint/2010/main" val="1544916124"/>
       </p:ext>
     </p:extLst>
   </p:cSld>
@@ -353,13 +323,7 @@
       </p:grpSpPr>
       <p:sp>
         <p:nvSpPr>
-          <p:cNvPr id="2" name="Title 1">
-            <a:extLst>
-              <a:ext uri="{FF2B5EF4-FFF2-40B4-BE49-F238E27FC236}">
-                <a16:creationId xmlns:a16="http://schemas.microsoft.com/office/drawing/2014/main" id="{7622DA7C-44F0-40EE-DF2B-247F37F55210}"/>
-              </a:ext>
-            </a:extLst>
-          </p:cNvPr>
+          <p:cNvPr id="2" name="Title 1"/>
           <p:cNvSpPr>
             <a:spLocks noGrp="1"/>
           </p:cNvSpPr>
@@ -376,19 +340,13 @@
               <a:rPr lang="en-US"/>
               <a:t>Click to edit Master title style</a:t>
             </a:r>
-            <a:endParaRPr lang="es-MX"/>
-          </a:p>
-        </p:txBody>
-      </p:sp>
-      <p:sp>
-        <p:nvSpPr>
-          <p:cNvPr id="3" name="Vertical Text Placeholder 2">
-            <a:extLst>
-              <a:ext uri="{FF2B5EF4-FFF2-40B4-BE49-F238E27FC236}">
-                <a16:creationId xmlns:a16="http://schemas.microsoft.com/office/drawing/2014/main" id="{C48984C2-2E61-C6DD-F6A6-A38F19FAE84C}"/>
-              </a:ext>
-            </a:extLst>
-          </p:cNvPr>
+            <a:endParaRPr lang="en-US" dirty="0"/>
+          </a:p>
+        </p:txBody>
+      </p:sp>
+      <p:sp>
+        <p:nvSpPr>
+          <p:cNvPr id="3" name="Vertical Text Placeholder 2"/>
           <p:cNvSpPr>
             <a:spLocks noGrp="1"/>
           </p:cNvSpPr>
@@ -434,19 +392,13 @@
               <a:rPr lang="en-US"/>
               <a:t>Fifth level</a:t>
             </a:r>
-            <a:endParaRPr lang="es-MX"/>
-          </a:p>
-        </p:txBody>
-      </p:sp>
-      <p:sp>
-        <p:nvSpPr>
-          <p:cNvPr id="4" name="Date Placeholder 3">
-            <a:extLst>
-              <a:ext uri="{FF2B5EF4-FFF2-40B4-BE49-F238E27FC236}">
-                <a16:creationId xmlns:a16="http://schemas.microsoft.com/office/drawing/2014/main" id="{AF668A62-37D4-BC38-5599-7D809EF4F0FA}"/>
-              </a:ext>
-            </a:extLst>
-          </p:cNvPr>
+            <a:endParaRPr lang="en-US" dirty="0"/>
+          </a:p>
+        </p:txBody>
+      </p:sp>
+      <p:sp>
+        <p:nvSpPr>
+          <p:cNvPr id="4" name="Date Placeholder 3"/>
           <p:cNvSpPr>
             <a:spLocks noGrp="1"/>
           </p:cNvSpPr>
@@ -461,7 +413,7 @@
           <a:p>
             <a:fld id="{E3B75F80-F4B0-4C38-86B1-FEB191EA565F}" type="datetimeFigureOut">
               <a:rPr lang="es-MX" smtClean="0"/>
-              <a:t>28/09/2022</a:t>
+              <a:t>05/12/2022</a:t>
             </a:fld>
             <a:endParaRPr lang="es-MX"/>
           </a:p>
@@ -469,13 +421,7 @@
       </p:sp>
       <p:sp>
         <p:nvSpPr>
-          <p:cNvPr id="5" name="Footer Placeholder 4">
-            <a:extLst>
-              <a:ext uri="{FF2B5EF4-FFF2-40B4-BE49-F238E27FC236}">
-                <a16:creationId xmlns:a16="http://schemas.microsoft.com/office/drawing/2014/main" id="{4E412E2B-CCB2-6769-BFEE-52B37DD85189}"/>
-              </a:ext>
-            </a:extLst>
-          </p:cNvPr>
+          <p:cNvPr id="5" name="Footer Placeholder 4"/>
           <p:cNvSpPr>
             <a:spLocks noGrp="1"/>
           </p:cNvSpPr>
@@ -494,13 +440,7 @@
       </p:sp>
       <p:sp>
         <p:nvSpPr>
-          <p:cNvPr id="6" name="Slide Number Placeholder 5">
-            <a:extLst>
-              <a:ext uri="{FF2B5EF4-FFF2-40B4-BE49-F238E27FC236}">
-                <a16:creationId xmlns:a16="http://schemas.microsoft.com/office/drawing/2014/main" id="{51C957ED-9873-0789-9921-3A6965D27C44}"/>
-              </a:ext>
-            </a:extLst>
-          </p:cNvPr>
+          <p:cNvPr id="6" name="Slide Number Placeholder 5"/>
           <p:cNvSpPr>
             <a:spLocks noGrp="1"/>
           </p:cNvSpPr>
@@ -524,7 +464,7 @@
     </p:spTree>
     <p:extLst>
       <p:ext uri="{BB962C8B-B14F-4D97-AF65-F5344CB8AC3E}">
-        <p14:creationId xmlns:p14="http://schemas.microsoft.com/office/powerpoint/2010/main" val="599863658"/>
+        <p14:creationId xmlns:p14="http://schemas.microsoft.com/office/powerpoint/2010/main" val="281878170"/>
       </p:ext>
     </p:extLst>
   </p:cSld>
@@ -553,13 +493,7 @@
       </p:grpSpPr>
       <p:sp>
         <p:nvSpPr>
-          <p:cNvPr id="2" name="Vertical Title 1">
-            <a:extLst>
-              <a:ext uri="{FF2B5EF4-FFF2-40B4-BE49-F238E27FC236}">
-                <a16:creationId xmlns:a16="http://schemas.microsoft.com/office/drawing/2014/main" id="{BEBC9A6E-AE64-5380-46B0-FDEB327F3651}"/>
-              </a:ext>
-            </a:extLst>
-          </p:cNvPr>
+          <p:cNvPr id="2" name="Vertical Title 1"/>
           <p:cNvSpPr>
             <a:spLocks noGrp="1"/>
           </p:cNvSpPr>
@@ -569,8 +503,8 @@
         </p:nvSpPr>
         <p:spPr>
           <a:xfrm>
-            <a:off x="8724900" y="365125"/>
-            <a:ext cx="2628900" cy="5811838"/>
+            <a:off x="8724901" y="633475"/>
+            <a:ext cx="2628900" cy="10083270"/>
           </a:xfrm>
         </p:spPr>
         <p:txBody>
@@ -581,19 +515,13 @@
               <a:rPr lang="en-US"/>
               <a:t>Click to edit Master title style</a:t>
             </a:r>
-            <a:endParaRPr lang="es-MX"/>
-          </a:p>
-        </p:txBody>
-      </p:sp>
-      <p:sp>
-        <p:nvSpPr>
-          <p:cNvPr id="3" name="Vertical Text Placeholder 2">
-            <a:extLst>
-              <a:ext uri="{FF2B5EF4-FFF2-40B4-BE49-F238E27FC236}">
-                <a16:creationId xmlns:a16="http://schemas.microsoft.com/office/drawing/2014/main" id="{35A5274B-A6AB-DC2E-D395-C3D2CF56295D}"/>
-              </a:ext>
-            </a:extLst>
-          </p:cNvPr>
+            <a:endParaRPr lang="en-US" dirty="0"/>
+          </a:p>
+        </p:txBody>
+      </p:sp>
+      <p:sp>
+        <p:nvSpPr>
+          <p:cNvPr id="3" name="Vertical Text Placeholder 2"/>
           <p:cNvSpPr>
             <a:spLocks noGrp="1"/>
           </p:cNvSpPr>
@@ -603,8 +531,8 @@
         </p:nvSpPr>
         <p:spPr>
           <a:xfrm>
-            <a:off x="838200" y="365125"/>
-            <a:ext cx="7734300" cy="5811838"/>
+            <a:off x="838201" y="633475"/>
+            <a:ext cx="7734300" cy="10083270"/>
           </a:xfrm>
         </p:spPr>
         <p:txBody>
@@ -644,19 +572,13 @@
               <a:rPr lang="en-US"/>
               <a:t>Fifth level</a:t>
             </a:r>
-            <a:endParaRPr lang="es-MX"/>
-          </a:p>
-        </p:txBody>
-      </p:sp>
-      <p:sp>
-        <p:nvSpPr>
-          <p:cNvPr id="4" name="Date Placeholder 3">
-            <a:extLst>
-              <a:ext uri="{FF2B5EF4-FFF2-40B4-BE49-F238E27FC236}">
-                <a16:creationId xmlns:a16="http://schemas.microsoft.com/office/drawing/2014/main" id="{312E563C-432C-842A-3F18-C819591F81E2}"/>
-              </a:ext>
-            </a:extLst>
-          </p:cNvPr>
+            <a:endParaRPr lang="en-US" dirty="0"/>
+          </a:p>
+        </p:txBody>
+      </p:sp>
+      <p:sp>
+        <p:nvSpPr>
+          <p:cNvPr id="4" name="Date Placeholder 3"/>
           <p:cNvSpPr>
             <a:spLocks noGrp="1"/>
           </p:cNvSpPr>
@@ -671,7 +593,7 @@
           <a:p>
             <a:fld id="{E3B75F80-F4B0-4C38-86B1-FEB191EA565F}" type="datetimeFigureOut">
               <a:rPr lang="es-MX" smtClean="0"/>
-              <a:t>28/09/2022</a:t>
+              <a:t>05/12/2022</a:t>
             </a:fld>
             <a:endParaRPr lang="es-MX"/>
           </a:p>
@@ -679,13 +601,7 @@
       </p:sp>
       <p:sp>
         <p:nvSpPr>
-          <p:cNvPr id="5" name="Footer Placeholder 4">
-            <a:extLst>
-              <a:ext uri="{FF2B5EF4-FFF2-40B4-BE49-F238E27FC236}">
-                <a16:creationId xmlns:a16="http://schemas.microsoft.com/office/drawing/2014/main" id="{54BB2937-44FD-5AE2-47F7-20AD490024E0}"/>
-              </a:ext>
-            </a:extLst>
-          </p:cNvPr>
+          <p:cNvPr id="5" name="Footer Placeholder 4"/>
           <p:cNvSpPr>
             <a:spLocks noGrp="1"/>
           </p:cNvSpPr>
@@ -704,13 +620,7 @@
       </p:sp>
       <p:sp>
         <p:nvSpPr>
-          <p:cNvPr id="6" name="Slide Number Placeholder 5">
-            <a:extLst>
-              <a:ext uri="{FF2B5EF4-FFF2-40B4-BE49-F238E27FC236}">
-                <a16:creationId xmlns:a16="http://schemas.microsoft.com/office/drawing/2014/main" id="{72ABDF27-B0D4-E2C4-296E-410ADD4CFA98}"/>
-              </a:ext>
-            </a:extLst>
-          </p:cNvPr>
+          <p:cNvPr id="6" name="Slide Number Placeholder 5"/>
           <p:cNvSpPr>
             <a:spLocks noGrp="1"/>
           </p:cNvSpPr>
@@ -734,7 +644,7 @@
     </p:spTree>
     <p:extLst>
       <p:ext uri="{BB962C8B-B14F-4D97-AF65-F5344CB8AC3E}">
-        <p14:creationId xmlns:p14="http://schemas.microsoft.com/office/powerpoint/2010/main" val="2404097658"/>
+        <p14:creationId xmlns:p14="http://schemas.microsoft.com/office/powerpoint/2010/main" val="784522842"/>
       </p:ext>
     </p:extLst>
   </p:cSld>
@@ -763,13 +673,7 @@
       </p:grpSpPr>
       <p:sp>
         <p:nvSpPr>
-          <p:cNvPr id="2" name="Title 1">
-            <a:extLst>
-              <a:ext uri="{FF2B5EF4-FFF2-40B4-BE49-F238E27FC236}">
-                <a16:creationId xmlns:a16="http://schemas.microsoft.com/office/drawing/2014/main" id="{493EF7D4-A374-0779-5737-7E922F5FDF4F}"/>
-              </a:ext>
-            </a:extLst>
-          </p:cNvPr>
+          <p:cNvPr id="2" name="Title 1"/>
           <p:cNvSpPr>
             <a:spLocks noGrp="1"/>
           </p:cNvSpPr>
@@ -786,19 +690,13 @@
               <a:rPr lang="en-US"/>
               <a:t>Click to edit Master title style</a:t>
             </a:r>
-            <a:endParaRPr lang="es-MX"/>
-          </a:p>
-        </p:txBody>
-      </p:sp>
-      <p:sp>
-        <p:nvSpPr>
-          <p:cNvPr id="3" name="Content Placeholder 2">
-            <a:extLst>
-              <a:ext uri="{FF2B5EF4-FFF2-40B4-BE49-F238E27FC236}">
-                <a16:creationId xmlns:a16="http://schemas.microsoft.com/office/drawing/2014/main" id="{4F651B5F-150F-6026-6AD9-E42E88A4C1DE}"/>
-              </a:ext>
-            </a:extLst>
-          </p:cNvPr>
+            <a:endParaRPr lang="en-US" dirty="0"/>
+          </a:p>
+        </p:txBody>
+      </p:sp>
+      <p:sp>
+        <p:nvSpPr>
+          <p:cNvPr id="3" name="Content Placeholder 2"/>
           <p:cNvSpPr>
             <a:spLocks noGrp="1"/>
           </p:cNvSpPr>
@@ -844,19 +742,13 @@
               <a:rPr lang="en-US"/>
               <a:t>Fifth level</a:t>
             </a:r>
-            <a:endParaRPr lang="es-MX"/>
-          </a:p>
-        </p:txBody>
-      </p:sp>
-      <p:sp>
-        <p:nvSpPr>
-          <p:cNvPr id="4" name="Date Placeholder 3">
-            <a:extLst>
-              <a:ext uri="{FF2B5EF4-FFF2-40B4-BE49-F238E27FC236}">
-                <a16:creationId xmlns:a16="http://schemas.microsoft.com/office/drawing/2014/main" id="{D988B77F-0EF2-EA47-4DC3-879EA1B1642A}"/>
-              </a:ext>
-            </a:extLst>
-          </p:cNvPr>
+            <a:endParaRPr lang="en-US" dirty="0"/>
+          </a:p>
+        </p:txBody>
+      </p:sp>
+      <p:sp>
+        <p:nvSpPr>
+          <p:cNvPr id="4" name="Date Placeholder 3"/>
           <p:cNvSpPr>
             <a:spLocks noGrp="1"/>
           </p:cNvSpPr>
@@ -871,7 +763,7 @@
           <a:p>
             <a:fld id="{E3B75F80-F4B0-4C38-86B1-FEB191EA565F}" type="datetimeFigureOut">
               <a:rPr lang="es-MX" smtClean="0"/>
-              <a:t>28/09/2022</a:t>
+              <a:t>05/12/2022</a:t>
             </a:fld>
             <a:endParaRPr lang="es-MX"/>
           </a:p>
@@ -879,13 +771,7 @@
       </p:sp>
       <p:sp>
         <p:nvSpPr>
-          <p:cNvPr id="5" name="Footer Placeholder 4">
-            <a:extLst>
-              <a:ext uri="{FF2B5EF4-FFF2-40B4-BE49-F238E27FC236}">
-                <a16:creationId xmlns:a16="http://schemas.microsoft.com/office/drawing/2014/main" id="{6EF52B36-C039-64E2-5C5C-ADC74D4C0F1F}"/>
-              </a:ext>
-            </a:extLst>
-          </p:cNvPr>
+          <p:cNvPr id="5" name="Footer Placeholder 4"/>
           <p:cNvSpPr>
             <a:spLocks noGrp="1"/>
           </p:cNvSpPr>
@@ -904,13 +790,7 @@
       </p:sp>
       <p:sp>
         <p:nvSpPr>
-          <p:cNvPr id="6" name="Slide Number Placeholder 5">
-            <a:extLst>
-              <a:ext uri="{FF2B5EF4-FFF2-40B4-BE49-F238E27FC236}">
-                <a16:creationId xmlns:a16="http://schemas.microsoft.com/office/drawing/2014/main" id="{A781FAC2-172B-44E7-D508-F66D55902EBF}"/>
-              </a:ext>
-            </a:extLst>
-          </p:cNvPr>
+          <p:cNvPr id="6" name="Slide Number Placeholder 5"/>
           <p:cNvSpPr>
             <a:spLocks noGrp="1"/>
           </p:cNvSpPr>
@@ -934,7 +814,7 @@
     </p:spTree>
     <p:extLst>
       <p:ext uri="{BB962C8B-B14F-4D97-AF65-F5344CB8AC3E}">
-        <p14:creationId xmlns:p14="http://schemas.microsoft.com/office/powerpoint/2010/main" val="1176450374"/>
+        <p14:creationId xmlns:p14="http://schemas.microsoft.com/office/powerpoint/2010/main" val="3705821916"/>
       </p:ext>
     </p:extLst>
   </p:cSld>
@@ -963,13 +843,7 @@
       </p:grpSpPr>
       <p:sp>
         <p:nvSpPr>
-          <p:cNvPr id="2" name="Title 1">
-            <a:extLst>
-              <a:ext uri="{FF2B5EF4-FFF2-40B4-BE49-F238E27FC236}">
-                <a16:creationId xmlns:a16="http://schemas.microsoft.com/office/drawing/2014/main" id="{B434428B-1C56-2AA5-FFCB-522248789BAD}"/>
-              </a:ext>
-            </a:extLst>
-          </p:cNvPr>
+          <p:cNvPr id="2" name="Title 1"/>
           <p:cNvSpPr>
             <a:spLocks noGrp="1"/>
           </p:cNvSpPr>
@@ -979,15 +853,15 @@
         </p:nvSpPr>
         <p:spPr>
           <a:xfrm>
-            <a:off x="831850" y="1709738"/>
-            <a:ext cx="10515600" cy="2852737"/>
+            <a:off x="831851" y="2966319"/>
+            <a:ext cx="10515600" cy="4949367"/>
           </a:xfrm>
         </p:spPr>
         <p:txBody>
           <a:bodyPr anchor="b"/>
           <a:lstStyle>
             <a:lvl1pPr>
-              <a:defRPr sz="6000"/>
+              <a:defRPr sz="8000"/>
             </a:lvl1pPr>
           </a:lstStyle>
           <a:p>
@@ -995,19 +869,13 @@
               <a:rPr lang="en-US"/>
               <a:t>Click to edit Master title style</a:t>
             </a:r>
-            <a:endParaRPr lang="es-MX"/>
-          </a:p>
-        </p:txBody>
-      </p:sp>
-      <p:sp>
-        <p:nvSpPr>
-          <p:cNvPr id="3" name="Text Placeholder 2">
-            <a:extLst>
-              <a:ext uri="{FF2B5EF4-FFF2-40B4-BE49-F238E27FC236}">
-                <a16:creationId xmlns:a16="http://schemas.microsoft.com/office/drawing/2014/main" id="{9A84AC6D-8003-0CFE-96E6-96CD48B63553}"/>
-              </a:ext>
-            </a:extLst>
-          </p:cNvPr>
+            <a:endParaRPr lang="en-US" dirty="0"/>
+          </a:p>
+        </p:txBody>
+      </p:sp>
+      <p:sp>
+        <p:nvSpPr>
+          <p:cNvPr id="3" name="Text Placeholder 2"/>
           <p:cNvSpPr>
             <a:spLocks noGrp="1"/>
           </p:cNvSpPr>
@@ -1017,14 +885,32 @@
         </p:nvSpPr>
         <p:spPr>
           <a:xfrm>
-            <a:off x="831850" y="4589463"/>
-            <a:ext cx="10515600" cy="1500187"/>
+            <a:off x="831851" y="7962509"/>
+            <a:ext cx="10515600" cy="2602755"/>
           </a:xfrm>
         </p:spPr>
         <p:txBody>
           <a:bodyPr/>
           <a:lstStyle>
             <a:lvl1pPr marL="0" indent="0">
+              <a:buNone/>
+              <a:defRPr sz="3200">
+                <a:solidFill>
+                  <a:schemeClr val="tx1"/>
+                </a:solidFill>
+              </a:defRPr>
+            </a:lvl1pPr>
+            <a:lvl2pPr marL="609585" indent="0">
+              <a:buNone/>
+              <a:defRPr sz="2667">
+                <a:solidFill>
+                  <a:schemeClr val="tx1">
+                    <a:tint val="75000"/>
+                  </a:schemeClr>
+                </a:solidFill>
+              </a:defRPr>
+            </a:lvl2pPr>
+            <a:lvl3pPr marL="1219170" indent="0">
               <a:buNone/>
               <a:defRPr sz="2400">
                 <a:solidFill>
@@ -1033,30 +919,10 @@
                   </a:schemeClr>
                 </a:solidFill>
               </a:defRPr>
-            </a:lvl1pPr>
-            <a:lvl2pPr marL="457200" indent="0">
-              <a:buNone/>
-              <a:defRPr sz="2000">
-                <a:solidFill>
-                  <a:schemeClr val="tx1">
-                    <a:tint val="75000"/>
-                  </a:schemeClr>
-                </a:solidFill>
-              </a:defRPr>
-            </a:lvl2pPr>
-            <a:lvl3pPr marL="914400" indent="0">
-              <a:buNone/>
-              <a:defRPr sz="1800">
-                <a:solidFill>
-                  <a:schemeClr val="tx1">
-                    <a:tint val="75000"/>
-                  </a:schemeClr>
-                </a:solidFill>
-              </a:defRPr>
             </a:lvl3pPr>
-            <a:lvl4pPr marL="1371600" indent="0">
-              <a:buNone/>
-              <a:defRPr sz="1600">
+            <a:lvl4pPr marL="1828754" indent="0">
+              <a:buNone/>
+              <a:defRPr sz="2133">
                 <a:solidFill>
                   <a:schemeClr val="tx1">
                     <a:tint val="75000"/>
@@ -1064,9 +930,9 @@
                 </a:solidFill>
               </a:defRPr>
             </a:lvl4pPr>
-            <a:lvl5pPr marL="1828800" indent="0">
-              <a:buNone/>
-              <a:defRPr sz="1600">
+            <a:lvl5pPr marL="2438339" indent="0">
+              <a:buNone/>
+              <a:defRPr sz="2133">
                 <a:solidFill>
                   <a:schemeClr val="tx1">
                     <a:tint val="75000"/>
@@ -1074,9 +940,9 @@
                 </a:solidFill>
               </a:defRPr>
             </a:lvl5pPr>
-            <a:lvl6pPr marL="2286000" indent="0">
-              <a:buNone/>
-              <a:defRPr sz="1600">
+            <a:lvl6pPr marL="3047924" indent="0">
+              <a:buNone/>
+              <a:defRPr sz="2133">
                 <a:solidFill>
                   <a:schemeClr val="tx1">
                     <a:tint val="75000"/>
@@ -1084,9 +950,9 @@
                 </a:solidFill>
               </a:defRPr>
             </a:lvl6pPr>
-            <a:lvl7pPr marL="2743200" indent="0">
-              <a:buNone/>
-              <a:defRPr sz="1600">
+            <a:lvl7pPr marL="3657509" indent="0">
+              <a:buNone/>
+              <a:defRPr sz="2133">
                 <a:solidFill>
                   <a:schemeClr val="tx1">
                     <a:tint val="75000"/>
@@ -1094,9 +960,9 @@
                 </a:solidFill>
               </a:defRPr>
             </a:lvl7pPr>
-            <a:lvl8pPr marL="3200400" indent="0">
-              <a:buNone/>
-              <a:defRPr sz="1600">
+            <a:lvl8pPr marL="4267093" indent="0">
+              <a:buNone/>
+              <a:defRPr sz="2133">
                 <a:solidFill>
                   <a:schemeClr val="tx1">
                     <a:tint val="75000"/>
@@ -1104,9 +970,9 @@
                 </a:solidFill>
               </a:defRPr>
             </a:lvl8pPr>
-            <a:lvl9pPr marL="3657600" indent="0">
-              <a:buNone/>
-              <a:defRPr sz="1600">
+            <a:lvl9pPr marL="4876678" indent="0">
+              <a:buNone/>
+              <a:defRPr sz="2133">
                 <a:solidFill>
                   <a:schemeClr val="tx1">
                     <a:tint val="75000"/>
@@ -1126,13 +992,7 @@
       </p:sp>
       <p:sp>
         <p:nvSpPr>
-          <p:cNvPr id="4" name="Date Placeholder 3">
-            <a:extLst>
-              <a:ext uri="{FF2B5EF4-FFF2-40B4-BE49-F238E27FC236}">
-                <a16:creationId xmlns:a16="http://schemas.microsoft.com/office/drawing/2014/main" id="{9B79EC37-DBA1-A0AB-6214-805E0693A429}"/>
-              </a:ext>
-            </a:extLst>
-          </p:cNvPr>
+          <p:cNvPr id="4" name="Date Placeholder 3"/>
           <p:cNvSpPr>
             <a:spLocks noGrp="1"/>
           </p:cNvSpPr>
@@ -1147,7 +1007,7 @@
           <a:p>
             <a:fld id="{E3B75F80-F4B0-4C38-86B1-FEB191EA565F}" type="datetimeFigureOut">
               <a:rPr lang="es-MX" smtClean="0"/>
-              <a:t>28/09/2022</a:t>
+              <a:t>05/12/2022</a:t>
             </a:fld>
             <a:endParaRPr lang="es-MX"/>
           </a:p>
@@ -1155,13 +1015,7 @@
       </p:sp>
       <p:sp>
         <p:nvSpPr>
-          <p:cNvPr id="5" name="Footer Placeholder 4">
-            <a:extLst>
-              <a:ext uri="{FF2B5EF4-FFF2-40B4-BE49-F238E27FC236}">
-                <a16:creationId xmlns:a16="http://schemas.microsoft.com/office/drawing/2014/main" id="{7BEE5166-7B61-2031-4E98-650C296335AF}"/>
-              </a:ext>
-            </a:extLst>
-          </p:cNvPr>
+          <p:cNvPr id="5" name="Footer Placeholder 4"/>
           <p:cNvSpPr>
             <a:spLocks noGrp="1"/>
           </p:cNvSpPr>
@@ -1180,13 +1034,7 @@
       </p:sp>
       <p:sp>
         <p:nvSpPr>
-          <p:cNvPr id="6" name="Slide Number Placeholder 5">
-            <a:extLst>
-              <a:ext uri="{FF2B5EF4-FFF2-40B4-BE49-F238E27FC236}">
-                <a16:creationId xmlns:a16="http://schemas.microsoft.com/office/drawing/2014/main" id="{668D9361-9D1A-8FEF-C868-CAFAA383A3F0}"/>
-              </a:ext>
-            </a:extLst>
-          </p:cNvPr>
+          <p:cNvPr id="6" name="Slide Number Placeholder 5"/>
           <p:cNvSpPr>
             <a:spLocks noGrp="1"/>
           </p:cNvSpPr>
@@ -1210,7 +1058,7 @@
     </p:spTree>
     <p:extLst>
       <p:ext uri="{BB962C8B-B14F-4D97-AF65-F5344CB8AC3E}">
-        <p14:creationId xmlns:p14="http://schemas.microsoft.com/office/powerpoint/2010/main" val="3024011047"/>
+        <p14:creationId xmlns:p14="http://schemas.microsoft.com/office/powerpoint/2010/main" val="1883780431"/>
       </p:ext>
     </p:extLst>
   </p:cSld>
@@ -1239,13 +1087,7 @@
       </p:grpSpPr>
       <p:sp>
         <p:nvSpPr>
-          <p:cNvPr id="2" name="Title 1">
-            <a:extLst>
-              <a:ext uri="{FF2B5EF4-FFF2-40B4-BE49-F238E27FC236}">
-                <a16:creationId xmlns:a16="http://schemas.microsoft.com/office/drawing/2014/main" id="{32B7EBAA-5E13-1E4F-443E-D8B7789E7B7E}"/>
-              </a:ext>
-            </a:extLst>
-          </p:cNvPr>
+          <p:cNvPr id="2" name="Title 1"/>
           <p:cNvSpPr>
             <a:spLocks noGrp="1"/>
           </p:cNvSpPr>
@@ -1262,19 +1104,13 @@
               <a:rPr lang="en-US"/>
               <a:t>Click to edit Master title style</a:t>
             </a:r>
-            <a:endParaRPr lang="es-MX"/>
-          </a:p>
-        </p:txBody>
-      </p:sp>
-      <p:sp>
-        <p:nvSpPr>
-          <p:cNvPr id="3" name="Content Placeholder 2">
-            <a:extLst>
-              <a:ext uri="{FF2B5EF4-FFF2-40B4-BE49-F238E27FC236}">
-                <a16:creationId xmlns:a16="http://schemas.microsoft.com/office/drawing/2014/main" id="{4C3840D4-2913-BB42-242E-250A35F9F846}"/>
-              </a:ext>
-            </a:extLst>
-          </p:cNvPr>
+            <a:endParaRPr lang="en-US" dirty="0"/>
+          </a:p>
+        </p:txBody>
+      </p:sp>
+      <p:sp>
+        <p:nvSpPr>
+          <p:cNvPr id="3" name="Content Placeholder 2"/>
           <p:cNvSpPr>
             <a:spLocks noGrp="1"/>
           </p:cNvSpPr>
@@ -1284,8 +1120,8 @@
         </p:nvSpPr>
         <p:spPr>
           <a:xfrm>
-            <a:off x="838200" y="1825625"/>
-            <a:ext cx="5181600" cy="4351338"/>
+            <a:off x="838200" y="3167375"/>
+            <a:ext cx="5181600" cy="7549370"/>
           </a:xfrm>
         </p:spPr>
         <p:txBody>
@@ -1325,19 +1161,13 @@
               <a:rPr lang="en-US"/>
               <a:t>Fifth level</a:t>
             </a:r>
-            <a:endParaRPr lang="es-MX"/>
-          </a:p>
-        </p:txBody>
-      </p:sp>
-      <p:sp>
-        <p:nvSpPr>
-          <p:cNvPr id="4" name="Content Placeholder 3">
-            <a:extLst>
-              <a:ext uri="{FF2B5EF4-FFF2-40B4-BE49-F238E27FC236}">
-                <a16:creationId xmlns:a16="http://schemas.microsoft.com/office/drawing/2014/main" id="{F13C129E-A552-408A-974D-D0E4F825F6B3}"/>
-              </a:ext>
-            </a:extLst>
-          </p:cNvPr>
+            <a:endParaRPr lang="en-US" dirty="0"/>
+          </a:p>
+        </p:txBody>
+      </p:sp>
+      <p:sp>
+        <p:nvSpPr>
+          <p:cNvPr id="4" name="Content Placeholder 3"/>
           <p:cNvSpPr>
             <a:spLocks noGrp="1"/>
           </p:cNvSpPr>
@@ -1347,8 +1177,8 @@
         </p:nvSpPr>
         <p:spPr>
           <a:xfrm>
-            <a:off x="6172200" y="1825625"/>
-            <a:ext cx="5181600" cy="4351338"/>
+            <a:off x="6172200" y="3167375"/>
+            <a:ext cx="5181600" cy="7549370"/>
           </a:xfrm>
         </p:spPr>
         <p:txBody>
@@ -1388,19 +1218,13 @@
               <a:rPr lang="en-US"/>
               <a:t>Fifth level</a:t>
             </a:r>
-            <a:endParaRPr lang="es-MX"/>
-          </a:p>
-        </p:txBody>
-      </p:sp>
-      <p:sp>
-        <p:nvSpPr>
-          <p:cNvPr id="5" name="Date Placeholder 4">
-            <a:extLst>
-              <a:ext uri="{FF2B5EF4-FFF2-40B4-BE49-F238E27FC236}">
-                <a16:creationId xmlns:a16="http://schemas.microsoft.com/office/drawing/2014/main" id="{81C1DCCA-35C2-2DA3-7E4F-7B32EA5287BD}"/>
-              </a:ext>
-            </a:extLst>
-          </p:cNvPr>
+            <a:endParaRPr lang="en-US" dirty="0"/>
+          </a:p>
+        </p:txBody>
+      </p:sp>
+      <p:sp>
+        <p:nvSpPr>
+          <p:cNvPr id="5" name="Date Placeholder 4"/>
           <p:cNvSpPr>
             <a:spLocks noGrp="1"/>
           </p:cNvSpPr>
@@ -1415,7 +1239,7 @@
           <a:p>
             <a:fld id="{E3B75F80-F4B0-4C38-86B1-FEB191EA565F}" type="datetimeFigureOut">
               <a:rPr lang="es-MX" smtClean="0"/>
-              <a:t>28/09/2022</a:t>
+              <a:t>05/12/2022</a:t>
             </a:fld>
             <a:endParaRPr lang="es-MX"/>
           </a:p>
@@ -1423,13 +1247,7 @@
       </p:sp>
       <p:sp>
         <p:nvSpPr>
-          <p:cNvPr id="6" name="Footer Placeholder 5">
-            <a:extLst>
-              <a:ext uri="{FF2B5EF4-FFF2-40B4-BE49-F238E27FC236}">
-                <a16:creationId xmlns:a16="http://schemas.microsoft.com/office/drawing/2014/main" id="{2B3DD0FF-5840-0457-6F94-5E30E14B554A}"/>
-              </a:ext>
-            </a:extLst>
-          </p:cNvPr>
+          <p:cNvPr id="6" name="Footer Placeholder 5"/>
           <p:cNvSpPr>
             <a:spLocks noGrp="1"/>
           </p:cNvSpPr>
@@ -1448,13 +1266,7 @@
       </p:sp>
       <p:sp>
         <p:nvSpPr>
-          <p:cNvPr id="7" name="Slide Number Placeholder 6">
-            <a:extLst>
-              <a:ext uri="{FF2B5EF4-FFF2-40B4-BE49-F238E27FC236}">
-                <a16:creationId xmlns:a16="http://schemas.microsoft.com/office/drawing/2014/main" id="{1E8A94C8-F40C-D720-62EC-6E916846BFB3}"/>
-              </a:ext>
-            </a:extLst>
-          </p:cNvPr>
+          <p:cNvPr id="7" name="Slide Number Placeholder 6"/>
           <p:cNvSpPr>
             <a:spLocks noGrp="1"/>
           </p:cNvSpPr>
@@ -1478,7 +1290,7 @@
     </p:spTree>
     <p:extLst>
       <p:ext uri="{BB962C8B-B14F-4D97-AF65-F5344CB8AC3E}">
-        <p14:creationId xmlns:p14="http://schemas.microsoft.com/office/powerpoint/2010/main" val="118892110"/>
+        <p14:creationId xmlns:p14="http://schemas.microsoft.com/office/powerpoint/2010/main" val="1429688509"/>
       </p:ext>
     </p:extLst>
   </p:cSld>
@@ -1507,13 +1319,7 @@
       </p:grpSpPr>
       <p:sp>
         <p:nvSpPr>
-          <p:cNvPr id="2" name="Title 1">
-            <a:extLst>
-              <a:ext uri="{FF2B5EF4-FFF2-40B4-BE49-F238E27FC236}">
-                <a16:creationId xmlns:a16="http://schemas.microsoft.com/office/drawing/2014/main" id="{9161F2AB-23AB-ABA2-3F03-4D6435892028}"/>
-              </a:ext>
-            </a:extLst>
-          </p:cNvPr>
+          <p:cNvPr id="2" name="Title 1"/>
           <p:cNvSpPr>
             <a:spLocks noGrp="1"/>
           </p:cNvSpPr>
@@ -1523,8 +1329,8 @@
         </p:nvSpPr>
         <p:spPr>
           <a:xfrm>
-            <a:off x="839788" y="365125"/>
-            <a:ext cx="10515600" cy="1325563"/>
+            <a:off x="839788" y="633477"/>
+            <a:ext cx="10515600" cy="2299791"/>
           </a:xfrm>
         </p:spPr>
         <p:txBody>
@@ -1535,19 +1341,13 @@
               <a:rPr lang="en-US"/>
               <a:t>Click to edit Master title style</a:t>
             </a:r>
-            <a:endParaRPr lang="es-MX"/>
-          </a:p>
-        </p:txBody>
-      </p:sp>
-      <p:sp>
-        <p:nvSpPr>
-          <p:cNvPr id="3" name="Text Placeholder 2">
-            <a:extLst>
-              <a:ext uri="{FF2B5EF4-FFF2-40B4-BE49-F238E27FC236}">
-                <a16:creationId xmlns:a16="http://schemas.microsoft.com/office/drawing/2014/main" id="{3F91D40B-C59B-723F-038E-D61969986D1D}"/>
-              </a:ext>
-            </a:extLst>
-          </p:cNvPr>
+            <a:endParaRPr lang="en-US" dirty="0"/>
+          </a:p>
+        </p:txBody>
+      </p:sp>
+      <p:sp>
+        <p:nvSpPr>
+          <p:cNvPr id="3" name="Text Placeholder 2"/>
           <p:cNvSpPr>
             <a:spLocks noGrp="1"/>
           </p:cNvSpPr>
@@ -1557,8 +1357,8 @@
         </p:nvSpPr>
         <p:spPr>
           <a:xfrm>
-            <a:off x="839788" y="1681163"/>
-            <a:ext cx="5157787" cy="823912"/>
+            <a:off x="839789" y="2916740"/>
+            <a:ext cx="5157787" cy="1429449"/>
           </a:xfrm>
         </p:spPr>
         <p:txBody>
@@ -1566,39 +1366,39 @@
           <a:lstStyle>
             <a:lvl1pPr marL="0" indent="0">
               <a:buNone/>
+              <a:defRPr sz="3200" b="1"/>
+            </a:lvl1pPr>
+            <a:lvl2pPr marL="609585" indent="0">
+              <a:buNone/>
+              <a:defRPr sz="2667" b="1"/>
+            </a:lvl2pPr>
+            <a:lvl3pPr marL="1219170" indent="0">
+              <a:buNone/>
               <a:defRPr sz="2400" b="1"/>
-            </a:lvl1pPr>
-            <a:lvl2pPr marL="457200" indent="0">
-              <a:buNone/>
-              <a:defRPr sz="2000" b="1"/>
-            </a:lvl2pPr>
-            <a:lvl3pPr marL="914400" indent="0">
-              <a:buNone/>
-              <a:defRPr sz="1800" b="1"/>
             </a:lvl3pPr>
-            <a:lvl4pPr marL="1371600" indent="0">
-              <a:buNone/>
-              <a:defRPr sz="1600" b="1"/>
+            <a:lvl4pPr marL="1828754" indent="0">
+              <a:buNone/>
+              <a:defRPr sz="2133" b="1"/>
             </a:lvl4pPr>
-            <a:lvl5pPr marL="1828800" indent="0">
-              <a:buNone/>
-              <a:defRPr sz="1600" b="1"/>
+            <a:lvl5pPr marL="2438339" indent="0">
+              <a:buNone/>
+              <a:defRPr sz="2133" b="1"/>
             </a:lvl5pPr>
-            <a:lvl6pPr marL="2286000" indent="0">
-              <a:buNone/>
-              <a:defRPr sz="1600" b="1"/>
+            <a:lvl6pPr marL="3047924" indent="0">
+              <a:buNone/>
+              <a:defRPr sz="2133" b="1"/>
             </a:lvl6pPr>
-            <a:lvl7pPr marL="2743200" indent="0">
-              <a:buNone/>
-              <a:defRPr sz="1600" b="1"/>
+            <a:lvl7pPr marL="3657509" indent="0">
+              <a:buNone/>
+              <a:defRPr sz="2133" b="1"/>
             </a:lvl7pPr>
-            <a:lvl8pPr marL="3200400" indent="0">
-              <a:buNone/>
-              <a:defRPr sz="1600" b="1"/>
+            <a:lvl8pPr marL="4267093" indent="0">
+              <a:buNone/>
+              <a:defRPr sz="2133" b="1"/>
             </a:lvl8pPr>
-            <a:lvl9pPr marL="3657600" indent="0">
-              <a:buNone/>
-              <a:defRPr sz="1600" b="1"/>
+            <a:lvl9pPr marL="4876678" indent="0">
+              <a:buNone/>
+              <a:defRPr sz="2133" b="1"/>
             </a:lvl9pPr>
           </a:lstStyle>
           <a:p>
@@ -1612,13 +1412,7 @@
       </p:sp>
       <p:sp>
         <p:nvSpPr>
-          <p:cNvPr id="4" name="Content Placeholder 3">
-            <a:extLst>
-              <a:ext uri="{FF2B5EF4-FFF2-40B4-BE49-F238E27FC236}">
-                <a16:creationId xmlns:a16="http://schemas.microsoft.com/office/drawing/2014/main" id="{B79BCF32-DF5D-13AB-9AAA-7C4F67F4A8B5}"/>
-              </a:ext>
-            </a:extLst>
-          </p:cNvPr>
+          <p:cNvPr id="4" name="Content Placeholder 3"/>
           <p:cNvSpPr>
             <a:spLocks noGrp="1"/>
           </p:cNvSpPr>
@@ -1628,8 +1422,8 @@
         </p:nvSpPr>
         <p:spPr>
           <a:xfrm>
-            <a:off x="839788" y="2505075"/>
-            <a:ext cx="5157787" cy="3684588"/>
+            <a:off x="839789" y="4346189"/>
+            <a:ext cx="5157787" cy="6392590"/>
           </a:xfrm>
         </p:spPr>
         <p:txBody>
@@ -1669,19 +1463,13 @@
               <a:rPr lang="en-US"/>
               <a:t>Fifth level</a:t>
             </a:r>
-            <a:endParaRPr lang="es-MX"/>
-          </a:p>
-        </p:txBody>
-      </p:sp>
-      <p:sp>
-        <p:nvSpPr>
-          <p:cNvPr id="5" name="Text Placeholder 4">
-            <a:extLst>
-              <a:ext uri="{FF2B5EF4-FFF2-40B4-BE49-F238E27FC236}">
-                <a16:creationId xmlns:a16="http://schemas.microsoft.com/office/drawing/2014/main" id="{3FC52ECD-E6FD-F6B4-D3A4-ABEAA9497B13}"/>
-              </a:ext>
-            </a:extLst>
-          </p:cNvPr>
+            <a:endParaRPr lang="en-US" dirty="0"/>
+          </a:p>
+        </p:txBody>
+      </p:sp>
+      <p:sp>
+        <p:nvSpPr>
+          <p:cNvPr id="5" name="Text Placeholder 4"/>
           <p:cNvSpPr>
             <a:spLocks noGrp="1"/>
           </p:cNvSpPr>
@@ -1691,8 +1479,8 @@
         </p:nvSpPr>
         <p:spPr>
           <a:xfrm>
-            <a:off x="6172200" y="1681163"/>
-            <a:ext cx="5183188" cy="823912"/>
+            <a:off x="6172201" y="2916740"/>
+            <a:ext cx="5183188" cy="1429449"/>
           </a:xfrm>
         </p:spPr>
         <p:txBody>
@@ -1700,39 +1488,39 @@
           <a:lstStyle>
             <a:lvl1pPr marL="0" indent="0">
               <a:buNone/>
+              <a:defRPr sz="3200" b="1"/>
+            </a:lvl1pPr>
+            <a:lvl2pPr marL="609585" indent="0">
+              <a:buNone/>
+              <a:defRPr sz="2667" b="1"/>
+            </a:lvl2pPr>
+            <a:lvl3pPr marL="1219170" indent="0">
+              <a:buNone/>
               <a:defRPr sz="2400" b="1"/>
-            </a:lvl1pPr>
-            <a:lvl2pPr marL="457200" indent="0">
-              <a:buNone/>
-              <a:defRPr sz="2000" b="1"/>
-            </a:lvl2pPr>
-            <a:lvl3pPr marL="914400" indent="0">
-              <a:buNone/>
-              <a:defRPr sz="1800" b="1"/>
             </a:lvl3pPr>
-            <a:lvl4pPr marL="1371600" indent="0">
-              <a:buNone/>
-              <a:defRPr sz="1600" b="1"/>
+            <a:lvl4pPr marL="1828754" indent="0">
+              <a:buNone/>
+              <a:defRPr sz="2133" b="1"/>
             </a:lvl4pPr>
-            <a:lvl5pPr marL="1828800" indent="0">
-              <a:buNone/>
-              <a:defRPr sz="1600" b="1"/>
+            <a:lvl5pPr marL="2438339" indent="0">
+              <a:buNone/>
+              <a:defRPr sz="2133" b="1"/>
             </a:lvl5pPr>
-            <a:lvl6pPr marL="2286000" indent="0">
-              <a:buNone/>
-              <a:defRPr sz="1600" b="1"/>
+            <a:lvl6pPr marL="3047924" indent="0">
+              <a:buNone/>
+              <a:defRPr sz="2133" b="1"/>
             </a:lvl6pPr>
-            <a:lvl7pPr marL="2743200" indent="0">
-              <a:buNone/>
-              <a:defRPr sz="1600" b="1"/>
+            <a:lvl7pPr marL="3657509" indent="0">
+              <a:buNone/>
+              <a:defRPr sz="2133" b="1"/>
             </a:lvl7pPr>
-            <a:lvl8pPr marL="3200400" indent="0">
-              <a:buNone/>
-              <a:defRPr sz="1600" b="1"/>
+            <a:lvl8pPr marL="4267093" indent="0">
+              <a:buNone/>
+              <a:defRPr sz="2133" b="1"/>
             </a:lvl8pPr>
-            <a:lvl9pPr marL="3657600" indent="0">
-              <a:buNone/>
-              <a:defRPr sz="1600" b="1"/>
+            <a:lvl9pPr marL="4876678" indent="0">
+              <a:buNone/>
+              <a:defRPr sz="2133" b="1"/>
             </a:lvl9pPr>
           </a:lstStyle>
           <a:p>
@@ -1746,13 +1534,7 @@
       </p:sp>
       <p:sp>
         <p:nvSpPr>
-          <p:cNvPr id="6" name="Content Placeholder 5">
-            <a:extLst>
-              <a:ext uri="{FF2B5EF4-FFF2-40B4-BE49-F238E27FC236}">
-                <a16:creationId xmlns:a16="http://schemas.microsoft.com/office/drawing/2014/main" id="{C0E89CDB-91DA-01B5-FD81-2E00E4FCDDE3}"/>
-              </a:ext>
-            </a:extLst>
-          </p:cNvPr>
+          <p:cNvPr id="6" name="Content Placeholder 5"/>
           <p:cNvSpPr>
             <a:spLocks noGrp="1"/>
           </p:cNvSpPr>
@@ -1762,8 +1544,8 @@
         </p:nvSpPr>
         <p:spPr>
           <a:xfrm>
-            <a:off x="6172200" y="2505075"/>
-            <a:ext cx="5183188" cy="3684588"/>
+            <a:off x="6172201" y="4346189"/>
+            <a:ext cx="5183188" cy="6392590"/>
           </a:xfrm>
         </p:spPr>
         <p:txBody>
@@ -1803,19 +1585,13 @@
               <a:rPr lang="en-US"/>
               <a:t>Fifth level</a:t>
             </a:r>
-            <a:endParaRPr lang="es-MX"/>
-          </a:p>
-        </p:txBody>
-      </p:sp>
-      <p:sp>
-        <p:nvSpPr>
-          <p:cNvPr id="7" name="Date Placeholder 6">
-            <a:extLst>
-              <a:ext uri="{FF2B5EF4-FFF2-40B4-BE49-F238E27FC236}">
-                <a16:creationId xmlns:a16="http://schemas.microsoft.com/office/drawing/2014/main" id="{B959E647-C4E1-8346-DF47-A7CA02E06A89}"/>
-              </a:ext>
-            </a:extLst>
-          </p:cNvPr>
+            <a:endParaRPr lang="en-US" dirty="0"/>
+          </a:p>
+        </p:txBody>
+      </p:sp>
+      <p:sp>
+        <p:nvSpPr>
+          <p:cNvPr id="7" name="Date Placeholder 6"/>
           <p:cNvSpPr>
             <a:spLocks noGrp="1"/>
           </p:cNvSpPr>
@@ -1830,7 +1606,7 @@
           <a:p>
             <a:fld id="{E3B75F80-F4B0-4C38-86B1-FEB191EA565F}" type="datetimeFigureOut">
               <a:rPr lang="es-MX" smtClean="0"/>
-              <a:t>28/09/2022</a:t>
+              <a:t>05/12/2022</a:t>
             </a:fld>
             <a:endParaRPr lang="es-MX"/>
           </a:p>
@@ -1838,13 +1614,7 @@
       </p:sp>
       <p:sp>
         <p:nvSpPr>
-          <p:cNvPr id="8" name="Footer Placeholder 7">
-            <a:extLst>
-              <a:ext uri="{FF2B5EF4-FFF2-40B4-BE49-F238E27FC236}">
-                <a16:creationId xmlns:a16="http://schemas.microsoft.com/office/drawing/2014/main" id="{A9094E94-7568-8EB3-E8FF-88EF15DF561C}"/>
-              </a:ext>
-            </a:extLst>
-          </p:cNvPr>
+          <p:cNvPr id="8" name="Footer Placeholder 7"/>
           <p:cNvSpPr>
             <a:spLocks noGrp="1"/>
           </p:cNvSpPr>
@@ -1863,13 +1633,7 @@
       </p:sp>
       <p:sp>
         <p:nvSpPr>
-          <p:cNvPr id="9" name="Slide Number Placeholder 8">
-            <a:extLst>
-              <a:ext uri="{FF2B5EF4-FFF2-40B4-BE49-F238E27FC236}">
-                <a16:creationId xmlns:a16="http://schemas.microsoft.com/office/drawing/2014/main" id="{B7E428FB-9157-C529-3955-E8C33ACC8FA4}"/>
-              </a:ext>
-            </a:extLst>
-          </p:cNvPr>
+          <p:cNvPr id="9" name="Slide Number Placeholder 8"/>
           <p:cNvSpPr>
             <a:spLocks noGrp="1"/>
           </p:cNvSpPr>
@@ -1893,7 +1657,7 @@
     </p:spTree>
     <p:extLst>
       <p:ext uri="{BB962C8B-B14F-4D97-AF65-F5344CB8AC3E}">
-        <p14:creationId xmlns:p14="http://schemas.microsoft.com/office/powerpoint/2010/main" val="1854268101"/>
+        <p14:creationId xmlns:p14="http://schemas.microsoft.com/office/powerpoint/2010/main" val="3429622720"/>
       </p:ext>
     </p:extLst>
   </p:cSld>
@@ -1922,13 +1686,7 @@
       </p:grpSpPr>
       <p:sp>
         <p:nvSpPr>
-          <p:cNvPr id="2" name="Title 1">
-            <a:extLst>
-              <a:ext uri="{FF2B5EF4-FFF2-40B4-BE49-F238E27FC236}">
-                <a16:creationId xmlns:a16="http://schemas.microsoft.com/office/drawing/2014/main" id="{1F8AFBC6-F229-6EC1-64C1-529370E99B4E}"/>
-              </a:ext>
-            </a:extLst>
-          </p:cNvPr>
+          <p:cNvPr id="2" name="Title 1"/>
           <p:cNvSpPr>
             <a:spLocks noGrp="1"/>
           </p:cNvSpPr>
@@ -1945,19 +1703,13 @@
               <a:rPr lang="en-US"/>
               <a:t>Click to edit Master title style</a:t>
             </a:r>
-            <a:endParaRPr lang="es-MX"/>
-          </a:p>
-        </p:txBody>
-      </p:sp>
-      <p:sp>
-        <p:nvSpPr>
-          <p:cNvPr id="3" name="Date Placeholder 2">
-            <a:extLst>
-              <a:ext uri="{FF2B5EF4-FFF2-40B4-BE49-F238E27FC236}">
-                <a16:creationId xmlns:a16="http://schemas.microsoft.com/office/drawing/2014/main" id="{B0581325-A337-9A1A-2583-0EBE620D5CF4}"/>
-              </a:ext>
-            </a:extLst>
-          </p:cNvPr>
+            <a:endParaRPr lang="en-US" dirty="0"/>
+          </a:p>
+        </p:txBody>
+      </p:sp>
+      <p:sp>
+        <p:nvSpPr>
+          <p:cNvPr id="3" name="Date Placeholder 2"/>
           <p:cNvSpPr>
             <a:spLocks noGrp="1"/>
           </p:cNvSpPr>
@@ -1972,7 +1724,7 @@
           <a:p>
             <a:fld id="{E3B75F80-F4B0-4C38-86B1-FEB191EA565F}" type="datetimeFigureOut">
               <a:rPr lang="es-MX" smtClean="0"/>
-              <a:t>28/09/2022</a:t>
+              <a:t>05/12/2022</a:t>
             </a:fld>
             <a:endParaRPr lang="es-MX"/>
           </a:p>
@@ -1980,13 +1732,7 @@
       </p:sp>
       <p:sp>
         <p:nvSpPr>
-          <p:cNvPr id="4" name="Footer Placeholder 3">
-            <a:extLst>
-              <a:ext uri="{FF2B5EF4-FFF2-40B4-BE49-F238E27FC236}">
-                <a16:creationId xmlns:a16="http://schemas.microsoft.com/office/drawing/2014/main" id="{A16DD888-72B3-FC17-5D21-AEFE57CFD31B}"/>
-              </a:ext>
-            </a:extLst>
-          </p:cNvPr>
+          <p:cNvPr id="4" name="Footer Placeholder 3"/>
           <p:cNvSpPr>
             <a:spLocks noGrp="1"/>
           </p:cNvSpPr>
@@ -2005,13 +1751,7 @@
       </p:sp>
       <p:sp>
         <p:nvSpPr>
-          <p:cNvPr id="5" name="Slide Number Placeholder 4">
-            <a:extLst>
-              <a:ext uri="{FF2B5EF4-FFF2-40B4-BE49-F238E27FC236}">
-                <a16:creationId xmlns:a16="http://schemas.microsoft.com/office/drawing/2014/main" id="{24621693-3E12-DF18-EB00-F7FCFF940079}"/>
-              </a:ext>
-            </a:extLst>
-          </p:cNvPr>
+          <p:cNvPr id="5" name="Slide Number Placeholder 4"/>
           <p:cNvSpPr>
             <a:spLocks noGrp="1"/>
           </p:cNvSpPr>
@@ -2035,7 +1775,7 @@
     </p:spTree>
     <p:extLst>
       <p:ext uri="{BB962C8B-B14F-4D97-AF65-F5344CB8AC3E}">
-        <p14:creationId xmlns:p14="http://schemas.microsoft.com/office/powerpoint/2010/main" val="1837895904"/>
+        <p14:creationId xmlns:p14="http://schemas.microsoft.com/office/powerpoint/2010/main" val="617403947"/>
       </p:ext>
     </p:extLst>
   </p:cSld>
@@ -2064,13 +1804,7 @@
       </p:grpSpPr>
       <p:sp>
         <p:nvSpPr>
-          <p:cNvPr id="2" name="Date Placeholder 1">
-            <a:extLst>
-              <a:ext uri="{FF2B5EF4-FFF2-40B4-BE49-F238E27FC236}">
-                <a16:creationId xmlns:a16="http://schemas.microsoft.com/office/drawing/2014/main" id="{58F999D7-EB0B-5D1B-55D3-AD985DDC7C1B}"/>
-              </a:ext>
-            </a:extLst>
-          </p:cNvPr>
+          <p:cNvPr id="2" name="Date Placeholder 1"/>
           <p:cNvSpPr>
             <a:spLocks noGrp="1"/>
           </p:cNvSpPr>
@@ -2085,7 +1819,7 @@
           <a:p>
             <a:fld id="{E3B75F80-F4B0-4C38-86B1-FEB191EA565F}" type="datetimeFigureOut">
               <a:rPr lang="es-MX" smtClean="0"/>
-              <a:t>28/09/2022</a:t>
+              <a:t>05/12/2022</a:t>
             </a:fld>
             <a:endParaRPr lang="es-MX"/>
           </a:p>
@@ -2093,13 +1827,7 @@
       </p:sp>
       <p:sp>
         <p:nvSpPr>
-          <p:cNvPr id="3" name="Footer Placeholder 2">
-            <a:extLst>
-              <a:ext uri="{FF2B5EF4-FFF2-40B4-BE49-F238E27FC236}">
-                <a16:creationId xmlns:a16="http://schemas.microsoft.com/office/drawing/2014/main" id="{6E9F078F-1BC6-AC69-DA6D-9D3CC1BB4480}"/>
-              </a:ext>
-            </a:extLst>
-          </p:cNvPr>
+          <p:cNvPr id="3" name="Footer Placeholder 2"/>
           <p:cNvSpPr>
             <a:spLocks noGrp="1"/>
           </p:cNvSpPr>
@@ -2118,13 +1846,7 @@
       </p:sp>
       <p:sp>
         <p:nvSpPr>
-          <p:cNvPr id="4" name="Slide Number Placeholder 3">
-            <a:extLst>
-              <a:ext uri="{FF2B5EF4-FFF2-40B4-BE49-F238E27FC236}">
-                <a16:creationId xmlns:a16="http://schemas.microsoft.com/office/drawing/2014/main" id="{55D6F358-11BD-DD35-4CC4-7C7DB890BD74}"/>
-              </a:ext>
-            </a:extLst>
-          </p:cNvPr>
+          <p:cNvPr id="4" name="Slide Number Placeholder 3"/>
           <p:cNvSpPr>
             <a:spLocks noGrp="1"/>
           </p:cNvSpPr>
@@ -2148,7 +1870,7 @@
     </p:spTree>
     <p:extLst>
       <p:ext uri="{BB962C8B-B14F-4D97-AF65-F5344CB8AC3E}">
-        <p14:creationId xmlns:p14="http://schemas.microsoft.com/office/powerpoint/2010/main" val="3665167617"/>
+        <p14:creationId xmlns:p14="http://schemas.microsoft.com/office/powerpoint/2010/main" val="1545055198"/>
       </p:ext>
     </p:extLst>
   </p:cSld>
@@ -2177,13 +1899,7 @@
       </p:grpSpPr>
       <p:sp>
         <p:nvSpPr>
-          <p:cNvPr id="2" name="Title 1">
-            <a:extLst>
-              <a:ext uri="{FF2B5EF4-FFF2-40B4-BE49-F238E27FC236}">
-                <a16:creationId xmlns:a16="http://schemas.microsoft.com/office/drawing/2014/main" id="{CA5EAEA0-0E88-27DA-D349-FEF8A4FCE5BA}"/>
-              </a:ext>
-            </a:extLst>
-          </p:cNvPr>
+          <p:cNvPr id="2" name="Title 1"/>
           <p:cNvSpPr>
             <a:spLocks noGrp="1"/>
           </p:cNvSpPr>
@@ -2193,15 +1909,15 @@
         </p:nvSpPr>
         <p:spPr>
           <a:xfrm>
-            <a:off x="839788" y="457200"/>
-            <a:ext cx="3932237" cy="1600200"/>
+            <a:off x="839788" y="793221"/>
+            <a:ext cx="3932237" cy="2776273"/>
           </a:xfrm>
         </p:spPr>
         <p:txBody>
           <a:bodyPr anchor="b"/>
           <a:lstStyle>
             <a:lvl1pPr>
-              <a:defRPr sz="3200"/>
+              <a:defRPr sz="4267"/>
             </a:lvl1pPr>
           </a:lstStyle>
           <a:p>
@@ -2209,19 +1925,13 @@
               <a:rPr lang="en-US"/>
               <a:t>Click to edit Master title style</a:t>
             </a:r>
-            <a:endParaRPr lang="es-MX"/>
-          </a:p>
-        </p:txBody>
-      </p:sp>
-      <p:sp>
-        <p:nvSpPr>
-          <p:cNvPr id="3" name="Content Placeholder 2">
-            <a:extLst>
-              <a:ext uri="{FF2B5EF4-FFF2-40B4-BE49-F238E27FC236}">
-                <a16:creationId xmlns:a16="http://schemas.microsoft.com/office/drawing/2014/main" id="{931F2286-C470-9447-0C8E-BA8694AE0DD3}"/>
-              </a:ext>
-            </a:extLst>
-          </p:cNvPr>
+            <a:endParaRPr lang="en-US" dirty="0"/>
+          </a:p>
+        </p:txBody>
+      </p:sp>
+      <p:sp>
+        <p:nvSpPr>
+          <p:cNvPr id="3" name="Content Placeholder 2"/>
           <p:cNvSpPr>
             <a:spLocks noGrp="1"/>
           </p:cNvSpPr>
@@ -2231,39 +1941,39 @@
         </p:nvSpPr>
         <p:spPr>
           <a:xfrm>
-            <a:off x="5183188" y="987425"/>
-            <a:ext cx="6172200" cy="4873625"/>
+            <a:off x="5183188" y="1713139"/>
+            <a:ext cx="6172200" cy="8455514"/>
           </a:xfrm>
         </p:spPr>
         <p:txBody>
           <a:bodyPr/>
           <a:lstStyle>
             <a:lvl1pPr>
-              <a:defRPr sz="3200"/>
+              <a:defRPr sz="4267"/>
             </a:lvl1pPr>
             <a:lvl2pPr>
-              <a:defRPr sz="2800"/>
+              <a:defRPr sz="3733"/>
             </a:lvl2pPr>
             <a:lvl3pPr>
-              <a:defRPr sz="2400"/>
+              <a:defRPr sz="3200"/>
             </a:lvl3pPr>
             <a:lvl4pPr>
-              <a:defRPr sz="2000"/>
+              <a:defRPr sz="2667"/>
             </a:lvl4pPr>
             <a:lvl5pPr>
-              <a:defRPr sz="2000"/>
+              <a:defRPr sz="2667"/>
             </a:lvl5pPr>
             <a:lvl6pPr>
-              <a:defRPr sz="2000"/>
+              <a:defRPr sz="2667"/>
             </a:lvl6pPr>
             <a:lvl7pPr>
-              <a:defRPr sz="2000"/>
+              <a:defRPr sz="2667"/>
             </a:lvl7pPr>
             <a:lvl8pPr>
-              <a:defRPr sz="2000"/>
+              <a:defRPr sz="2667"/>
             </a:lvl8pPr>
             <a:lvl9pPr>
-              <a:defRPr sz="2000"/>
+              <a:defRPr sz="2667"/>
             </a:lvl9pPr>
           </a:lstStyle>
           <a:p>
@@ -2300,19 +2010,13 @@
               <a:rPr lang="en-US"/>
               <a:t>Fifth level</a:t>
             </a:r>
-            <a:endParaRPr lang="es-MX"/>
-          </a:p>
-        </p:txBody>
-      </p:sp>
-      <p:sp>
-        <p:nvSpPr>
-          <p:cNvPr id="4" name="Text Placeholder 3">
-            <a:extLst>
-              <a:ext uri="{FF2B5EF4-FFF2-40B4-BE49-F238E27FC236}">
-                <a16:creationId xmlns:a16="http://schemas.microsoft.com/office/drawing/2014/main" id="{F8872AF8-119E-0515-5489-B8772235CD4A}"/>
-              </a:ext>
-            </a:extLst>
-          </p:cNvPr>
+            <a:endParaRPr lang="en-US" dirty="0"/>
+          </a:p>
+        </p:txBody>
+      </p:sp>
+      <p:sp>
+        <p:nvSpPr>
+          <p:cNvPr id="4" name="Text Placeholder 3"/>
           <p:cNvSpPr>
             <a:spLocks noGrp="1"/>
           </p:cNvSpPr>
@@ -2322,8 +2026,8 @@
         </p:nvSpPr>
         <p:spPr>
           <a:xfrm>
-            <a:off x="839788" y="2057400"/>
-            <a:ext cx="3932237" cy="3811588"/>
+            <a:off x="839788" y="3569494"/>
+            <a:ext cx="3932237" cy="6612929"/>
           </a:xfrm>
         </p:spPr>
         <p:txBody>
@@ -2331,39 +2035,39 @@
           <a:lstStyle>
             <a:lvl1pPr marL="0" indent="0">
               <a:buNone/>
+              <a:defRPr sz="2133"/>
+            </a:lvl1pPr>
+            <a:lvl2pPr marL="609585" indent="0">
+              <a:buNone/>
+              <a:defRPr sz="1867"/>
+            </a:lvl2pPr>
+            <a:lvl3pPr marL="1219170" indent="0">
+              <a:buNone/>
               <a:defRPr sz="1600"/>
-            </a:lvl1pPr>
-            <a:lvl2pPr marL="457200" indent="0">
-              <a:buNone/>
-              <a:defRPr sz="1400"/>
-            </a:lvl2pPr>
-            <a:lvl3pPr marL="914400" indent="0">
-              <a:buNone/>
-              <a:defRPr sz="1200"/>
             </a:lvl3pPr>
-            <a:lvl4pPr marL="1371600" indent="0">
-              <a:buNone/>
-              <a:defRPr sz="1000"/>
+            <a:lvl4pPr marL="1828754" indent="0">
+              <a:buNone/>
+              <a:defRPr sz="1333"/>
             </a:lvl4pPr>
-            <a:lvl5pPr marL="1828800" indent="0">
-              <a:buNone/>
-              <a:defRPr sz="1000"/>
+            <a:lvl5pPr marL="2438339" indent="0">
+              <a:buNone/>
+              <a:defRPr sz="1333"/>
             </a:lvl5pPr>
-            <a:lvl6pPr marL="2286000" indent="0">
-              <a:buNone/>
-              <a:defRPr sz="1000"/>
+            <a:lvl6pPr marL="3047924" indent="0">
+              <a:buNone/>
+              <a:defRPr sz="1333"/>
             </a:lvl6pPr>
-            <a:lvl7pPr marL="2743200" indent="0">
-              <a:buNone/>
-              <a:defRPr sz="1000"/>
+            <a:lvl7pPr marL="3657509" indent="0">
+              <a:buNone/>
+              <a:defRPr sz="1333"/>
             </a:lvl7pPr>
-            <a:lvl8pPr marL="3200400" indent="0">
-              <a:buNone/>
-              <a:defRPr sz="1000"/>
+            <a:lvl8pPr marL="4267093" indent="0">
+              <a:buNone/>
+              <a:defRPr sz="1333"/>
             </a:lvl8pPr>
-            <a:lvl9pPr marL="3657600" indent="0">
-              <a:buNone/>
-              <a:defRPr sz="1000"/>
+            <a:lvl9pPr marL="4876678" indent="0">
+              <a:buNone/>
+              <a:defRPr sz="1333"/>
             </a:lvl9pPr>
           </a:lstStyle>
           <a:p>
@@ -2377,13 +2081,7 @@
       </p:sp>
       <p:sp>
         <p:nvSpPr>
-          <p:cNvPr id="5" name="Date Placeholder 4">
-            <a:extLst>
-              <a:ext uri="{FF2B5EF4-FFF2-40B4-BE49-F238E27FC236}">
-                <a16:creationId xmlns:a16="http://schemas.microsoft.com/office/drawing/2014/main" id="{677E329C-A887-0F04-C1D2-3DE8876E5E92}"/>
-              </a:ext>
-            </a:extLst>
-          </p:cNvPr>
+          <p:cNvPr id="5" name="Date Placeholder 4"/>
           <p:cNvSpPr>
             <a:spLocks noGrp="1"/>
           </p:cNvSpPr>
@@ -2398,7 +2096,7 @@
           <a:p>
             <a:fld id="{E3B75F80-F4B0-4C38-86B1-FEB191EA565F}" type="datetimeFigureOut">
               <a:rPr lang="es-MX" smtClean="0"/>
-              <a:t>28/09/2022</a:t>
+              <a:t>05/12/2022</a:t>
             </a:fld>
             <a:endParaRPr lang="es-MX"/>
           </a:p>
@@ -2406,13 +2104,7 @@
       </p:sp>
       <p:sp>
         <p:nvSpPr>
-          <p:cNvPr id="6" name="Footer Placeholder 5">
-            <a:extLst>
-              <a:ext uri="{FF2B5EF4-FFF2-40B4-BE49-F238E27FC236}">
-                <a16:creationId xmlns:a16="http://schemas.microsoft.com/office/drawing/2014/main" id="{25B3374B-ECCE-38C9-3221-BF8C428AE1DA}"/>
-              </a:ext>
-            </a:extLst>
-          </p:cNvPr>
+          <p:cNvPr id="6" name="Footer Placeholder 5"/>
           <p:cNvSpPr>
             <a:spLocks noGrp="1"/>
           </p:cNvSpPr>
@@ -2431,13 +2123,7 @@
       </p:sp>
       <p:sp>
         <p:nvSpPr>
-          <p:cNvPr id="7" name="Slide Number Placeholder 6">
-            <a:extLst>
-              <a:ext uri="{FF2B5EF4-FFF2-40B4-BE49-F238E27FC236}">
-                <a16:creationId xmlns:a16="http://schemas.microsoft.com/office/drawing/2014/main" id="{5066CC3F-B725-E906-1C18-4AC570FF8022}"/>
-              </a:ext>
-            </a:extLst>
-          </p:cNvPr>
+          <p:cNvPr id="7" name="Slide Number Placeholder 6"/>
           <p:cNvSpPr>
             <a:spLocks noGrp="1"/>
           </p:cNvSpPr>
@@ -2461,7 +2147,7 @@
     </p:spTree>
     <p:extLst>
       <p:ext uri="{BB962C8B-B14F-4D97-AF65-F5344CB8AC3E}">
-        <p14:creationId xmlns:p14="http://schemas.microsoft.com/office/powerpoint/2010/main" val="3416123733"/>
+        <p14:creationId xmlns:p14="http://schemas.microsoft.com/office/powerpoint/2010/main" val="154516704"/>
       </p:ext>
     </p:extLst>
   </p:cSld>
@@ -2490,13 +2176,7 @@
       </p:grpSpPr>
       <p:sp>
         <p:nvSpPr>
-          <p:cNvPr id="2" name="Title 1">
-            <a:extLst>
-              <a:ext uri="{FF2B5EF4-FFF2-40B4-BE49-F238E27FC236}">
-                <a16:creationId xmlns:a16="http://schemas.microsoft.com/office/drawing/2014/main" id="{C97C8467-9B2A-46F4-22A0-7A0E87644608}"/>
-              </a:ext>
-            </a:extLst>
-          </p:cNvPr>
+          <p:cNvPr id="2" name="Title 1"/>
           <p:cNvSpPr>
             <a:spLocks noGrp="1"/>
           </p:cNvSpPr>
@@ -2506,15 +2186,15 @@
         </p:nvSpPr>
         <p:spPr>
           <a:xfrm>
-            <a:off x="839788" y="457200"/>
-            <a:ext cx="3932237" cy="1600200"/>
+            <a:off x="839788" y="793221"/>
+            <a:ext cx="3932237" cy="2776273"/>
           </a:xfrm>
         </p:spPr>
         <p:txBody>
           <a:bodyPr anchor="b"/>
           <a:lstStyle>
             <a:lvl1pPr>
-              <a:defRPr sz="3200"/>
+              <a:defRPr sz="4267"/>
             </a:lvl1pPr>
           </a:lstStyle>
           <a:p>
@@ -2522,21 +2202,15 @@
               <a:rPr lang="en-US"/>
               <a:t>Click to edit Master title style</a:t>
             </a:r>
-            <a:endParaRPr lang="es-MX"/>
-          </a:p>
-        </p:txBody>
-      </p:sp>
-      <p:sp>
-        <p:nvSpPr>
-          <p:cNvPr id="3" name="Picture Placeholder 2">
-            <a:extLst>
-              <a:ext uri="{FF2B5EF4-FFF2-40B4-BE49-F238E27FC236}">
-                <a16:creationId xmlns:a16="http://schemas.microsoft.com/office/drawing/2014/main" id="{9C5264F2-823F-32F8-492D-C040ADCEB69E}"/>
-              </a:ext>
-            </a:extLst>
-          </p:cNvPr>
-          <p:cNvSpPr>
-            <a:spLocks noGrp="1"/>
+            <a:endParaRPr lang="en-US" dirty="0"/>
+          </a:p>
+        </p:txBody>
+      </p:sp>
+      <p:sp>
+        <p:nvSpPr>
+          <p:cNvPr id="3" name="Picture Placeholder 2"/>
+          <p:cNvSpPr>
+            <a:spLocks noGrp="1" noChangeAspect="1"/>
           </p:cNvSpPr>
           <p:nvPr>
             <p:ph type="pic" idx="1"/>
@@ -2544,64 +2218,62 @@
         </p:nvSpPr>
         <p:spPr>
           <a:xfrm>
-            <a:off x="5183188" y="987425"/>
-            <a:ext cx="6172200" cy="4873625"/>
+            <a:off x="5183188" y="1713139"/>
+            <a:ext cx="6172200" cy="8455514"/>
           </a:xfrm>
         </p:spPr>
         <p:txBody>
-          <a:bodyPr/>
+          <a:bodyPr anchor="t"/>
           <a:lstStyle>
             <a:lvl1pPr marL="0" indent="0">
               <a:buNone/>
+              <a:defRPr sz="4267"/>
+            </a:lvl1pPr>
+            <a:lvl2pPr marL="609585" indent="0">
+              <a:buNone/>
+              <a:defRPr sz="3733"/>
+            </a:lvl2pPr>
+            <a:lvl3pPr marL="1219170" indent="0">
+              <a:buNone/>
               <a:defRPr sz="3200"/>
-            </a:lvl1pPr>
-            <a:lvl2pPr marL="457200" indent="0">
-              <a:buNone/>
-              <a:defRPr sz="2800"/>
-            </a:lvl2pPr>
-            <a:lvl3pPr marL="914400" indent="0">
-              <a:buNone/>
-              <a:defRPr sz="2400"/>
             </a:lvl3pPr>
-            <a:lvl4pPr marL="1371600" indent="0">
-              <a:buNone/>
-              <a:defRPr sz="2000"/>
+            <a:lvl4pPr marL="1828754" indent="0">
+              <a:buNone/>
+              <a:defRPr sz="2667"/>
             </a:lvl4pPr>
-            <a:lvl5pPr marL="1828800" indent="0">
-              <a:buNone/>
-              <a:defRPr sz="2000"/>
+            <a:lvl5pPr marL="2438339" indent="0">
+              <a:buNone/>
+              <a:defRPr sz="2667"/>
             </a:lvl5pPr>
-            <a:lvl6pPr marL="2286000" indent="0">
-              <a:buNone/>
-              <a:defRPr sz="2000"/>
+            <a:lvl6pPr marL="3047924" indent="0">
+              <a:buNone/>
+              <a:defRPr sz="2667"/>
             </a:lvl6pPr>
-            <a:lvl7pPr marL="2743200" indent="0">
-              <a:buNone/>
-              <a:defRPr sz="2000"/>
+            <a:lvl7pPr marL="3657509" indent="0">
+              <a:buNone/>
+              <a:defRPr sz="2667"/>
             </a:lvl7pPr>
-            <a:lvl8pPr marL="3200400" indent="0">
-              <a:buNone/>
-              <a:defRPr sz="2000"/>
+            <a:lvl8pPr marL="4267093" indent="0">
+              <a:buNone/>
+              <a:defRPr sz="2667"/>
             </a:lvl8pPr>
-            <a:lvl9pPr marL="3657600" indent="0">
-              <a:buNone/>
-              <a:defRPr sz="2000"/>
+            <a:lvl9pPr marL="4876678" indent="0">
+              <a:buNone/>
+              <a:defRPr sz="2667"/>
             </a:lvl9pPr>
           </a:lstStyle>
           <a:p>
-            <a:endParaRPr lang="es-MX"/>
-          </a:p>
-        </p:txBody>
-      </p:sp>
-      <p:sp>
-        <p:nvSpPr>
-          <p:cNvPr id="4" name="Text Placeholder 3">
-            <a:extLst>
-              <a:ext uri="{FF2B5EF4-FFF2-40B4-BE49-F238E27FC236}">
-                <a16:creationId xmlns:a16="http://schemas.microsoft.com/office/drawing/2014/main" id="{101D06FB-D0F0-A7EE-13D6-CEC12FB63CF3}"/>
-              </a:ext>
-            </a:extLst>
-          </p:cNvPr>
+            <a:r>
+              <a:rPr lang="en-US"/>
+              <a:t>Click icon to add picture</a:t>
+            </a:r>
+            <a:endParaRPr lang="en-US" dirty="0"/>
+          </a:p>
+        </p:txBody>
+      </p:sp>
+      <p:sp>
+        <p:nvSpPr>
+          <p:cNvPr id="4" name="Text Placeholder 3"/>
           <p:cNvSpPr>
             <a:spLocks noGrp="1"/>
           </p:cNvSpPr>
@@ -2611,8 +2283,8 @@
         </p:nvSpPr>
         <p:spPr>
           <a:xfrm>
-            <a:off x="839788" y="2057400"/>
-            <a:ext cx="3932237" cy="3811588"/>
+            <a:off x="839788" y="3569494"/>
+            <a:ext cx="3932237" cy="6612929"/>
           </a:xfrm>
         </p:spPr>
         <p:txBody>
@@ -2620,39 +2292,39 @@
           <a:lstStyle>
             <a:lvl1pPr marL="0" indent="0">
               <a:buNone/>
+              <a:defRPr sz="2133"/>
+            </a:lvl1pPr>
+            <a:lvl2pPr marL="609585" indent="0">
+              <a:buNone/>
+              <a:defRPr sz="1867"/>
+            </a:lvl2pPr>
+            <a:lvl3pPr marL="1219170" indent="0">
+              <a:buNone/>
               <a:defRPr sz="1600"/>
-            </a:lvl1pPr>
-            <a:lvl2pPr marL="457200" indent="0">
-              <a:buNone/>
-              <a:defRPr sz="1400"/>
-            </a:lvl2pPr>
-            <a:lvl3pPr marL="914400" indent="0">
-              <a:buNone/>
-              <a:defRPr sz="1200"/>
             </a:lvl3pPr>
-            <a:lvl4pPr marL="1371600" indent="0">
-              <a:buNone/>
-              <a:defRPr sz="1000"/>
+            <a:lvl4pPr marL="1828754" indent="0">
+              <a:buNone/>
+              <a:defRPr sz="1333"/>
             </a:lvl4pPr>
-            <a:lvl5pPr marL="1828800" indent="0">
-              <a:buNone/>
-              <a:defRPr sz="1000"/>
+            <a:lvl5pPr marL="2438339" indent="0">
+              <a:buNone/>
+              <a:defRPr sz="1333"/>
             </a:lvl5pPr>
-            <a:lvl6pPr marL="2286000" indent="0">
-              <a:buNone/>
-              <a:defRPr sz="1000"/>
+            <a:lvl6pPr marL="3047924" indent="0">
+              <a:buNone/>
+              <a:defRPr sz="1333"/>
             </a:lvl6pPr>
-            <a:lvl7pPr marL="2743200" indent="0">
-              <a:buNone/>
-              <a:defRPr sz="1000"/>
+            <a:lvl7pPr marL="3657509" indent="0">
+              <a:buNone/>
+              <a:defRPr sz="1333"/>
             </a:lvl7pPr>
-            <a:lvl8pPr marL="3200400" indent="0">
-              <a:buNone/>
-              <a:defRPr sz="1000"/>
+            <a:lvl8pPr marL="4267093" indent="0">
+              <a:buNone/>
+              <a:defRPr sz="1333"/>
             </a:lvl8pPr>
-            <a:lvl9pPr marL="3657600" indent="0">
-              <a:buNone/>
-              <a:defRPr sz="1000"/>
+            <a:lvl9pPr marL="4876678" indent="0">
+              <a:buNone/>
+              <a:defRPr sz="1333"/>
             </a:lvl9pPr>
           </a:lstStyle>
           <a:p>
@@ -2666,13 +2338,7 @@
       </p:sp>
       <p:sp>
         <p:nvSpPr>
-          <p:cNvPr id="5" name="Date Placeholder 4">
-            <a:extLst>
-              <a:ext uri="{FF2B5EF4-FFF2-40B4-BE49-F238E27FC236}">
-                <a16:creationId xmlns:a16="http://schemas.microsoft.com/office/drawing/2014/main" id="{6B0F0245-9F0E-2D78-0A90-658950A76CFB}"/>
-              </a:ext>
-            </a:extLst>
-          </p:cNvPr>
+          <p:cNvPr id="5" name="Date Placeholder 4"/>
           <p:cNvSpPr>
             <a:spLocks noGrp="1"/>
           </p:cNvSpPr>
@@ -2687,7 +2353,7 @@
           <a:p>
             <a:fld id="{E3B75F80-F4B0-4C38-86B1-FEB191EA565F}" type="datetimeFigureOut">
               <a:rPr lang="es-MX" smtClean="0"/>
-              <a:t>28/09/2022</a:t>
+              <a:t>05/12/2022</a:t>
             </a:fld>
             <a:endParaRPr lang="es-MX"/>
           </a:p>
@@ -2695,13 +2361,7 @@
       </p:sp>
       <p:sp>
         <p:nvSpPr>
-          <p:cNvPr id="6" name="Footer Placeholder 5">
-            <a:extLst>
-              <a:ext uri="{FF2B5EF4-FFF2-40B4-BE49-F238E27FC236}">
-                <a16:creationId xmlns:a16="http://schemas.microsoft.com/office/drawing/2014/main" id="{814294B2-C22C-F112-A871-3F31414ECE64}"/>
-              </a:ext>
-            </a:extLst>
-          </p:cNvPr>
+          <p:cNvPr id="6" name="Footer Placeholder 5"/>
           <p:cNvSpPr>
             <a:spLocks noGrp="1"/>
           </p:cNvSpPr>
@@ -2720,13 +2380,7 @@
       </p:sp>
       <p:sp>
         <p:nvSpPr>
-          <p:cNvPr id="7" name="Slide Number Placeholder 6">
-            <a:extLst>
-              <a:ext uri="{FF2B5EF4-FFF2-40B4-BE49-F238E27FC236}">
-                <a16:creationId xmlns:a16="http://schemas.microsoft.com/office/drawing/2014/main" id="{79807156-3272-3411-2D0E-177C3DF37167}"/>
-              </a:ext>
-            </a:extLst>
-          </p:cNvPr>
+          <p:cNvPr id="7" name="Slide Number Placeholder 6"/>
           <p:cNvSpPr>
             <a:spLocks noGrp="1"/>
           </p:cNvSpPr>
@@ -2750,7 +2404,7 @@
     </p:spTree>
     <p:extLst>
       <p:ext uri="{BB962C8B-B14F-4D97-AF65-F5344CB8AC3E}">
-        <p14:creationId xmlns:p14="http://schemas.microsoft.com/office/powerpoint/2010/main" val="1838635500"/>
+        <p14:creationId xmlns:p14="http://schemas.microsoft.com/office/powerpoint/2010/main" val="1135474705"/>
       </p:ext>
     </p:extLst>
   </p:cSld>
@@ -2784,13 +2438,7 @@
       </p:grpSpPr>
       <p:sp>
         <p:nvSpPr>
-          <p:cNvPr id="2" name="Title Placeholder 1">
-            <a:extLst>
-              <a:ext uri="{FF2B5EF4-FFF2-40B4-BE49-F238E27FC236}">
-                <a16:creationId xmlns:a16="http://schemas.microsoft.com/office/drawing/2014/main" id="{3784C8E7-8AEF-01EE-9D18-DD09013749B3}"/>
-              </a:ext>
-            </a:extLst>
-          </p:cNvPr>
+          <p:cNvPr id="2" name="Title Placeholder 1"/>
           <p:cNvSpPr>
             <a:spLocks noGrp="1"/>
           </p:cNvSpPr>
@@ -2800,8 +2448,8 @@
         </p:nvSpPr>
         <p:spPr>
           <a:xfrm>
-            <a:off x="838200" y="365125"/>
-            <a:ext cx="10515600" cy="1325563"/>
+            <a:off x="838200" y="633477"/>
+            <a:ext cx="10515600" cy="2299791"/>
           </a:xfrm>
           <a:prstGeom prst="rect">
             <a:avLst/>
@@ -2817,19 +2465,13 @@
               <a:rPr lang="en-US"/>
               <a:t>Click to edit Master title style</a:t>
             </a:r>
-            <a:endParaRPr lang="es-MX"/>
-          </a:p>
-        </p:txBody>
-      </p:sp>
-      <p:sp>
-        <p:nvSpPr>
-          <p:cNvPr id="3" name="Text Placeholder 2">
-            <a:extLst>
-              <a:ext uri="{FF2B5EF4-FFF2-40B4-BE49-F238E27FC236}">
-                <a16:creationId xmlns:a16="http://schemas.microsoft.com/office/drawing/2014/main" id="{6A86779F-9947-DE65-22A2-5A5E9B42EF99}"/>
-              </a:ext>
-            </a:extLst>
-          </p:cNvPr>
+            <a:endParaRPr lang="en-US" dirty="0"/>
+          </a:p>
+        </p:txBody>
+      </p:sp>
+      <p:sp>
+        <p:nvSpPr>
+          <p:cNvPr id="3" name="Text Placeholder 2"/>
           <p:cNvSpPr>
             <a:spLocks noGrp="1"/>
           </p:cNvSpPr>
@@ -2839,8 +2481,8 @@
         </p:nvSpPr>
         <p:spPr>
           <a:xfrm>
-            <a:off x="838200" y="1825625"/>
-            <a:ext cx="10515600" cy="4351338"/>
+            <a:off x="838200" y="3167375"/>
+            <a:ext cx="10515600" cy="7549370"/>
           </a:xfrm>
           <a:prstGeom prst="rect">
             <a:avLst/>
@@ -2885,19 +2527,13 @@
               <a:rPr lang="en-US"/>
               <a:t>Fifth level</a:t>
             </a:r>
-            <a:endParaRPr lang="es-MX"/>
-          </a:p>
-        </p:txBody>
-      </p:sp>
-      <p:sp>
-        <p:nvSpPr>
-          <p:cNvPr id="4" name="Date Placeholder 3">
-            <a:extLst>
-              <a:ext uri="{FF2B5EF4-FFF2-40B4-BE49-F238E27FC236}">
-                <a16:creationId xmlns:a16="http://schemas.microsoft.com/office/drawing/2014/main" id="{00E69B77-EB99-3386-6D10-CA5B81D8889D}"/>
-              </a:ext>
-            </a:extLst>
-          </p:cNvPr>
+            <a:endParaRPr lang="en-US" dirty="0"/>
+          </a:p>
+        </p:txBody>
+      </p:sp>
+      <p:sp>
+        <p:nvSpPr>
+          <p:cNvPr id="4" name="Date Placeholder 3"/>
           <p:cNvSpPr>
             <a:spLocks noGrp="1"/>
           </p:cNvSpPr>
@@ -2907,8 +2543,8 @@
         </p:nvSpPr>
         <p:spPr>
           <a:xfrm>
-            <a:off x="838200" y="6356350"/>
-            <a:ext cx="2743200" cy="365125"/>
+            <a:off x="838200" y="11027976"/>
+            <a:ext cx="2743200" cy="633475"/>
           </a:xfrm>
           <a:prstGeom prst="rect">
             <a:avLst/>
@@ -2918,7 +2554,7 @@
           <a:bodyPr vert="horz" lIns="91440" tIns="45720" rIns="91440" bIns="45720" rtlCol="0" anchor="ctr"/>
           <a:lstStyle>
             <a:lvl1pPr algn="l">
-              <a:defRPr sz="1200">
+              <a:defRPr sz="1600">
                 <a:solidFill>
                   <a:schemeClr val="tx1">
                     <a:tint val="75000"/>
@@ -2930,7 +2566,7 @@
           <a:p>
             <a:fld id="{E3B75F80-F4B0-4C38-86B1-FEB191EA565F}" type="datetimeFigureOut">
               <a:rPr lang="es-MX" smtClean="0"/>
-              <a:t>28/09/2022</a:t>
+              <a:t>05/12/2022</a:t>
             </a:fld>
             <a:endParaRPr lang="es-MX"/>
           </a:p>
@@ -2938,13 +2574,7 @@
       </p:sp>
       <p:sp>
         <p:nvSpPr>
-          <p:cNvPr id="5" name="Footer Placeholder 4">
-            <a:extLst>
-              <a:ext uri="{FF2B5EF4-FFF2-40B4-BE49-F238E27FC236}">
-                <a16:creationId xmlns:a16="http://schemas.microsoft.com/office/drawing/2014/main" id="{CF2006A0-AF4F-5B84-AF86-1BDAF4C135EF}"/>
-              </a:ext>
-            </a:extLst>
-          </p:cNvPr>
+          <p:cNvPr id="5" name="Footer Placeholder 4"/>
           <p:cNvSpPr>
             <a:spLocks noGrp="1"/>
           </p:cNvSpPr>
@@ -2954,8 +2584,8 @@
         </p:nvSpPr>
         <p:spPr>
           <a:xfrm>
-            <a:off x="4038600" y="6356350"/>
-            <a:ext cx="4114800" cy="365125"/>
+            <a:off x="4038600" y="11027976"/>
+            <a:ext cx="4114800" cy="633475"/>
           </a:xfrm>
           <a:prstGeom prst="rect">
             <a:avLst/>
@@ -2965,7 +2595,7 @@
           <a:bodyPr vert="horz" lIns="91440" tIns="45720" rIns="91440" bIns="45720" rtlCol="0" anchor="ctr"/>
           <a:lstStyle>
             <a:lvl1pPr algn="ctr">
-              <a:defRPr sz="1200">
+              <a:defRPr sz="1600">
                 <a:solidFill>
                   <a:schemeClr val="tx1">
                     <a:tint val="75000"/>
@@ -2981,13 +2611,7 @@
       </p:sp>
       <p:sp>
         <p:nvSpPr>
-          <p:cNvPr id="6" name="Slide Number Placeholder 5">
-            <a:extLst>
-              <a:ext uri="{FF2B5EF4-FFF2-40B4-BE49-F238E27FC236}">
-                <a16:creationId xmlns:a16="http://schemas.microsoft.com/office/drawing/2014/main" id="{3F1ECC59-F454-A80A-55D8-E19D05BEEE15}"/>
-              </a:ext>
-            </a:extLst>
-          </p:cNvPr>
+          <p:cNvPr id="6" name="Slide Number Placeholder 5"/>
           <p:cNvSpPr>
             <a:spLocks noGrp="1"/>
           </p:cNvSpPr>
@@ -2997,8 +2621,8 @@
         </p:nvSpPr>
         <p:spPr>
           <a:xfrm>
-            <a:off x="8610600" y="6356350"/>
-            <a:ext cx="2743200" cy="365125"/>
+            <a:off x="8610600" y="11027976"/>
+            <a:ext cx="2743200" cy="633475"/>
           </a:xfrm>
           <a:prstGeom prst="rect">
             <a:avLst/>
@@ -3008,7 +2632,7 @@
           <a:bodyPr vert="horz" lIns="91440" tIns="45720" rIns="91440" bIns="45720" rtlCol="0" anchor="ctr"/>
           <a:lstStyle>
             <a:lvl1pPr algn="r">
-              <a:defRPr sz="1200">
+              <a:defRPr sz="1600">
                 <a:solidFill>
                   <a:schemeClr val="tx1">
                     <a:tint val="75000"/>
@@ -3029,27 +2653,27 @@
     </p:spTree>
     <p:extLst>
       <p:ext uri="{BB962C8B-B14F-4D97-AF65-F5344CB8AC3E}">
-        <p14:creationId xmlns:p14="http://schemas.microsoft.com/office/powerpoint/2010/main" val="3108118247"/>
+        <p14:creationId xmlns:p14="http://schemas.microsoft.com/office/powerpoint/2010/main" val="3326174326"/>
       </p:ext>
     </p:extLst>
   </p:cSld>
   <p:clrMap bg1="lt1" tx1="dk1" bg2="lt2" tx2="dk2" accent1="accent1" accent2="accent2" accent3="accent3" accent4="accent4" accent5="accent5" accent6="accent6" hlink="hlink" folHlink="folHlink"/>
   <p:sldLayoutIdLst>
-    <p:sldLayoutId id="2147483649" r:id="rId1"/>
-    <p:sldLayoutId id="2147483650" r:id="rId2"/>
-    <p:sldLayoutId id="2147483651" r:id="rId3"/>
-    <p:sldLayoutId id="2147483652" r:id="rId4"/>
-    <p:sldLayoutId id="2147483653" r:id="rId5"/>
-    <p:sldLayoutId id="2147483654" r:id="rId6"/>
-    <p:sldLayoutId id="2147483655" r:id="rId7"/>
-    <p:sldLayoutId id="2147483656" r:id="rId8"/>
-    <p:sldLayoutId id="2147483657" r:id="rId9"/>
-    <p:sldLayoutId id="2147483658" r:id="rId10"/>
-    <p:sldLayoutId id="2147483659" r:id="rId11"/>
+    <p:sldLayoutId id="2147483661" r:id="rId1"/>
+    <p:sldLayoutId id="2147483662" r:id="rId2"/>
+    <p:sldLayoutId id="2147483663" r:id="rId3"/>
+    <p:sldLayoutId id="2147483664" r:id="rId4"/>
+    <p:sldLayoutId id="2147483665" r:id="rId5"/>
+    <p:sldLayoutId id="2147483666" r:id="rId6"/>
+    <p:sldLayoutId id="2147483667" r:id="rId7"/>
+    <p:sldLayoutId id="2147483668" r:id="rId8"/>
+    <p:sldLayoutId id="2147483669" r:id="rId9"/>
+    <p:sldLayoutId id="2147483670" r:id="rId10"/>
+    <p:sldLayoutId id="2147483671" r:id="rId11"/>
   </p:sldLayoutIdLst>
   <p:txStyles>
     <p:titleStyle>
-      <a:lvl1pPr algn="l" defTabSz="914400" rtl="0" eaLnBrk="1" latinLnBrk="0" hangingPunct="1">
+      <a:lvl1pPr algn="l" defTabSz="1219170" rtl="0" eaLnBrk="1" latinLnBrk="0" hangingPunct="1">
         <a:lnSpc>
           <a:spcPct val="90000"/>
         </a:lnSpc>
@@ -3057,7 +2681,7 @@
           <a:spcPct val="0"/>
         </a:spcBef>
         <a:buNone/>
-        <a:defRPr sz="4400" kern="1200">
+        <a:defRPr sz="5867" kern="1200">
           <a:solidFill>
             <a:schemeClr val="tx1"/>
           </a:solidFill>
@@ -3068,16 +2692,16 @@
       </a:lvl1pPr>
     </p:titleStyle>
     <p:bodyStyle>
-      <a:lvl1pPr marL="228600" indent="-228600" algn="l" defTabSz="914400" rtl="0" eaLnBrk="1" latinLnBrk="0" hangingPunct="1">
+      <a:lvl1pPr marL="304792" indent="-304792" algn="l" defTabSz="1219170" rtl="0" eaLnBrk="1" latinLnBrk="0" hangingPunct="1">
         <a:lnSpc>
           <a:spcPct val="90000"/>
         </a:lnSpc>
         <a:spcBef>
-          <a:spcPts val="1000"/>
+          <a:spcPts val="1333"/>
         </a:spcBef>
         <a:buFont typeface="Arial" panose="020B0604020202020204" pitchFamily="34" charset="0"/>
         <a:buChar char="•"/>
-        <a:defRPr sz="2800" kern="1200">
+        <a:defRPr sz="3733" kern="1200">
           <a:solidFill>
             <a:schemeClr val="tx1"/>
           </a:solidFill>
@@ -3086,12 +2710,48 @@
           <a:cs typeface="+mn-cs"/>
         </a:defRPr>
       </a:lvl1pPr>
-      <a:lvl2pPr marL="685800" indent="-228600" algn="l" defTabSz="914400" rtl="0" eaLnBrk="1" latinLnBrk="0" hangingPunct="1">
+      <a:lvl2pPr marL="914377" indent="-304792" algn="l" defTabSz="1219170" rtl="0" eaLnBrk="1" latinLnBrk="0" hangingPunct="1">
         <a:lnSpc>
           <a:spcPct val="90000"/>
         </a:lnSpc>
         <a:spcBef>
-          <a:spcPts val="500"/>
+          <a:spcPts val="667"/>
+        </a:spcBef>
+        <a:buFont typeface="Arial" panose="020B0604020202020204" pitchFamily="34" charset="0"/>
+        <a:buChar char="•"/>
+        <a:defRPr sz="3200" kern="1200">
+          <a:solidFill>
+            <a:schemeClr val="tx1"/>
+          </a:solidFill>
+          <a:latin typeface="+mn-lt"/>
+          <a:ea typeface="+mn-ea"/>
+          <a:cs typeface="+mn-cs"/>
+        </a:defRPr>
+      </a:lvl2pPr>
+      <a:lvl3pPr marL="1523962" indent="-304792" algn="l" defTabSz="1219170" rtl="0" eaLnBrk="1" latinLnBrk="0" hangingPunct="1">
+        <a:lnSpc>
+          <a:spcPct val="90000"/>
+        </a:lnSpc>
+        <a:spcBef>
+          <a:spcPts val="667"/>
+        </a:spcBef>
+        <a:buFont typeface="Arial" panose="020B0604020202020204" pitchFamily="34" charset="0"/>
+        <a:buChar char="•"/>
+        <a:defRPr sz="2667" kern="1200">
+          <a:solidFill>
+            <a:schemeClr val="tx1"/>
+          </a:solidFill>
+          <a:latin typeface="+mn-lt"/>
+          <a:ea typeface="+mn-ea"/>
+          <a:cs typeface="+mn-cs"/>
+        </a:defRPr>
+      </a:lvl3pPr>
+      <a:lvl4pPr marL="2133547" indent="-304792" algn="l" defTabSz="1219170" rtl="0" eaLnBrk="1" latinLnBrk="0" hangingPunct="1">
+        <a:lnSpc>
+          <a:spcPct val="90000"/>
+        </a:lnSpc>
+        <a:spcBef>
+          <a:spcPts val="667"/>
         </a:spcBef>
         <a:buFont typeface="Arial" panose="020B0604020202020204" pitchFamily="34" charset="0"/>
         <a:buChar char="•"/>
@@ -3103,53 +2763,17 @@
           <a:ea typeface="+mn-ea"/>
           <a:cs typeface="+mn-cs"/>
         </a:defRPr>
-      </a:lvl2pPr>
-      <a:lvl3pPr marL="1143000" indent="-228600" algn="l" defTabSz="914400" rtl="0" eaLnBrk="1" latinLnBrk="0" hangingPunct="1">
+      </a:lvl4pPr>
+      <a:lvl5pPr marL="2743131" indent="-304792" algn="l" defTabSz="1219170" rtl="0" eaLnBrk="1" latinLnBrk="0" hangingPunct="1">
         <a:lnSpc>
           <a:spcPct val="90000"/>
         </a:lnSpc>
         <a:spcBef>
-          <a:spcPts val="500"/>
+          <a:spcPts val="667"/>
         </a:spcBef>
         <a:buFont typeface="Arial" panose="020B0604020202020204" pitchFamily="34" charset="0"/>
         <a:buChar char="•"/>
-        <a:defRPr sz="2000" kern="1200">
-          <a:solidFill>
-            <a:schemeClr val="tx1"/>
-          </a:solidFill>
-          <a:latin typeface="+mn-lt"/>
-          <a:ea typeface="+mn-ea"/>
-          <a:cs typeface="+mn-cs"/>
-        </a:defRPr>
-      </a:lvl3pPr>
-      <a:lvl4pPr marL="1600200" indent="-228600" algn="l" defTabSz="914400" rtl="0" eaLnBrk="1" latinLnBrk="0" hangingPunct="1">
-        <a:lnSpc>
-          <a:spcPct val="90000"/>
-        </a:lnSpc>
-        <a:spcBef>
-          <a:spcPts val="500"/>
-        </a:spcBef>
-        <a:buFont typeface="Arial" panose="020B0604020202020204" pitchFamily="34" charset="0"/>
-        <a:buChar char="•"/>
-        <a:defRPr sz="1800" kern="1200">
-          <a:solidFill>
-            <a:schemeClr val="tx1"/>
-          </a:solidFill>
-          <a:latin typeface="+mn-lt"/>
-          <a:ea typeface="+mn-ea"/>
-          <a:cs typeface="+mn-cs"/>
-        </a:defRPr>
-      </a:lvl4pPr>
-      <a:lvl5pPr marL="2057400" indent="-228600" algn="l" defTabSz="914400" rtl="0" eaLnBrk="1" latinLnBrk="0" hangingPunct="1">
-        <a:lnSpc>
-          <a:spcPct val="90000"/>
-        </a:lnSpc>
-        <a:spcBef>
-          <a:spcPts val="500"/>
-        </a:spcBef>
-        <a:buFont typeface="Arial" panose="020B0604020202020204" pitchFamily="34" charset="0"/>
-        <a:buChar char="•"/>
-        <a:defRPr sz="1800" kern="1200">
+        <a:defRPr sz="2400" kern="1200">
           <a:solidFill>
             <a:schemeClr val="tx1"/>
           </a:solidFill>
@@ -3158,16 +2782,16 @@
           <a:cs typeface="+mn-cs"/>
         </a:defRPr>
       </a:lvl5pPr>
-      <a:lvl6pPr marL="2514600" indent="-228600" algn="l" defTabSz="914400" rtl="0" eaLnBrk="1" latinLnBrk="0" hangingPunct="1">
+      <a:lvl6pPr marL="3352716" indent="-304792" algn="l" defTabSz="1219170" rtl="0" eaLnBrk="1" latinLnBrk="0" hangingPunct="1">
         <a:lnSpc>
           <a:spcPct val="90000"/>
         </a:lnSpc>
         <a:spcBef>
-          <a:spcPts val="500"/>
+          <a:spcPts val="667"/>
         </a:spcBef>
         <a:buFont typeface="Arial" panose="020B0604020202020204" pitchFamily="34" charset="0"/>
         <a:buChar char="•"/>
-        <a:defRPr sz="1800" kern="1200">
+        <a:defRPr sz="2400" kern="1200">
           <a:solidFill>
             <a:schemeClr val="tx1"/>
           </a:solidFill>
@@ -3176,16 +2800,16 @@
           <a:cs typeface="+mn-cs"/>
         </a:defRPr>
       </a:lvl6pPr>
-      <a:lvl7pPr marL="2971800" indent="-228600" algn="l" defTabSz="914400" rtl="0" eaLnBrk="1" latinLnBrk="0" hangingPunct="1">
+      <a:lvl7pPr marL="3962301" indent="-304792" algn="l" defTabSz="1219170" rtl="0" eaLnBrk="1" latinLnBrk="0" hangingPunct="1">
         <a:lnSpc>
           <a:spcPct val="90000"/>
         </a:lnSpc>
         <a:spcBef>
-          <a:spcPts val="500"/>
+          <a:spcPts val="667"/>
         </a:spcBef>
         <a:buFont typeface="Arial" panose="020B0604020202020204" pitchFamily="34" charset="0"/>
         <a:buChar char="•"/>
-        <a:defRPr sz="1800" kern="1200">
+        <a:defRPr sz="2400" kern="1200">
           <a:solidFill>
             <a:schemeClr val="tx1"/>
           </a:solidFill>
@@ -3194,16 +2818,16 @@
           <a:cs typeface="+mn-cs"/>
         </a:defRPr>
       </a:lvl7pPr>
-      <a:lvl8pPr marL="3429000" indent="-228600" algn="l" defTabSz="914400" rtl="0" eaLnBrk="1" latinLnBrk="0" hangingPunct="1">
+      <a:lvl8pPr marL="4571886" indent="-304792" algn="l" defTabSz="1219170" rtl="0" eaLnBrk="1" latinLnBrk="0" hangingPunct="1">
         <a:lnSpc>
           <a:spcPct val="90000"/>
         </a:lnSpc>
         <a:spcBef>
-          <a:spcPts val="500"/>
+          <a:spcPts val="667"/>
         </a:spcBef>
         <a:buFont typeface="Arial" panose="020B0604020202020204" pitchFamily="34" charset="0"/>
         <a:buChar char="•"/>
-        <a:defRPr sz="1800" kern="1200">
+        <a:defRPr sz="2400" kern="1200">
           <a:solidFill>
             <a:schemeClr val="tx1"/>
           </a:solidFill>
@@ -3212,16 +2836,16 @@
           <a:cs typeface="+mn-cs"/>
         </a:defRPr>
       </a:lvl8pPr>
-      <a:lvl9pPr marL="3886200" indent="-228600" algn="l" defTabSz="914400" rtl="0" eaLnBrk="1" latinLnBrk="0" hangingPunct="1">
+      <a:lvl9pPr marL="5181470" indent="-304792" algn="l" defTabSz="1219170" rtl="0" eaLnBrk="1" latinLnBrk="0" hangingPunct="1">
         <a:lnSpc>
           <a:spcPct val="90000"/>
         </a:lnSpc>
         <a:spcBef>
-          <a:spcPts val="500"/>
+          <a:spcPts val="667"/>
         </a:spcBef>
         <a:buFont typeface="Arial" panose="020B0604020202020204" pitchFamily="34" charset="0"/>
         <a:buChar char="•"/>
-        <a:defRPr sz="1800" kern="1200">
+        <a:defRPr sz="2400" kern="1200">
           <a:solidFill>
             <a:schemeClr val="tx1"/>
           </a:solidFill>
@@ -3233,10 +2857,10 @@
     </p:bodyStyle>
     <p:otherStyle>
       <a:defPPr>
-        <a:defRPr lang="es-MX"/>
+        <a:defRPr lang="en-US"/>
       </a:defPPr>
-      <a:lvl1pPr marL="0" algn="l" defTabSz="914400" rtl="0" eaLnBrk="1" latinLnBrk="0" hangingPunct="1">
-        <a:defRPr sz="1800" kern="1200">
+      <a:lvl1pPr marL="0" algn="l" defTabSz="1219170" rtl="0" eaLnBrk="1" latinLnBrk="0" hangingPunct="1">
+        <a:defRPr sz="2400" kern="1200">
           <a:solidFill>
             <a:schemeClr val="tx1"/>
           </a:solidFill>
@@ -3245,8 +2869,8 @@
           <a:cs typeface="+mn-cs"/>
         </a:defRPr>
       </a:lvl1pPr>
-      <a:lvl2pPr marL="457200" algn="l" defTabSz="914400" rtl="0" eaLnBrk="1" latinLnBrk="0" hangingPunct="1">
-        <a:defRPr sz="1800" kern="1200">
+      <a:lvl2pPr marL="609585" algn="l" defTabSz="1219170" rtl="0" eaLnBrk="1" latinLnBrk="0" hangingPunct="1">
+        <a:defRPr sz="2400" kern="1200">
           <a:solidFill>
             <a:schemeClr val="tx1"/>
           </a:solidFill>
@@ -3255,8 +2879,8 @@
           <a:cs typeface="+mn-cs"/>
         </a:defRPr>
       </a:lvl2pPr>
-      <a:lvl3pPr marL="914400" algn="l" defTabSz="914400" rtl="0" eaLnBrk="1" latinLnBrk="0" hangingPunct="1">
-        <a:defRPr sz="1800" kern="1200">
+      <a:lvl3pPr marL="1219170" algn="l" defTabSz="1219170" rtl="0" eaLnBrk="1" latinLnBrk="0" hangingPunct="1">
+        <a:defRPr sz="2400" kern="1200">
           <a:solidFill>
             <a:schemeClr val="tx1"/>
           </a:solidFill>
@@ -3265,8 +2889,8 @@
           <a:cs typeface="+mn-cs"/>
         </a:defRPr>
       </a:lvl3pPr>
-      <a:lvl4pPr marL="1371600" algn="l" defTabSz="914400" rtl="0" eaLnBrk="1" latinLnBrk="0" hangingPunct="1">
-        <a:defRPr sz="1800" kern="1200">
+      <a:lvl4pPr marL="1828754" algn="l" defTabSz="1219170" rtl="0" eaLnBrk="1" latinLnBrk="0" hangingPunct="1">
+        <a:defRPr sz="2400" kern="1200">
           <a:solidFill>
             <a:schemeClr val="tx1"/>
           </a:solidFill>
@@ -3275,8 +2899,8 @@
           <a:cs typeface="+mn-cs"/>
         </a:defRPr>
       </a:lvl4pPr>
-      <a:lvl5pPr marL="1828800" algn="l" defTabSz="914400" rtl="0" eaLnBrk="1" latinLnBrk="0" hangingPunct="1">
-        <a:defRPr sz="1800" kern="1200">
+      <a:lvl5pPr marL="2438339" algn="l" defTabSz="1219170" rtl="0" eaLnBrk="1" latinLnBrk="0" hangingPunct="1">
+        <a:defRPr sz="2400" kern="1200">
           <a:solidFill>
             <a:schemeClr val="tx1"/>
           </a:solidFill>
@@ -3285,8 +2909,8 @@
           <a:cs typeface="+mn-cs"/>
         </a:defRPr>
       </a:lvl5pPr>
-      <a:lvl6pPr marL="2286000" algn="l" defTabSz="914400" rtl="0" eaLnBrk="1" latinLnBrk="0" hangingPunct="1">
-        <a:defRPr sz="1800" kern="1200">
+      <a:lvl6pPr marL="3047924" algn="l" defTabSz="1219170" rtl="0" eaLnBrk="1" latinLnBrk="0" hangingPunct="1">
+        <a:defRPr sz="2400" kern="1200">
           <a:solidFill>
             <a:schemeClr val="tx1"/>
           </a:solidFill>
@@ -3295,8 +2919,8 @@
           <a:cs typeface="+mn-cs"/>
         </a:defRPr>
       </a:lvl6pPr>
-      <a:lvl7pPr marL="2743200" algn="l" defTabSz="914400" rtl="0" eaLnBrk="1" latinLnBrk="0" hangingPunct="1">
-        <a:defRPr sz="1800" kern="1200">
+      <a:lvl7pPr marL="3657509" algn="l" defTabSz="1219170" rtl="0" eaLnBrk="1" latinLnBrk="0" hangingPunct="1">
+        <a:defRPr sz="2400" kern="1200">
           <a:solidFill>
             <a:schemeClr val="tx1"/>
           </a:solidFill>
@@ -3305,8 +2929,8 @@
           <a:cs typeface="+mn-cs"/>
         </a:defRPr>
       </a:lvl7pPr>
-      <a:lvl8pPr marL="3200400" algn="l" defTabSz="914400" rtl="0" eaLnBrk="1" latinLnBrk="0" hangingPunct="1">
-        <a:defRPr sz="1800" kern="1200">
+      <a:lvl8pPr marL="4267093" algn="l" defTabSz="1219170" rtl="0" eaLnBrk="1" latinLnBrk="0" hangingPunct="1">
+        <a:defRPr sz="2400" kern="1200">
           <a:solidFill>
             <a:schemeClr val="tx1"/>
           </a:solidFill>
@@ -3315,8 +2939,8 @@
           <a:cs typeface="+mn-cs"/>
         </a:defRPr>
       </a:lvl8pPr>
-      <a:lvl9pPr marL="3657600" algn="l" defTabSz="914400" rtl="0" eaLnBrk="1" latinLnBrk="0" hangingPunct="1">
-        <a:defRPr sz="1800" kern="1200">
+      <a:lvl9pPr marL="4876678" algn="l" defTabSz="1219170" rtl="0" eaLnBrk="1" latinLnBrk="0" hangingPunct="1">
+        <a:defRPr sz="2400" kern="1200">
           <a:solidFill>
             <a:schemeClr val="tx1"/>
           </a:solidFill>
@@ -3333,6 +2957,16 @@
 <file path=ppt/slides/slide1.xml><?xml version="1.0" encoding="utf-8"?>
 <p:sld xmlns:a="http://schemas.openxmlformats.org/drawingml/2006/main" xmlns:r="http://schemas.openxmlformats.org/officeDocument/2006/relationships" xmlns:p="http://schemas.openxmlformats.org/presentationml/2006/main">
   <p:cSld>
+    <p:bg>
+      <p:bgPr>
+        <a:solidFill>
+          <a:schemeClr val="bg1">
+            <a:lumMod val="85000"/>
+          </a:schemeClr>
+        </a:solidFill>
+        <a:effectLst/>
+      </p:bgPr>
+    </p:bg>
     <p:spTree>
       <p:nvGrpSpPr>
         <p:cNvPr id="1" name=""/>
@@ -3375,7 +3009,7 @@
         </p:blipFill>
         <p:spPr>
           <a:xfrm>
-            <a:off x="0" y="-1288"/>
+            <a:off x="-2" y="5039025"/>
             <a:ext cx="5996824" cy="3398054"/>
           </a:xfrm>
           <a:prstGeom prst="rect">
@@ -3411,7 +3045,7 @@
         </p:blipFill>
         <p:spPr>
           <a:xfrm>
-            <a:off x="21159" y="3498370"/>
+            <a:off x="21158" y="8538683"/>
             <a:ext cx="5944293" cy="3359630"/>
           </a:xfrm>
           <a:prstGeom prst="rect">
@@ -3447,7 +3081,7 @@
         </p:blipFill>
         <p:spPr>
           <a:xfrm>
-            <a:off x="6096000" y="3498370"/>
+            <a:off x="6095998" y="8538683"/>
             <a:ext cx="6064628" cy="3336624"/>
           </a:xfrm>
           <a:prstGeom prst="rect">
@@ -3483,8 +3117,116 @@
         </p:blipFill>
         <p:spPr>
           <a:xfrm>
-            <a:off x="6195178" y="0"/>
+            <a:off x="6195176" y="5040313"/>
             <a:ext cx="5996824" cy="3373760"/>
+          </a:xfrm>
+          <a:prstGeom prst="rect">
+            <a:avLst/>
+          </a:prstGeom>
+        </p:spPr>
+      </p:pic>
+      <p:pic>
+        <p:nvPicPr>
+          <p:cNvPr id="3" name="Picture 2" descr="Chart&#10;&#10;Description automatically generated with low confidence">
+            <a:extLst>
+              <a:ext uri="{FF2B5EF4-FFF2-40B4-BE49-F238E27FC236}">
+                <a16:creationId xmlns:a16="http://schemas.microsoft.com/office/drawing/2014/main" id="{C17D6C98-4F10-2C1E-9C43-FD40FD8D8BBB}"/>
+              </a:ext>
+            </a:extLst>
+          </p:cNvPr>
+          <p:cNvPicPr>
+            <a:picLocks noChangeAspect="1"/>
+          </p:cNvPicPr>
+          <p:nvPr/>
+        </p:nvPicPr>
+        <p:blipFill>
+          <a:blip r:embed="rId6">
+            <a:extLst>
+              <a:ext uri="{28A0092B-C50C-407E-A947-70E740481C1C}">
+                <a14:useLocalDpi xmlns:a14="http://schemas.microsoft.com/office/drawing/2010/main" val="0"/>
+              </a:ext>
+            </a:extLst>
+          </a:blip>
+          <a:stretch>
+            <a:fillRect/>
+          </a:stretch>
+        </p:blipFill>
+        <p:spPr>
+          <a:xfrm>
+            <a:off x="115287" y="68119"/>
+            <a:ext cx="3546485" cy="4914415"/>
+          </a:xfrm>
+          <a:prstGeom prst="rect">
+            <a:avLst/>
+          </a:prstGeom>
+        </p:spPr>
+      </p:pic>
+      <p:pic>
+        <p:nvPicPr>
+          <p:cNvPr id="5" name="Picture 4" descr="Table&#10;&#10;Description automatically generated">
+            <a:extLst>
+              <a:ext uri="{FF2B5EF4-FFF2-40B4-BE49-F238E27FC236}">
+                <a16:creationId xmlns:a16="http://schemas.microsoft.com/office/drawing/2014/main" id="{4C6B14CD-828D-D6AB-AD0D-EA2B65C35039}"/>
+              </a:ext>
+            </a:extLst>
+          </p:cNvPr>
+          <p:cNvPicPr>
+            <a:picLocks noChangeAspect="1"/>
+          </p:cNvPicPr>
+          <p:nvPr/>
+        </p:nvPicPr>
+        <p:blipFill>
+          <a:blip r:embed="rId7">
+            <a:extLst>
+              <a:ext uri="{28A0092B-C50C-407E-A947-70E740481C1C}">
+                <a14:useLocalDpi xmlns:a14="http://schemas.microsoft.com/office/drawing/2010/main" val="0"/>
+              </a:ext>
+            </a:extLst>
+          </a:blip>
+          <a:stretch>
+            <a:fillRect/>
+          </a:stretch>
+        </p:blipFill>
+        <p:spPr>
+          <a:xfrm>
+            <a:off x="4223579" y="55453"/>
+            <a:ext cx="3546485" cy="4927081"/>
+          </a:xfrm>
+          <a:prstGeom prst="rect">
+            <a:avLst/>
+          </a:prstGeom>
+        </p:spPr>
+      </p:pic>
+      <p:pic>
+        <p:nvPicPr>
+          <p:cNvPr id="8" name="Picture 7" descr="Chart, application&#10;&#10;Description automatically generated">
+            <a:extLst>
+              <a:ext uri="{FF2B5EF4-FFF2-40B4-BE49-F238E27FC236}">
+                <a16:creationId xmlns:a16="http://schemas.microsoft.com/office/drawing/2014/main" id="{FD0FC174-CBBA-0670-2932-7CEA5913D538}"/>
+              </a:ext>
+            </a:extLst>
+          </p:cNvPr>
+          <p:cNvPicPr>
+            <a:picLocks noChangeAspect="1"/>
+          </p:cNvPicPr>
+          <p:nvPr/>
+        </p:nvPicPr>
+        <p:blipFill>
+          <a:blip r:embed="rId8">
+            <a:extLst>
+              <a:ext uri="{28A0092B-C50C-407E-A947-70E740481C1C}">
+                <a14:useLocalDpi xmlns:a14="http://schemas.microsoft.com/office/drawing/2010/main" val="0"/>
+              </a:ext>
+            </a:extLst>
+          </a:blip>
+          <a:stretch>
+            <a:fillRect/>
+          </a:stretch>
+        </p:blipFill>
+        <p:spPr>
+          <a:xfrm>
+            <a:off x="8217958" y="23006"/>
+            <a:ext cx="3562919" cy="4927081"/>
           </a:xfrm>
           <a:prstGeom prst="rect">
             <a:avLst/>
@@ -3507,7 +3249,7 @@
 <file path=ppt/theme/theme1.xml><?xml version="1.0" encoding="utf-8"?>
 <a:theme xmlns:a="http://schemas.openxmlformats.org/drawingml/2006/main" name="Office Theme">
   <a:themeElements>
-    <a:clrScheme name="Office">
+    <a:clrScheme name="Office Theme">
       <a:dk1>
         <a:sysClr val="windowText" lastClr="000000"/>
       </a:dk1>
@@ -3545,7 +3287,7 @@
         <a:srgbClr val="954F72"/>
       </a:folHlink>
     </a:clrScheme>
-    <a:fontScheme name="Office">
+    <a:fontScheme name="Office Theme">
       <a:majorFont>
         <a:latin typeface="Calibri Light" panose="020F0302020204030204"/>
         <a:ea typeface=""/>
@@ -3580,23 +3322,6 @@
         <a:font script="Viet" typeface="Times New Roman"/>
         <a:font script="Uigh" typeface="Microsoft Uighur"/>
         <a:font script="Geor" typeface="Sylfaen"/>
-        <a:font script="Armn" typeface="Arial"/>
-        <a:font script="Bugi" typeface="Leelawadee UI"/>
-        <a:font script="Bopo" typeface="Microsoft JhengHei"/>
-        <a:font script="Java" typeface="Javanese Text"/>
-        <a:font script="Lisu" typeface="Segoe UI"/>
-        <a:font script="Mymr" typeface="Myanmar Text"/>
-        <a:font script="Nkoo" typeface="Ebrima"/>
-        <a:font script="Olck" typeface="Nirmala UI"/>
-        <a:font script="Osma" typeface="Ebrima"/>
-        <a:font script="Phag" typeface="Phagspa"/>
-        <a:font script="Syrn" typeface="Estrangelo Edessa"/>
-        <a:font script="Syrj" typeface="Estrangelo Edessa"/>
-        <a:font script="Syre" typeface="Estrangelo Edessa"/>
-        <a:font script="Sora" typeface="Nirmala UI"/>
-        <a:font script="Tale" typeface="Microsoft Tai Le"/>
-        <a:font script="Talu" typeface="Microsoft New Tai Lue"/>
-        <a:font script="Tfng" typeface="Ebrima"/>
       </a:majorFont>
       <a:minorFont>
         <a:latin typeface="Calibri" panose="020F0502020204030204"/>
@@ -3632,26 +3357,9 @@
         <a:font script="Viet" typeface="Arial"/>
         <a:font script="Uigh" typeface="Microsoft Uighur"/>
         <a:font script="Geor" typeface="Sylfaen"/>
-        <a:font script="Armn" typeface="Arial"/>
-        <a:font script="Bugi" typeface="Leelawadee UI"/>
-        <a:font script="Bopo" typeface="Microsoft JhengHei"/>
-        <a:font script="Java" typeface="Javanese Text"/>
-        <a:font script="Lisu" typeface="Segoe UI"/>
-        <a:font script="Mymr" typeface="Myanmar Text"/>
-        <a:font script="Nkoo" typeface="Ebrima"/>
-        <a:font script="Olck" typeface="Nirmala UI"/>
-        <a:font script="Osma" typeface="Ebrima"/>
-        <a:font script="Phag" typeface="Phagspa"/>
-        <a:font script="Syrn" typeface="Estrangelo Edessa"/>
-        <a:font script="Syrj" typeface="Estrangelo Edessa"/>
-        <a:font script="Syre" typeface="Estrangelo Edessa"/>
-        <a:font script="Sora" typeface="Nirmala UI"/>
-        <a:font script="Tale" typeface="Microsoft Tai Le"/>
-        <a:font script="Talu" typeface="Microsoft New Tai Lue"/>
-        <a:font script="Tfng" typeface="Ebrima"/>
       </a:minorFont>
     </a:fontScheme>
-    <a:fmtScheme name="Office">
+    <a:fmtScheme name="Office Theme">
       <a:fillStyleLst>
         <a:solidFill>
           <a:schemeClr val="phClr"/>

--- a/images/Sample dashboards/Sample_dashboards.pptx
+++ b/images/Sample dashboards/Sample_dashboards.pptx
@@ -2,12 +2,12 @@
 <file path=ppt/presentation.xml><?xml version="1.0" encoding="utf-8"?>
 <p:presentation xmlns:a="http://schemas.openxmlformats.org/drawingml/2006/main" xmlns:r="http://schemas.openxmlformats.org/officeDocument/2006/relationships" xmlns:p="http://schemas.openxmlformats.org/presentationml/2006/main" saveSubsetFonts="1">
   <p:sldMasterIdLst>
-    <p:sldMasterId id="2147483660" r:id="rId1"/>
+    <p:sldMasterId id="2147483780" r:id="rId1"/>
   </p:sldMasterIdLst>
   <p:sldIdLst>
-    <p:sldId id="256" r:id="rId2"/>
+    <p:sldId id="257" r:id="rId2"/>
   </p:sldIdLst>
-  <p:sldSz cx="12192000" cy="11898313"/>
+  <p:sldSz cx="11879263" cy="5400675"/>
   <p:notesSz cx="6858000" cy="9144000"/>
   <p:defaultTextStyle>
     <a:defPPr>
@@ -141,15 +141,15 @@
         </p:nvSpPr>
         <p:spPr>
           <a:xfrm>
-            <a:off x="914400" y="1947248"/>
-            <a:ext cx="10363200" cy="4142376"/>
+            <a:off x="1484908" y="883861"/>
+            <a:ext cx="8909447" cy="1880235"/>
           </a:xfrm>
         </p:spPr>
         <p:txBody>
           <a:bodyPr anchor="b"/>
           <a:lstStyle>
             <a:lvl1pPr algn="ctr">
-              <a:defRPr sz="8000"/>
+              <a:defRPr sz="4725"/>
             </a:lvl1pPr>
           </a:lstStyle>
           <a:p>
@@ -173,8 +173,8 @@
         </p:nvSpPr>
         <p:spPr>
           <a:xfrm>
-            <a:off x="1524000" y="6249369"/>
-            <a:ext cx="9144000" cy="2872671"/>
+            <a:off x="1484908" y="2836605"/>
+            <a:ext cx="8909447" cy="1303913"/>
           </a:xfrm>
         </p:spPr>
         <p:txBody>
@@ -182,39 +182,39 @@
           <a:lstStyle>
             <a:lvl1pPr marL="0" indent="0" algn="ctr">
               <a:buNone/>
-              <a:defRPr sz="3200"/>
+              <a:defRPr sz="1890"/>
             </a:lvl1pPr>
-            <a:lvl2pPr marL="609585" indent="0" algn="ctr">
-              <a:buNone/>
-              <a:defRPr sz="2667"/>
+            <a:lvl2pPr marL="360045" indent="0" algn="ctr">
+              <a:buNone/>
+              <a:defRPr sz="1575"/>
             </a:lvl2pPr>
-            <a:lvl3pPr marL="1219170" indent="0" algn="ctr">
-              <a:buNone/>
-              <a:defRPr sz="2400"/>
+            <a:lvl3pPr marL="720090" indent="0" algn="ctr">
+              <a:buNone/>
+              <a:defRPr sz="1418"/>
             </a:lvl3pPr>
-            <a:lvl4pPr marL="1828754" indent="0" algn="ctr">
-              <a:buNone/>
-              <a:defRPr sz="2133"/>
+            <a:lvl4pPr marL="1080135" indent="0" algn="ctr">
+              <a:buNone/>
+              <a:defRPr sz="1260"/>
             </a:lvl4pPr>
-            <a:lvl5pPr marL="2438339" indent="0" algn="ctr">
-              <a:buNone/>
-              <a:defRPr sz="2133"/>
+            <a:lvl5pPr marL="1440180" indent="0" algn="ctr">
+              <a:buNone/>
+              <a:defRPr sz="1260"/>
             </a:lvl5pPr>
-            <a:lvl6pPr marL="3047924" indent="0" algn="ctr">
-              <a:buNone/>
-              <a:defRPr sz="2133"/>
+            <a:lvl6pPr marL="1800225" indent="0" algn="ctr">
+              <a:buNone/>
+              <a:defRPr sz="1260"/>
             </a:lvl6pPr>
-            <a:lvl7pPr marL="3657509" indent="0" algn="ctr">
-              <a:buNone/>
-              <a:defRPr sz="2133"/>
+            <a:lvl7pPr marL="2160270" indent="0" algn="ctr">
+              <a:buNone/>
+              <a:defRPr sz="1260"/>
             </a:lvl7pPr>
-            <a:lvl8pPr marL="4267093" indent="0" algn="ctr">
-              <a:buNone/>
-              <a:defRPr sz="2133"/>
+            <a:lvl8pPr marL="2520315" indent="0" algn="ctr">
+              <a:buNone/>
+              <a:defRPr sz="1260"/>
             </a:lvl8pPr>
-            <a:lvl9pPr marL="4876678" indent="0" algn="ctr">
-              <a:buNone/>
-              <a:defRPr sz="2133"/>
+            <a:lvl9pPr marL="2880360" indent="0" algn="ctr">
+              <a:buNone/>
+              <a:defRPr sz="1260"/>
             </a:lvl9pPr>
           </a:lstStyle>
           <a:p>
@@ -243,7 +243,7 @@
           <a:p>
             <a:fld id="{E3B75F80-F4B0-4C38-86B1-FEB191EA565F}" type="datetimeFigureOut">
               <a:rPr lang="es-MX" smtClean="0"/>
-              <a:t>05/12/2022</a:t>
+              <a:t>22/01/2023</a:t>
             </a:fld>
             <a:endParaRPr lang="es-MX"/>
           </a:p>
@@ -294,7 +294,7 @@
     </p:spTree>
     <p:extLst>
       <p:ext uri="{BB962C8B-B14F-4D97-AF65-F5344CB8AC3E}">
-        <p14:creationId xmlns:p14="http://schemas.microsoft.com/office/powerpoint/2010/main" val="1544916124"/>
+        <p14:creationId xmlns:p14="http://schemas.microsoft.com/office/powerpoint/2010/main" val="1530729468"/>
       </p:ext>
     </p:extLst>
   </p:cSld>
@@ -413,7 +413,7 @@
           <a:p>
             <a:fld id="{E3B75F80-F4B0-4C38-86B1-FEB191EA565F}" type="datetimeFigureOut">
               <a:rPr lang="es-MX" smtClean="0"/>
-              <a:t>05/12/2022</a:t>
+              <a:t>22/01/2023</a:t>
             </a:fld>
             <a:endParaRPr lang="es-MX"/>
           </a:p>
@@ -464,7 +464,7 @@
     </p:spTree>
     <p:extLst>
       <p:ext uri="{BB962C8B-B14F-4D97-AF65-F5344CB8AC3E}">
-        <p14:creationId xmlns:p14="http://schemas.microsoft.com/office/powerpoint/2010/main" val="281878170"/>
+        <p14:creationId xmlns:p14="http://schemas.microsoft.com/office/powerpoint/2010/main" val="3234233336"/>
       </p:ext>
     </p:extLst>
   </p:cSld>
@@ -503,8 +503,8 @@
         </p:nvSpPr>
         <p:spPr>
           <a:xfrm>
-            <a:off x="8724901" y="633475"/>
-            <a:ext cx="2628900" cy="10083270"/>
+            <a:off x="8501098" y="287536"/>
+            <a:ext cx="2561466" cy="4576822"/>
           </a:xfrm>
         </p:spPr>
         <p:txBody>
@@ -531,8 +531,8 @@
         </p:nvSpPr>
         <p:spPr>
           <a:xfrm>
-            <a:off x="838201" y="633475"/>
-            <a:ext cx="7734300" cy="10083270"/>
+            <a:off x="816700" y="287536"/>
+            <a:ext cx="7535907" cy="4576822"/>
           </a:xfrm>
         </p:spPr>
         <p:txBody>
@@ -593,7 +593,7 @@
           <a:p>
             <a:fld id="{E3B75F80-F4B0-4C38-86B1-FEB191EA565F}" type="datetimeFigureOut">
               <a:rPr lang="es-MX" smtClean="0"/>
-              <a:t>05/12/2022</a:t>
+              <a:t>22/01/2023</a:t>
             </a:fld>
             <a:endParaRPr lang="es-MX"/>
           </a:p>
@@ -644,7 +644,7 @@
     </p:spTree>
     <p:extLst>
       <p:ext uri="{BB962C8B-B14F-4D97-AF65-F5344CB8AC3E}">
-        <p14:creationId xmlns:p14="http://schemas.microsoft.com/office/powerpoint/2010/main" val="784522842"/>
+        <p14:creationId xmlns:p14="http://schemas.microsoft.com/office/powerpoint/2010/main" val="1638020472"/>
       </p:ext>
     </p:extLst>
   </p:cSld>
@@ -763,7 +763,7 @@
           <a:p>
             <a:fld id="{E3B75F80-F4B0-4C38-86B1-FEB191EA565F}" type="datetimeFigureOut">
               <a:rPr lang="es-MX" smtClean="0"/>
-              <a:t>05/12/2022</a:t>
+              <a:t>22/01/2023</a:t>
             </a:fld>
             <a:endParaRPr lang="es-MX"/>
           </a:p>
@@ -814,7 +814,7 @@
     </p:spTree>
     <p:extLst>
       <p:ext uri="{BB962C8B-B14F-4D97-AF65-F5344CB8AC3E}">
-        <p14:creationId xmlns:p14="http://schemas.microsoft.com/office/powerpoint/2010/main" val="3705821916"/>
+        <p14:creationId xmlns:p14="http://schemas.microsoft.com/office/powerpoint/2010/main" val="2353624195"/>
       </p:ext>
     </p:extLst>
   </p:cSld>
@@ -853,15 +853,15 @@
         </p:nvSpPr>
         <p:spPr>
           <a:xfrm>
-            <a:off x="831851" y="2966319"/>
-            <a:ext cx="10515600" cy="4949367"/>
+            <a:off x="810512" y="1346419"/>
+            <a:ext cx="10245864" cy="2246530"/>
           </a:xfrm>
         </p:spPr>
         <p:txBody>
           <a:bodyPr anchor="b"/>
           <a:lstStyle>
             <a:lvl1pPr>
-              <a:defRPr sz="8000"/>
+              <a:defRPr sz="4725"/>
             </a:lvl1pPr>
           </a:lstStyle>
           <a:p>
@@ -885,8 +885,8 @@
         </p:nvSpPr>
         <p:spPr>
           <a:xfrm>
-            <a:off x="831851" y="7962509"/>
-            <a:ext cx="10515600" cy="2602755"/>
+            <a:off x="810512" y="3614203"/>
+            <a:ext cx="10245864" cy="1181397"/>
           </a:xfrm>
         </p:spPr>
         <p:txBody>
@@ -894,15 +894,17 @@
           <a:lstStyle>
             <a:lvl1pPr marL="0" indent="0">
               <a:buNone/>
-              <a:defRPr sz="3200">
+              <a:defRPr sz="1890">
                 <a:solidFill>
-                  <a:schemeClr val="tx1"/>
+                  <a:schemeClr val="tx1">
+                    <a:tint val="75000"/>
+                  </a:schemeClr>
                 </a:solidFill>
               </a:defRPr>
             </a:lvl1pPr>
-            <a:lvl2pPr marL="609585" indent="0">
-              <a:buNone/>
-              <a:defRPr sz="2667">
+            <a:lvl2pPr marL="360045" indent="0">
+              <a:buNone/>
+              <a:defRPr sz="1575">
                 <a:solidFill>
                   <a:schemeClr val="tx1">
                     <a:tint val="75000"/>
@@ -910,9 +912,9 @@
                 </a:solidFill>
               </a:defRPr>
             </a:lvl2pPr>
-            <a:lvl3pPr marL="1219170" indent="0">
-              <a:buNone/>
-              <a:defRPr sz="2400">
+            <a:lvl3pPr marL="720090" indent="0">
+              <a:buNone/>
+              <a:defRPr sz="1418">
                 <a:solidFill>
                   <a:schemeClr val="tx1">
                     <a:tint val="75000"/>
@@ -920,9 +922,9 @@
                 </a:solidFill>
               </a:defRPr>
             </a:lvl3pPr>
-            <a:lvl4pPr marL="1828754" indent="0">
-              <a:buNone/>
-              <a:defRPr sz="2133">
+            <a:lvl4pPr marL="1080135" indent="0">
+              <a:buNone/>
+              <a:defRPr sz="1260">
                 <a:solidFill>
                   <a:schemeClr val="tx1">
                     <a:tint val="75000"/>
@@ -930,9 +932,9 @@
                 </a:solidFill>
               </a:defRPr>
             </a:lvl4pPr>
-            <a:lvl5pPr marL="2438339" indent="0">
-              <a:buNone/>
-              <a:defRPr sz="2133">
+            <a:lvl5pPr marL="1440180" indent="0">
+              <a:buNone/>
+              <a:defRPr sz="1260">
                 <a:solidFill>
                   <a:schemeClr val="tx1">
                     <a:tint val="75000"/>
@@ -940,9 +942,9 @@
                 </a:solidFill>
               </a:defRPr>
             </a:lvl5pPr>
-            <a:lvl6pPr marL="3047924" indent="0">
-              <a:buNone/>
-              <a:defRPr sz="2133">
+            <a:lvl6pPr marL="1800225" indent="0">
+              <a:buNone/>
+              <a:defRPr sz="1260">
                 <a:solidFill>
                   <a:schemeClr val="tx1">
                     <a:tint val="75000"/>
@@ -950,9 +952,9 @@
                 </a:solidFill>
               </a:defRPr>
             </a:lvl6pPr>
-            <a:lvl7pPr marL="3657509" indent="0">
-              <a:buNone/>
-              <a:defRPr sz="2133">
+            <a:lvl7pPr marL="2160270" indent="0">
+              <a:buNone/>
+              <a:defRPr sz="1260">
                 <a:solidFill>
                   <a:schemeClr val="tx1">
                     <a:tint val="75000"/>
@@ -960,9 +962,9 @@
                 </a:solidFill>
               </a:defRPr>
             </a:lvl7pPr>
-            <a:lvl8pPr marL="4267093" indent="0">
-              <a:buNone/>
-              <a:defRPr sz="2133">
+            <a:lvl8pPr marL="2520315" indent="0">
+              <a:buNone/>
+              <a:defRPr sz="1260">
                 <a:solidFill>
                   <a:schemeClr val="tx1">
                     <a:tint val="75000"/>
@@ -970,9 +972,9 @@
                 </a:solidFill>
               </a:defRPr>
             </a:lvl8pPr>
-            <a:lvl9pPr marL="4876678" indent="0">
-              <a:buNone/>
-              <a:defRPr sz="2133">
+            <a:lvl9pPr marL="2880360" indent="0">
+              <a:buNone/>
+              <a:defRPr sz="1260">
                 <a:solidFill>
                   <a:schemeClr val="tx1">
                     <a:tint val="75000"/>
@@ -1007,7 +1009,7 @@
           <a:p>
             <a:fld id="{E3B75F80-F4B0-4C38-86B1-FEB191EA565F}" type="datetimeFigureOut">
               <a:rPr lang="es-MX" smtClean="0"/>
-              <a:t>05/12/2022</a:t>
+              <a:t>22/01/2023</a:t>
             </a:fld>
             <a:endParaRPr lang="es-MX"/>
           </a:p>
@@ -1058,7 +1060,7 @@
     </p:spTree>
     <p:extLst>
       <p:ext uri="{BB962C8B-B14F-4D97-AF65-F5344CB8AC3E}">
-        <p14:creationId xmlns:p14="http://schemas.microsoft.com/office/powerpoint/2010/main" val="1883780431"/>
+        <p14:creationId xmlns:p14="http://schemas.microsoft.com/office/powerpoint/2010/main" val="3246605892"/>
       </p:ext>
     </p:extLst>
   </p:cSld>
@@ -1120,8 +1122,8 @@
         </p:nvSpPr>
         <p:spPr>
           <a:xfrm>
-            <a:off x="838200" y="3167375"/>
-            <a:ext cx="5181600" cy="7549370"/>
+            <a:off x="816699" y="1437680"/>
+            <a:ext cx="5048687" cy="3426679"/>
           </a:xfrm>
         </p:spPr>
         <p:txBody>
@@ -1177,8 +1179,8 @@
         </p:nvSpPr>
         <p:spPr>
           <a:xfrm>
-            <a:off x="6172200" y="3167375"/>
-            <a:ext cx="5181600" cy="7549370"/>
+            <a:off x="6013877" y="1437680"/>
+            <a:ext cx="5048687" cy="3426679"/>
           </a:xfrm>
         </p:spPr>
         <p:txBody>
@@ -1239,7 +1241,7 @@
           <a:p>
             <a:fld id="{E3B75F80-F4B0-4C38-86B1-FEB191EA565F}" type="datetimeFigureOut">
               <a:rPr lang="es-MX" smtClean="0"/>
-              <a:t>05/12/2022</a:t>
+              <a:t>22/01/2023</a:t>
             </a:fld>
             <a:endParaRPr lang="es-MX"/>
           </a:p>
@@ -1290,7 +1292,7 @@
     </p:spTree>
     <p:extLst>
       <p:ext uri="{BB962C8B-B14F-4D97-AF65-F5344CB8AC3E}">
-        <p14:creationId xmlns:p14="http://schemas.microsoft.com/office/powerpoint/2010/main" val="1429688509"/>
+        <p14:creationId xmlns:p14="http://schemas.microsoft.com/office/powerpoint/2010/main" val="2167246455"/>
       </p:ext>
     </p:extLst>
   </p:cSld>
@@ -1329,8 +1331,8 @@
         </p:nvSpPr>
         <p:spPr>
           <a:xfrm>
-            <a:off x="839788" y="633477"/>
-            <a:ext cx="10515600" cy="2299791"/>
+            <a:off x="818247" y="287536"/>
+            <a:ext cx="10245864" cy="1043881"/>
           </a:xfrm>
         </p:spPr>
         <p:txBody>
@@ -1357,8 +1359,8 @@
         </p:nvSpPr>
         <p:spPr>
           <a:xfrm>
-            <a:off x="839789" y="2916740"/>
-            <a:ext cx="5157787" cy="1429449"/>
+            <a:off x="818247" y="1323916"/>
+            <a:ext cx="5025485" cy="648831"/>
           </a:xfrm>
         </p:spPr>
         <p:txBody>
@@ -1366,39 +1368,39 @@
           <a:lstStyle>
             <a:lvl1pPr marL="0" indent="0">
               <a:buNone/>
-              <a:defRPr sz="3200" b="1"/>
+              <a:defRPr sz="1890" b="1"/>
             </a:lvl1pPr>
-            <a:lvl2pPr marL="609585" indent="0">
-              <a:buNone/>
-              <a:defRPr sz="2667" b="1"/>
+            <a:lvl2pPr marL="360045" indent="0">
+              <a:buNone/>
+              <a:defRPr sz="1575" b="1"/>
             </a:lvl2pPr>
-            <a:lvl3pPr marL="1219170" indent="0">
-              <a:buNone/>
-              <a:defRPr sz="2400" b="1"/>
+            <a:lvl3pPr marL="720090" indent="0">
+              <a:buNone/>
+              <a:defRPr sz="1418" b="1"/>
             </a:lvl3pPr>
-            <a:lvl4pPr marL="1828754" indent="0">
-              <a:buNone/>
-              <a:defRPr sz="2133" b="1"/>
+            <a:lvl4pPr marL="1080135" indent="0">
+              <a:buNone/>
+              <a:defRPr sz="1260" b="1"/>
             </a:lvl4pPr>
-            <a:lvl5pPr marL="2438339" indent="0">
-              <a:buNone/>
-              <a:defRPr sz="2133" b="1"/>
+            <a:lvl5pPr marL="1440180" indent="0">
+              <a:buNone/>
+              <a:defRPr sz="1260" b="1"/>
             </a:lvl5pPr>
-            <a:lvl6pPr marL="3047924" indent="0">
-              <a:buNone/>
-              <a:defRPr sz="2133" b="1"/>
+            <a:lvl6pPr marL="1800225" indent="0">
+              <a:buNone/>
+              <a:defRPr sz="1260" b="1"/>
             </a:lvl6pPr>
-            <a:lvl7pPr marL="3657509" indent="0">
-              <a:buNone/>
-              <a:defRPr sz="2133" b="1"/>
+            <a:lvl7pPr marL="2160270" indent="0">
+              <a:buNone/>
+              <a:defRPr sz="1260" b="1"/>
             </a:lvl7pPr>
-            <a:lvl8pPr marL="4267093" indent="0">
-              <a:buNone/>
-              <a:defRPr sz="2133" b="1"/>
+            <a:lvl8pPr marL="2520315" indent="0">
+              <a:buNone/>
+              <a:defRPr sz="1260" b="1"/>
             </a:lvl8pPr>
-            <a:lvl9pPr marL="4876678" indent="0">
-              <a:buNone/>
-              <a:defRPr sz="2133" b="1"/>
+            <a:lvl9pPr marL="2880360" indent="0">
+              <a:buNone/>
+              <a:defRPr sz="1260" b="1"/>
             </a:lvl9pPr>
           </a:lstStyle>
           <a:p>
@@ -1422,8 +1424,8 @@
         </p:nvSpPr>
         <p:spPr>
           <a:xfrm>
-            <a:off x="839789" y="4346189"/>
-            <a:ext cx="5157787" cy="6392590"/>
+            <a:off x="818247" y="1972747"/>
+            <a:ext cx="5025485" cy="2901613"/>
           </a:xfrm>
         </p:spPr>
         <p:txBody>
@@ -1479,8 +1481,8 @@
         </p:nvSpPr>
         <p:spPr>
           <a:xfrm>
-            <a:off x="6172201" y="2916740"/>
-            <a:ext cx="5183188" cy="1429449"/>
+            <a:off x="6013877" y="1323916"/>
+            <a:ext cx="5050234" cy="648831"/>
           </a:xfrm>
         </p:spPr>
         <p:txBody>
@@ -1488,39 +1490,39 @@
           <a:lstStyle>
             <a:lvl1pPr marL="0" indent="0">
               <a:buNone/>
-              <a:defRPr sz="3200" b="1"/>
+              <a:defRPr sz="1890" b="1"/>
             </a:lvl1pPr>
-            <a:lvl2pPr marL="609585" indent="0">
-              <a:buNone/>
-              <a:defRPr sz="2667" b="1"/>
+            <a:lvl2pPr marL="360045" indent="0">
+              <a:buNone/>
+              <a:defRPr sz="1575" b="1"/>
             </a:lvl2pPr>
-            <a:lvl3pPr marL="1219170" indent="0">
-              <a:buNone/>
-              <a:defRPr sz="2400" b="1"/>
+            <a:lvl3pPr marL="720090" indent="0">
+              <a:buNone/>
+              <a:defRPr sz="1418" b="1"/>
             </a:lvl3pPr>
-            <a:lvl4pPr marL="1828754" indent="0">
-              <a:buNone/>
-              <a:defRPr sz="2133" b="1"/>
+            <a:lvl4pPr marL="1080135" indent="0">
+              <a:buNone/>
+              <a:defRPr sz="1260" b="1"/>
             </a:lvl4pPr>
-            <a:lvl5pPr marL="2438339" indent="0">
-              <a:buNone/>
-              <a:defRPr sz="2133" b="1"/>
+            <a:lvl5pPr marL="1440180" indent="0">
+              <a:buNone/>
+              <a:defRPr sz="1260" b="1"/>
             </a:lvl5pPr>
-            <a:lvl6pPr marL="3047924" indent="0">
-              <a:buNone/>
-              <a:defRPr sz="2133" b="1"/>
+            <a:lvl6pPr marL="1800225" indent="0">
+              <a:buNone/>
+              <a:defRPr sz="1260" b="1"/>
             </a:lvl6pPr>
-            <a:lvl7pPr marL="3657509" indent="0">
-              <a:buNone/>
-              <a:defRPr sz="2133" b="1"/>
+            <a:lvl7pPr marL="2160270" indent="0">
+              <a:buNone/>
+              <a:defRPr sz="1260" b="1"/>
             </a:lvl7pPr>
-            <a:lvl8pPr marL="4267093" indent="0">
-              <a:buNone/>
-              <a:defRPr sz="2133" b="1"/>
+            <a:lvl8pPr marL="2520315" indent="0">
+              <a:buNone/>
+              <a:defRPr sz="1260" b="1"/>
             </a:lvl8pPr>
-            <a:lvl9pPr marL="4876678" indent="0">
-              <a:buNone/>
-              <a:defRPr sz="2133" b="1"/>
+            <a:lvl9pPr marL="2880360" indent="0">
+              <a:buNone/>
+              <a:defRPr sz="1260" b="1"/>
             </a:lvl9pPr>
           </a:lstStyle>
           <a:p>
@@ -1544,8 +1546,8 @@
         </p:nvSpPr>
         <p:spPr>
           <a:xfrm>
-            <a:off x="6172201" y="4346189"/>
-            <a:ext cx="5183188" cy="6392590"/>
+            <a:off x="6013877" y="1972747"/>
+            <a:ext cx="5050234" cy="2901613"/>
           </a:xfrm>
         </p:spPr>
         <p:txBody>
@@ -1606,7 +1608,7 @@
           <a:p>
             <a:fld id="{E3B75F80-F4B0-4C38-86B1-FEB191EA565F}" type="datetimeFigureOut">
               <a:rPr lang="es-MX" smtClean="0"/>
-              <a:t>05/12/2022</a:t>
+              <a:t>22/01/2023</a:t>
             </a:fld>
             <a:endParaRPr lang="es-MX"/>
           </a:p>
@@ -1657,7 +1659,7 @@
     </p:spTree>
     <p:extLst>
       <p:ext uri="{BB962C8B-B14F-4D97-AF65-F5344CB8AC3E}">
-        <p14:creationId xmlns:p14="http://schemas.microsoft.com/office/powerpoint/2010/main" val="3429622720"/>
+        <p14:creationId xmlns:p14="http://schemas.microsoft.com/office/powerpoint/2010/main" val="1318926595"/>
       </p:ext>
     </p:extLst>
   </p:cSld>
@@ -1724,7 +1726,7 @@
           <a:p>
             <a:fld id="{E3B75F80-F4B0-4C38-86B1-FEB191EA565F}" type="datetimeFigureOut">
               <a:rPr lang="es-MX" smtClean="0"/>
-              <a:t>05/12/2022</a:t>
+              <a:t>22/01/2023</a:t>
             </a:fld>
             <a:endParaRPr lang="es-MX"/>
           </a:p>
@@ -1775,7 +1777,7 @@
     </p:spTree>
     <p:extLst>
       <p:ext uri="{BB962C8B-B14F-4D97-AF65-F5344CB8AC3E}">
-        <p14:creationId xmlns:p14="http://schemas.microsoft.com/office/powerpoint/2010/main" val="617403947"/>
+        <p14:creationId xmlns:p14="http://schemas.microsoft.com/office/powerpoint/2010/main" val="1112669635"/>
       </p:ext>
     </p:extLst>
   </p:cSld>
@@ -1819,7 +1821,7 @@
           <a:p>
             <a:fld id="{E3B75F80-F4B0-4C38-86B1-FEB191EA565F}" type="datetimeFigureOut">
               <a:rPr lang="es-MX" smtClean="0"/>
-              <a:t>05/12/2022</a:t>
+              <a:t>22/01/2023</a:t>
             </a:fld>
             <a:endParaRPr lang="es-MX"/>
           </a:p>
@@ -1870,7 +1872,7 @@
     </p:spTree>
     <p:extLst>
       <p:ext uri="{BB962C8B-B14F-4D97-AF65-F5344CB8AC3E}">
-        <p14:creationId xmlns:p14="http://schemas.microsoft.com/office/powerpoint/2010/main" val="1545055198"/>
+        <p14:creationId xmlns:p14="http://schemas.microsoft.com/office/powerpoint/2010/main" val="4140981026"/>
       </p:ext>
     </p:extLst>
   </p:cSld>
@@ -1909,15 +1911,15 @@
         </p:nvSpPr>
         <p:spPr>
           <a:xfrm>
-            <a:off x="839788" y="793221"/>
-            <a:ext cx="3932237" cy="2776273"/>
+            <a:off x="818247" y="360045"/>
+            <a:ext cx="3831371" cy="1260158"/>
           </a:xfrm>
         </p:spPr>
         <p:txBody>
           <a:bodyPr anchor="b"/>
           <a:lstStyle>
             <a:lvl1pPr>
-              <a:defRPr sz="4267"/>
+              <a:defRPr sz="2520"/>
             </a:lvl1pPr>
           </a:lstStyle>
           <a:p>
@@ -1941,39 +1943,39 @@
         </p:nvSpPr>
         <p:spPr>
           <a:xfrm>
-            <a:off x="5183188" y="1713139"/>
-            <a:ext cx="6172200" cy="8455514"/>
+            <a:off x="5050234" y="777597"/>
+            <a:ext cx="6013877" cy="3837980"/>
           </a:xfrm>
         </p:spPr>
         <p:txBody>
           <a:bodyPr/>
           <a:lstStyle>
             <a:lvl1pPr>
-              <a:defRPr sz="4267"/>
+              <a:defRPr sz="2520"/>
             </a:lvl1pPr>
             <a:lvl2pPr>
-              <a:defRPr sz="3733"/>
+              <a:defRPr sz="2205"/>
             </a:lvl2pPr>
             <a:lvl3pPr>
-              <a:defRPr sz="3200"/>
+              <a:defRPr sz="1890"/>
             </a:lvl3pPr>
             <a:lvl4pPr>
-              <a:defRPr sz="2667"/>
+              <a:defRPr sz="1575"/>
             </a:lvl4pPr>
             <a:lvl5pPr>
-              <a:defRPr sz="2667"/>
+              <a:defRPr sz="1575"/>
             </a:lvl5pPr>
             <a:lvl6pPr>
-              <a:defRPr sz="2667"/>
+              <a:defRPr sz="1575"/>
             </a:lvl6pPr>
             <a:lvl7pPr>
-              <a:defRPr sz="2667"/>
+              <a:defRPr sz="1575"/>
             </a:lvl7pPr>
             <a:lvl8pPr>
-              <a:defRPr sz="2667"/>
+              <a:defRPr sz="1575"/>
             </a:lvl8pPr>
             <a:lvl9pPr>
-              <a:defRPr sz="2667"/>
+              <a:defRPr sz="1575"/>
             </a:lvl9pPr>
           </a:lstStyle>
           <a:p>
@@ -2026,8 +2028,8 @@
         </p:nvSpPr>
         <p:spPr>
           <a:xfrm>
-            <a:off x="839788" y="3569494"/>
-            <a:ext cx="3932237" cy="6612929"/>
+            <a:off x="818247" y="1620202"/>
+            <a:ext cx="3831371" cy="3001626"/>
           </a:xfrm>
         </p:spPr>
         <p:txBody>
@@ -2035,39 +2037,39 @@
           <a:lstStyle>
             <a:lvl1pPr marL="0" indent="0">
               <a:buNone/>
-              <a:defRPr sz="2133"/>
+              <a:defRPr sz="1260"/>
             </a:lvl1pPr>
-            <a:lvl2pPr marL="609585" indent="0">
-              <a:buNone/>
-              <a:defRPr sz="1867"/>
+            <a:lvl2pPr marL="360045" indent="0">
+              <a:buNone/>
+              <a:defRPr sz="1103"/>
             </a:lvl2pPr>
-            <a:lvl3pPr marL="1219170" indent="0">
-              <a:buNone/>
-              <a:defRPr sz="1600"/>
+            <a:lvl3pPr marL="720090" indent="0">
+              <a:buNone/>
+              <a:defRPr sz="945"/>
             </a:lvl3pPr>
-            <a:lvl4pPr marL="1828754" indent="0">
-              <a:buNone/>
-              <a:defRPr sz="1333"/>
+            <a:lvl4pPr marL="1080135" indent="0">
+              <a:buNone/>
+              <a:defRPr sz="788"/>
             </a:lvl4pPr>
-            <a:lvl5pPr marL="2438339" indent="0">
-              <a:buNone/>
-              <a:defRPr sz="1333"/>
+            <a:lvl5pPr marL="1440180" indent="0">
+              <a:buNone/>
+              <a:defRPr sz="788"/>
             </a:lvl5pPr>
-            <a:lvl6pPr marL="3047924" indent="0">
-              <a:buNone/>
-              <a:defRPr sz="1333"/>
+            <a:lvl6pPr marL="1800225" indent="0">
+              <a:buNone/>
+              <a:defRPr sz="788"/>
             </a:lvl6pPr>
-            <a:lvl7pPr marL="3657509" indent="0">
-              <a:buNone/>
-              <a:defRPr sz="1333"/>
+            <a:lvl7pPr marL="2160270" indent="0">
+              <a:buNone/>
+              <a:defRPr sz="788"/>
             </a:lvl7pPr>
-            <a:lvl8pPr marL="4267093" indent="0">
-              <a:buNone/>
-              <a:defRPr sz="1333"/>
+            <a:lvl8pPr marL="2520315" indent="0">
+              <a:buNone/>
+              <a:defRPr sz="788"/>
             </a:lvl8pPr>
-            <a:lvl9pPr marL="4876678" indent="0">
-              <a:buNone/>
-              <a:defRPr sz="1333"/>
+            <a:lvl9pPr marL="2880360" indent="0">
+              <a:buNone/>
+              <a:defRPr sz="788"/>
             </a:lvl9pPr>
           </a:lstStyle>
           <a:p>
@@ -2096,7 +2098,7 @@
           <a:p>
             <a:fld id="{E3B75F80-F4B0-4C38-86B1-FEB191EA565F}" type="datetimeFigureOut">
               <a:rPr lang="es-MX" smtClean="0"/>
-              <a:t>05/12/2022</a:t>
+              <a:t>22/01/2023</a:t>
             </a:fld>
             <a:endParaRPr lang="es-MX"/>
           </a:p>
@@ -2147,7 +2149,7 @@
     </p:spTree>
     <p:extLst>
       <p:ext uri="{BB962C8B-B14F-4D97-AF65-F5344CB8AC3E}">
-        <p14:creationId xmlns:p14="http://schemas.microsoft.com/office/powerpoint/2010/main" val="154516704"/>
+        <p14:creationId xmlns:p14="http://schemas.microsoft.com/office/powerpoint/2010/main" val="2933869574"/>
       </p:ext>
     </p:extLst>
   </p:cSld>
@@ -2186,15 +2188,15 @@
         </p:nvSpPr>
         <p:spPr>
           <a:xfrm>
-            <a:off x="839788" y="793221"/>
-            <a:ext cx="3932237" cy="2776273"/>
+            <a:off x="818247" y="360045"/>
+            <a:ext cx="3831371" cy="1260158"/>
           </a:xfrm>
         </p:spPr>
         <p:txBody>
           <a:bodyPr anchor="b"/>
           <a:lstStyle>
             <a:lvl1pPr>
-              <a:defRPr sz="4267"/>
+              <a:defRPr sz="2520"/>
             </a:lvl1pPr>
           </a:lstStyle>
           <a:p>
@@ -2218,8 +2220,8 @@
         </p:nvSpPr>
         <p:spPr>
           <a:xfrm>
-            <a:off x="5183188" y="1713139"/>
-            <a:ext cx="6172200" cy="8455514"/>
+            <a:off x="5050234" y="777597"/>
+            <a:ext cx="6013877" cy="3837980"/>
           </a:xfrm>
         </p:spPr>
         <p:txBody>
@@ -2227,39 +2229,39 @@
           <a:lstStyle>
             <a:lvl1pPr marL="0" indent="0">
               <a:buNone/>
-              <a:defRPr sz="4267"/>
+              <a:defRPr sz="2520"/>
             </a:lvl1pPr>
-            <a:lvl2pPr marL="609585" indent="0">
-              <a:buNone/>
-              <a:defRPr sz="3733"/>
+            <a:lvl2pPr marL="360045" indent="0">
+              <a:buNone/>
+              <a:defRPr sz="2205"/>
             </a:lvl2pPr>
-            <a:lvl3pPr marL="1219170" indent="0">
-              <a:buNone/>
-              <a:defRPr sz="3200"/>
+            <a:lvl3pPr marL="720090" indent="0">
+              <a:buNone/>
+              <a:defRPr sz="1890"/>
             </a:lvl3pPr>
-            <a:lvl4pPr marL="1828754" indent="0">
-              <a:buNone/>
-              <a:defRPr sz="2667"/>
+            <a:lvl4pPr marL="1080135" indent="0">
+              <a:buNone/>
+              <a:defRPr sz="1575"/>
             </a:lvl4pPr>
-            <a:lvl5pPr marL="2438339" indent="0">
-              <a:buNone/>
-              <a:defRPr sz="2667"/>
+            <a:lvl5pPr marL="1440180" indent="0">
+              <a:buNone/>
+              <a:defRPr sz="1575"/>
             </a:lvl5pPr>
-            <a:lvl6pPr marL="3047924" indent="0">
-              <a:buNone/>
-              <a:defRPr sz="2667"/>
+            <a:lvl6pPr marL="1800225" indent="0">
+              <a:buNone/>
+              <a:defRPr sz="1575"/>
             </a:lvl6pPr>
-            <a:lvl7pPr marL="3657509" indent="0">
-              <a:buNone/>
-              <a:defRPr sz="2667"/>
+            <a:lvl7pPr marL="2160270" indent="0">
+              <a:buNone/>
+              <a:defRPr sz="1575"/>
             </a:lvl7pPr>
-            <a:lvl8pPr marL="4267093" indent="0">
-              <a:buNone/>
-              <a:defRPr sz="2667"/>
+            <a:lvl8pPr marL="2520315" indent="0">
+              <a:buNone/>
+              <a:defRPr sz="1575"/>
             </a:lvl8pPr>
-            <a:lvl9pPr marL="4876678" indent="0">
-              <a:buNone/>
-              <a:defRPr sz="2667"/>
+            <a:lvl9pPr marL="2880360" indent="0">
+              <a:buNone/>
+              <a:defRPr sz="1575"/>
             </a:lvl9pPr>
           </a:lstStyle>
           <a:p>
@@ -2283,8 +2285,8 @@
         </p:nvSpPr>
         <p:spPr>
           <a:xfrm>
-            <a:off x="839788" y="3569494"/>
-            <a:ext cx="3932237" cy="6612929"/>
+            <a:off x="818247" y="1620202"/>
+            <a:ext cx="3831371" cy="3001626"/>
           </a:xfrm>
         </p:spPr>
         <p:txBody>
@@ -2292,39 +2294,39 @@
           <a:lstStyle>
             <a:lvl1pPr marL="0" indent="0">
               <a:buNone/>
-              <a:defRPr sz="2133"/>
+              <a:defRPr sz="1260"/>
             </a:lvl1pPr>
-            <a:lvl2pPr marL="609585" indent="0">
-              <a:buNone/>
-              <a:defRPr sz="1867"/>
+            <a:lvl2pPr marL="360045" indent="0">
+              <a:buNone/>
+              <a:defRPr sz="1103"/>
             </a:lvl2pPr>
-            <a:lvl3pPr marL="1219170" indent="0">
-              <a:buNone/>
-              <a:defRPr sz="1600"/>
+            <a:lvl3pPr marL="720090" indent="0">
+              <a:buNone/>
+              <a:defRPr sz="945"/>
             </a:lvl3pPr>
-            <a:lvl4pPr marL="1828754" indent="0">
-              <a:buNone/>
-              <a:defRPr sz="1333"/>
+            <a:lvl4pPr marL="1080135" indent="0">
+              <a:buNone/>
+              <a:defRPr sz="788"/>
             </a:lvl4pPr>
-            <a:lvl5pPr marL="2438339" indent="0">
-              <a:buNone/>
-              <a:defRPr sz="1333"/>
+            <a:lvl5pPr marL="1440180" indent="0">
+              <a:buNone/>
+              <a:defRPr sz="788"/>
             </a:lvl5pPr>
-            <a:lvl6pPr marL="3047924" indent="0">
-              <a:buNone/>
-              <a:defRPr sz="1333"/>
+            <a:lvl6pPr marL="1800225" indent="0">
+              <a:buNone/>
+              <a:defRPr sz="788"/>
             </a:lvl6pPr>
-            <a:lvl7pPr marL="3657509" indent="0">
-              <a:buNone/>
-              <a:defRPr sz="1333"/>
+            <a:lvl7pPr marL="2160270" indent="0">
+              <a:buNone/>
+              <a:defRPr sz="788"/>
             </a:lvl7pPr>
-            <a:lvl8pPr marL="4267093" indent="0">
-              <a:buNone/>
-              <a:defRPr sz="1333"/>
+            <a:lvl8pPr marL="2520315" indent="0">
+              <a:buNone/>
+              <a:defRPr sz="788"/>
             </a:lvl8pPr>
-            <a:lvl9pPr marL="4876678" indent="0">
-              <a:buNone/>
-              <a:defRPr sz="1333"/>
+            <a:lvl9pPr marL="2880360" indent="0">
+              <a:buNone/>
+              <a:defRPr sz="788"/>
             </a:lvl9pPr>
           </a:lstStyle>
           <a:p>
@@ -2353,7 +2355,7 @@
           <a:p>
             <a:fld id="{E3B75F80-F4B0-4C38-86B1-FEB191EA565F}" type="datetimeFigureOut">
               <a:rPr lang="es-MX" smtClean="0"/>
-              <a:t>05/12/2022</a:t>
+              <a:t>22/01/2023</a:t>
             </a:fld>
             <a:endParaRPr lang="es-MX"/>
           </a:p>
@@ -2404,7 +2406,7 @@
     </p:spTree>
     <p:extLst>
       <p:ext uri="{BB962C8B-B14F-4D97-AF65-F5344CB8AC3E}">
-        <p14:creationId xmlns:p14="http://schemas.microsoft.com/office/powerpoint/2010/main" val="1135474705"/>
+        <p14:creationId xmlns:p14="http://schemas.microsoft.com/office/powerpoint/2010/main" val="1454164680"/>
       </p:ext>
     </p:extLst>
   </p:cSld>
@@ -2448,8 +2450,8 @@
         </p:nvSpPr>
         <p:spPr>
           <a:xfrm>
-            <a:off x="838200" y="633477"/>
-            <a:ext cx="10515600" cy="2299791"/>
+            <a:off x="816700" y="287536"/>
+            <a:ext cx="10245864" cy="1043881"/>
           </a:xfrm>
           <a:prstGeom prst="rect">
             <a:avLst/>
@@ -2481,8 +2483,8 @@
         </p:nvSpPr>
         <p:spPr>
           <a:xfrm>
-            <a:off x="838200" y="3167375"/>
-            <a:ext cx="10515600" cy="7549370"/>
+            <a:off x="816700" y="1437680"/>
+            <a:ext cx="10245864" cy="3426679"/>
           </a:xfrm>
           <a:prstGeom prst="rect">
             <a:avLst/>
@@ -2543,8 +2545,8 @@
         </p:nvSpPr>
         <p:spPr>
           <a:xfrm>
-            <a:off x="838200" y="11027976"/>
-            <a:ext cx="2743200" cy="633475"/>
+            <a:off x="816699" y="5005626"/>
+            <a:ext cx="2672834" cy="287536"/>
           </a:xfrm>
           <a:prstGeom prst="rect">
             <a:avLst/>
@@ -2554,7 +2556,7 @@
           <a:bodyPr vert="horz" lIns="91440" tIns="45720" rIns="91440" bIns="45720" rtlCol="0" anchor="ctr"/>
           <a:lstStyle>
             <a:lvl1pPr algn="l">
-              <a:defRPr sz="1600">
+              <a:defRPr sz="945">
                 <a:solidFill>
                   <a:schemeClr val="tx1">
                     <a:tint val="75000"/>
@@ -2566,7 +2568,7 @@
           <a:p>
             <a:fld id="{E3B75F80-F4B0-4C38-86B1-FEB191EA565F}" type="datetimeFigureOut">
               <a:rPr lang="es-MX" smtClean="0"/>
-              <a:t>05/12/2022</a:t>
+              <a:t>22/01/2023</a:t>
             </a:fld>
             <a:endParaRPr lang="es-MX"/>
           </a:p>
@@ -2584,8 +2586,8 @@
         </p:nvSpPr>
         <p:spPr>
           <a:xfrm>
-            <a:off x="4038600" y="11027976"/>
-            <a:ext cx="4114800" cy="633475"/>
+            <a:off x="3935006" y="5005626"/>
+            <a:ext cx="4009251" cy="287536"/>
           </a:xfrm>
           <a:prstGeom prst="rect">
             <a:avLst/>
@@ -2595,7 +2597,7 @@
           <a:bodyPr vert="horz" lIns="91440" tIns="45720" rIns="91440" bIns="45720" rtlCol="0" anchor="ctr"/>
           <a:lstStyle>
             <a:lvl1pPr algn="ctr">
-              <a:defRPr sz="1600">
+              <a:defRPr sz="945">
                 <a:solidFill>
                   <a:schemeClr val="tx1">
                     <a:tint val="75000"/>
@@ -2621,8 +2623,8 @@
         </p:nvSpPr>
         <p:spPr>
           <a:xfrm>
-            <a:off x="8610600" y="11027976"/>
-            <a:ext cx="2743200" cy="633475"/>
+            <a:off x="8389730" y="5005626"/>
+            <a:ext cx="2672834" cy="287536"/>
           </a:xfrm>
           <a:prstGeom prst="rect">
             <a:avLst/>
@@ -2632,7 +2634,7 @@
           <a:bodyPr vert="horz" lIns="91440" tIns="45720" rIns="91440" bIns="45720" rtlCol="0" anchor="ctr"/>
           <a:lstStyle>
             <a:lvl1pPr algn="r">
-              <a:defRPr sz="1600">
+              <a:defRPr sz="945">
                 <a:solidFill>
                   <a:schemeClr val="tx1">
                     <a:tint val="75000"/>
@@ -2653,27 +2655,27 @@
     </p:spTree>
     <p:extLst>
       <p:ext uri="{BB962C8B-B14F-4D97-AF65-F5344CB8AC3E}">
-        <p14:creationId xmlns:p14="http://schemas.microsoft.com/office/powerpoint/2010/main" val="3326174326"/>
+        <p14:creationId xmlns:p14="http://schemas.microsoft.com/office/powerpoint/2010/main" val="3499912451"/>
       </p:ext>
     </p:extLst>
   </p:cSld>
   <p:clrMap bg1="lt1" tx1="dk1" bg2="lt2" tx2="dk2" accent1="accent1" accent2="accent2" accent3="accent3" accent4="accent4" accent5="accent5" accent6="accent6" hlink="hlink" folHlink="folHlink"/>
   <p:sldLayoutIdLst>
-    <p:sldLayoutId id="2147483661" r:id="rId1"/>
-    <p:sldLayoutId id="2147483662" r:id="rId2"/>
-    <p:sldLayoutId id="2147483663" r:id="rId3"/>
-    <p:sldLayoutId id="2147483664" r:id="rId4"/>
-    <p:sldLayoutId id="2147483665" r:id="rId5"/>
-    <p:sldLayoutId id="2147483666" r:id="rId6"/>
-    <p:sldLayoutId id="2147483667" r:id="rId7"/>
-    <p:sldLayoutId id="2147483668" r:id="rId8"/>
-    <p:sldLayoutId id="2147483669" r:id="rId9"/>
-    <p:sldLayoutId id="2147483670" r:id="rId10"/>
-    <p:sldLayoutId id="2147483671" r:id="rId11"/>
+    <p:sldLayoutId id="2147483781" r:id="rId1"/>
+    <p:sldLayoutId id="2147483782" r:id="rId2"/>
+    <p:sldLayoutId id="2147483783" r:id="rId3"/>
+    <p:sldLayoutId id="2147483784" r:id="rId4"/>
+    <p:sldLayoutId id="2147483785" r:id="rId5"/>
+    <p:sldLayoutId id="2147483786" r:id="rId6"/>
+    <p:sldLayoutId id="2147483787" r:id="rId7"/>
+    <p:sldLayoutId id="2147483788" r:id="rId8"/>
+    <p:sldLayoutId id="2147483789" r:id="rId9"/>
+    <p:sldLayoutId id="2147483790" r:id="rId10"/>
+    <p:sldLayoutId id="2147483791" r:id="rId11"/>
   </p:sldLayoutIdLst>
   <p:txStyles>
     <p:titleStyle>
-      <a:lvl1pPr algn="l" defTabSz="1219170" rtl="0" eaLnBrk="1" latinLnBrk="0" hangingPunct="1">
+      <a:lvl1pPr algn="l" defTabSz="720090" rtl="0" eaLnBrk="1" latinLnBrk="0" hangingPunct="1">
         <a:lnSpc>
           <a:spcPct val="90000"/>
         </a:lnSpc>
@@ -2681,7 +2683,7 @@
           <a:spcPct val="0"/>
         </a:spcBef>
         <a:buNone/>
-        <a:defRPr sz="5867" kern="1200">
+        <a:defRPr sz="3465" kern="1200">
           <a:solidFill>
             <a:schemeClr val="tx1"/>
           </a:solidFill>
@@ -2692,16 +2694,16 @@
       </a:lvl1pPr>
     </p:titleStyle>
     <p:bodyStyle>
-      <a:lvl1pPr marL="304792" indent="-304792" algn="l" defTabSz="1219170" rtl="0" eaLnBrk="1" latinLnBrk="0" hangingPunct="1">
+      <a:lvl1pPr marL="180023" indent="-180023" algn="l" defTabSz="720090" rtl="0" eaLnBrk="1" latinLnBrk="0" hangingPunct="1">
         <a:lnSpc>
           <a:spcPct val="90000"/>
         </a:lnSpc>
         <a:spcBef>
-          <a:spcPts val="1333"/>
+          <a:spcPts val="788"/>
         </a:spcBef>
         <a:buFont typeface="Arial" panose="020B0604020202020204" pitchFamily="34" charset="0"/>
         <a:buChar char="•"/>
-        <a:defRPr sz="3733" kern="1200">
+        <a:defRPr sz="2205" kern="1200">
           <a:solidFill>
             <a:schemeClr val="tx1"/>
           </a:solidFill>
@@ -2710,16 +2712,16 @@
           <a:cs typeface="+mn-cs"/>
         </a:defRPr>
       </a:lvl1pPr>
-      <a:lvl2pPr marL="914377" indent="-304792" algn="l" defTabSz="1219170" rtl="0" eaLnBrk="1" latinLnBrk="0" hangingPunct="1">
+      <a:lvl2pPr marL="540068" indent="-180023" algn="l" defTabSz="720090" rtl="0" eaLnBrk="1" latinLnBrk="0" hangingPunct="1">
         <a:lnSpc>
           <a:spcPct val="90000"/>
         </a:lnSpc>
         <a:spcBef>
-          <a:spcPts val="667"/>
+          <a:spcPts val="394"/>
         </a:spcBef>
         <a:buFont typeface="Arial" panose="020B0604020202020204" pitchFamily="34" charset="0"/>
         <a:buChar char="•"/>
-        <a:defRPr sz="3200" kern="1200">
+        <a:defRPr sz="1890" kern="1200">
           <a:solidFill>
             <a:schemeClr val="tx1"/>
           </a:solidFill>
@@ -2728,16 +2730,16 @@
           <a:cs typeface="+mn-cs"/>
         </a:defRPr>
       </a:lvl2pPr>
-      <a:lvl3pPr marL="1523962" indent="-304792" algn="l" defTabSz="1219170" rtl="0" eaLnBrk="1" latinLnBrk="0" hangingPunct="1">
+      <a:lvl3pPr marL="900113" indent="-180023" algn="l" defTabSz="720090" rtl="0" eaLnBrk="1" latinLnBrk="0" hangingPunct="1">
         <a:lnSpc>
           <a:spcPct val="90000"/>
         </a:lnSpc>
         <a:spcBef>
-          <a:spcPts val="667"/>
+          <a:spcPts val="394"/>
         </a:spcBef>
         <a:buFont typeface="Arial" panose="020B0604020202020204" pitchFamily="34" charset="0"/>
         <a:buChar char="•"/>
-        <a:defRPr sz="2667" kern="1200">
+        <a:defRPr sz="1575" kern="1200">
           <a:solidFill>
             <a:schemeClr val="tx1"/>
           </a:solidFill>
@@ -2746,16 +2748,16 @@
           <a:cs typeface="+mn-cs"/>
         </a:defRPr>
       </a:lvl3pPr>
-      <a:lvl4pPr marL="2133547" indent="-304792" algn="l" defTabSz="1219170" rtl="0" eaLnBrk="1" latinLnBrk="0" hangingPunct="1">
+      <a:lvl4pPr marL="1260158" indent="-180023" algn="l" defTabSz="720090" rtl="0" eaLnBrk="1" latinLnBrk="0" hangingPunct="1">
         <a:lnSpc>
           <a:spcPct val="90000"/>
         </a:lnSpc>
         <a:spcBef>
-          <a:spcPts val="667"/>
+          <a:spcPts val="394"/>
         </a:spcBef>
         <a:buFont typeface="Arial" panose="020B0604020202020204" pitchFamily="34" charset="0"/>
         <a:buChar char="•"/>
-        <a:defRPr sz="2400" kern="1200">
+        <a:defRPr sz="1418" kern="1200">
           <a:solidFill>
             <a:schemeClr val="tx1"/>
           </a:solidFill>
@@ -2764,16 +2766,16 @@
           <a:cs typeface="+mn-cs"/>
         </a:defRPr>
       </a:lvl4pPr>
-      <a:lvl5pPr marL="2743131" indent="-304792" algn="l" defTabSz="1219170" rtl="0" eaLnBrk="1" latinLnBrk="0" hangingPunct="1">
+      <a:lvl5pPr marL="1620203" indent="-180023" algn="l" defTabSz="720090" rtl="0" eaLnBrk="1" latinLnBrk="0" hangingPunct="1">
         <a:lnSpc>
           <a:spcPct val="90000"/>
         </a:lnSpc>
         <a:spcBef>
-          <a:spcPts val="667"/>
+          <a:spcPts val="394"/>
         </a:spcBef>
         <a:buFont typeface="Arial" panose="020B0604020202020204" pitchFamily="34" charset="0"/>
         <a:buChar char="•"/>
-        <a:defRPr sz="2400" kern="1200">
+        <a:defRPr sz="1418" kern="1200">
           <a:solidFill>
             <a:schemeClr val="tx1"/>
           </a:solidFill>
@@ -2782,16 +2784,16 @@
           <a:cs typeface="+mn-cs"/>
         </a:defRPr>
       </a:lvl5pPr>
-      <a:lvl6pPr marL="3352716" indent="-304792" algn="l" defTabSz="1219170" rtl="0" eaLnBrk="1" latinLnBrk="0" hangingPunct="1">
+      <a:lvl6pPr marL="1980248" indent="-180023" algn="l" defTabSz="720090" rtl="0" eaLnBrk="1" latinLnBrk="0" hangingPunct="1">
         <a:lnSpc>
           <a:spcPct val="90000"/>
         </a:lnSpc>
         <a:spcBef>
-          <a:spcPts val="667"/>
+          <a:spcPts val="394"/>
         </a:spcBef>
         <a:buFont typeface="Arial" panose="020B0604020202020204" pitchFamily="34" charset="0"/>
         <a:buChar char="•"/>
-        <a:defRPr sz="2400" kern="1200">
+        <a:defRPr sz="1418" kern="1200">
           <a:solidFill>
             <a:schemeClr val="tx1"/>
           </a:solidFill>
@@ -2800,16 +2802,16 @@
           <a:cs typeface="+mn-cs"/>
         </a:defRPr>
       </a:lvl6pPr>
-      <a:lvl7pPr marL="3962301" indent="-304792" algn="l" defTabSz="1219170" rtl="0" eaLnBrk="1" latinLnBrk="0" hangingPunct="1">
+      <a:lvl7pPr marL="2340293" indent="-180023" algn="l" defTabSz="720090" rtl="0" eaLnBrk="1" latinLnBrk="0" hangingPunct="1">
         <a:lnSpc>
           <a:spcPct val="90000"/>
         </a:lnSpc>
         <a:spcBef>
-          <a:spcPts val="667"/>
+          <a:spcPts val="394"/>
         </a:spcBef>
         <a:buFont typeface="Arial" panose="020B0604020202020204" pitchFamily="34" charset="0"/>
         <a:buChar char="•"/>
-        <a:defRPr sz="2400" kern="1200">
+        <a:defRPr sz="1418" kern="1200">
           <a:solidFill>
             <a:schemeClr val="tx1"/>
           </a:solidFill>
@@ -2818,16 +2820,16 @@
           <a:cs typeface="+mn-cs"/>
         </a:defRPr>
       </a:lvl7pPr>
-      <a:lvl8pPr marL="4571886" indent="-304792" algn="l" defTabSz="1219170" rtl="0" eaLnBrk="1" latinLnBrk="0" hangingPunct="1">
+      <a:lvl8pPr marL="2700338" indent="-180023" algn="l" defTabSz="720090" rtl="0" eaLnBrk="1" latinLnBrk="0" hangingPunct="1">
         <a:lnSpc>
           <a:spcPct val="90000"/>
         </a:lnSpc>
         <a:spcBef>
-          <a:spcPts val="667"/>
+          <a:spcPts val="394"/>
         </a:spcBef>
         <a:buFont typeface="Arial" panose="020B0604020202020204" pitchFamily="34" charset="0"/>
         <a:buChar char="•"/>
-        <a:defRPr sz="2400" kern="1200">
+        <a:defRPr sz="1418" kern="1200">
           <a:solidFill>
             <a:schemeClr val="tx1"/>
           </a:solidFill>
@@ -2836,16 +2838,16 @@
           <a:cs typeface="+mn-cs"/>
         </a:defRPr>
       </a:lvl8pPr>
-      <a:lvl9pPr marL="5181470" indent="-304792" algn="l" defTabSz="1219170" rtl="0" eaLnBrk="1" latinLnBrk="0" hangingPunct="1">
+      <a:lvl9pPr marL="3060383" indent="-180023" algn="l" defTabSz="720090" rtl="0" eaLnBrk="1" latinLnBrk="0" hangingPunct="1">
         <a:lnSpc>
           <a:spcPct val="90000"/>
         </a:lnSpc>
         <a:spcBef>
-          <a:spcPts val="667"/>
+          <a:spcPts val="394"/>
         </a:spcBef>
         <a:buFont typeface="Arial" panose="020B0604020202020204" pitchFamily="34" charset="0"/>
         <a:buChar char="•"/>
-        <a:defRPr sz="2400" kern="1200">
+        <a:defRPr sz="1418" kern="1200">
           <a:solidFill>
             <a:schemeClr val="tx1"/>
           </a:solidFill>
@@ -2859,8 +2861,8 @@
       <a:defPPr>
         <a:defRPr lang="en-US"/>
       </a:defPPr>
-      <a:lvl1pPr marL="0" algn="l" defTabSz="1219170" rtl="0" eaLnBrk="1" latinLnBrk="0" hangingPunct="1">
-        <a:defRPr sz="2400" kern="1200">
+      <a:lvl1pPr marL="0" algn="l" defTabSz="720090" rtl="0" eaLnBrk="1" latinLnBrk="0" hangingPunct="1">
+        <a:defRPr sz="1418" kern="1200">
           <a:solidFill>
             <a:schemeClr val="tx1"/>
           </a:solidFill>
@@ -2869,8 +2871,8 @@
           <a:cs typeface="+mn-cs"/>
         </a:defRPr>
       </a:lvl1pPr>
-      <a:lvl2pPr marL="609585" algn="l" defTabSz="1219170" rtl="0" eaLnBrk="1" latinLnBrk="0" hangingPunct="1">
-        <a:defRPr sz="2400" kern="1200">
+      <a:lvl2pPr marL="360045" algn="l" defTabSz="720090" rtl="0" eaLnBrk="1" latinLnBrk="0" hangingPunct="1">
+        <a:defRPr sz="1418" kern="1200">
           <a:solidFill>
             <a:schemeClr val="tx1"/>
           </a:solidFill>
@@ -2879,8 +2881,8 @@
           <a:cs typeface="+mn-cs"/>
         </a:defRPr>
       </a:lvl2pPr>
-      <a:lvl3pPr marL="1219170" algn="l" defTabSz="1219170" rtl="0" eaLnBrk="1" latinLnBrk="0" hangingPunct="1">
-        <a:defRPr sz="2400" kern="1200">
+      <a:lvl3pPr marL="720090" algn="l" defTabSz="720090" rtl="0" eaLnBrk="1" latinLnBrk="0" hangingPunct="1">
+        <a:defRPr sz="1418" kern="1200">
           <a:solidFill>
             <a:schemeClr val="tx1"/>
           </a:solidFill>
@@ -2889,8 +2891,8 @@
           <a:cs typeface="+mn-cs"/>
         </a:defRPr>
       </a:lvl3pPr>
-      <a:lvl4pPr marL="1828754" algn="l" defTabSz="1219170" rtl="0" eaLnBrk="1" latinLnBrk="0" hangingPunct="1">
-        <a:defRPr sz="2400" kern="1200">
+      <a:lvl4pPr marL="1080135" algn="l" defTabSz="720090" rtl="0" eaLnBrk="1" latinLnBrk="0" hangingPunct="1">
+        <a:defRPr sz="1418" kern="1200">
           <a:solidFill>
             <a:schemeClr val="tx1"/>
           </a:solidFill>
@@ -2899,8 +2901,8 @@
           <a:cs typeface="+mn-cs"/>
         </a:defRPr>
       </a:lvl4pPr>
-      <a:lvl5pPr marL="2438339" algn="l" defTabSz="1219170" rtl="0" eaLnBrk="1" latinLnBrk="0" hangingPunct="1">
-        <a:defRPr sz="2400" kern="1200">
+      <a:lvl5pPr marL="1440180" algn="l" defTabSz="720090" rtl="0" eaLnBrk="1" latinLnBrk="0" hangingPunct="1">
+        <a:defRPr sz="1418" kern="1200">
           <a:solidFill>
             <a:schemeClr val="tx1"/>
           </a:solidFill>
@@ -2909,8 +2911,8 @@
           <a:cs typeface="+mn-cs"/>
         </a:defRPr>
       </a:lvl5pPr>
-      <a:lvl6pPr marL="3047924" algn="l" defTabSz="1219170" rtl="0" eaLnBrk="1" latinLnBrk="0" hangingPunct="1">
-        <a:defRPr sz="2400" kern="1200">
+      <a:lvl6pPr marL="1800225" algn="l" defTabSz="720090" rtl="0" eaLnBrk="1" latinLnBrk="0" hangingPunct="1">
+        <a:defRPr sz="1418" kern="1200">
           <a:solidFill>
             <a:schemeClr val="tx1"/>
           </a:solidFill>
@@ -2919,8 +2921,8 @@
           <a:cs typeface="+mn-cs"/>
         </a:defRPr>
       </a:lvl6pPr>
-      <a:lvl7pPr marL="3657509" algn="l" defTabSz="1219170" rtl="0" eaLnBrk="1" latinLnBrk="0" hangingPunct="1">
-        <a:defRPr sz="2400" kern="1200">
+      <a:lvl7pPr marL="2160270" algn="l" defTabSz="720090" rtl="0" eaLnBrk="1" latinLnBrk="0" hangingPunct="1">
+        <a:defRPr sz="1418" kern="1200">
           <a:solidFill>
             <a:schemeClr val="tx1"/>
           </a:solidFill>
@@ -2929,8 +2931,8 @@
           <a:cs typeface="+mn-cs"/>
         </a:defRPr>
       </a:lvl7pPr>
-      <a:lvl8pPr marL="4267093" algn="l" defTabSz="1219170" rtl="0" eaLnBrk="1" latinLnBrk="0" hangingPunct="1">
-        <a:defRPr sz="2400" kern="1200">
+      <a:lvl8pPr marL="2520315" algn="l" defTabSz="720090" rtl="0" eaLnBrk="1" latinLnBrk="0" hangingPunct="1">
+        <a:defRPr sz="1418" kern="1200">
           <a:solidFill>
             <a:schemeClr val="tx1"/>
           </a:solidFill>
@@ -2939,8 +2941,8 @@
           <a:cs typeface="+mn-cs"/>
         </a:defRPr>
       </a:lvl8pPr>
-      <a:lvl9pPr marL="4876678" algn="l" defTabSz="1219170" rtl="0" eaLnBrk="1" latinLnBrk="0" hangingPunct="1">
-        <a:defRPr sz="2400" kern="1200">
+      <a:lvl9pPr marL="2880360" algn="l" defTabSz="720090" rtl="0" eaLnBrk="1" latinLnBrk="0" hangingPunct="1">
+        <a:defRPr sz="1418" kern="1200">
           <a:solidFill>
             <a:schemeClr val="tx1"/>
           </a:solidFill>
@@ -2983,10 +2985,10 @@
       </p:grpSpPr>
       <p:pic>
         <p:nvPicPr>
-          <p:cNvPr id="6" name="Picture 5" descr="Graphical user interface, application&#10;&#10;Description automatically generated">
+          <p:cNvPr id="14" name="Picture 13" descr="Graphical user interface&#10;&#10;Description automatically generated with low confidence">
             <a:extLst>
               <a:ext uri="{FF2B5EF4-FFF2-40B4-BE49-F238E27FC236}">
-                <a16:creationId xmlns:a16="http://schemas.microsoft.com/office/drawing/2014/main" id="{105DD5A2-C35C-4C8E-B9B7-6B26955995CC}"/>
+                <a16:creationId xmlns:a16="http://schemas.microsoft.com/office/drawing/2014/main" id="{3D7DE1A2-80C5-1D80-EE82-A20AE109146F}"/>
               </a:ext>
             </a:extLst>
           </p:cNvPr>
@@ -3009,8 +3011,8 @@
         </p:blipFill>
         <p:spPr>
           <a:xfrm>
-            <a:off x="-2" y="5039025"/>
-            <a:ext cx="5996824" cy="3398054"/>
+            <a:off x="7954806" y="-19926"/>
+            <a:ext cx="3912542" cy="5420600"/>
           </a:xfrm>
           <a:prstGeom prst="rect">
             <a:avLst/>
@@ -3019,10 +3021,10 @@
       </p:pic>
       <p:pic>
         <p:nvPicPr>
-          <p:cNvPr id="10" name="Picture 9" descr="Graphical user interface, chart, application&#10;&#10;Description automatically generated">
+          <p:cNvPr id="16" name="Picture 15" descr="A picture containing chart&#10;&#10;Description automatically generated">
             <a:extLst>
               <a:ext uri="{FF2B5EF4-FFF2-40B4-BE49-F238E27FC236}">
-                <a16:creationId xmlns:a16="http://schemas.microsoft.com/office/drawing/2014/main" id="{FCFC1030-711A-ED02-8FA7-C78AE75462A4}"/>
+                <a16:creationId xmlns:a16="http://schemas.microsoft.com/office/drawing/2014/main" id="{D2FAF662-C180-60AB-9299-5C52162F2BE6}"/>
               </a:ext>
             </a:extLst>
           </p:cNvPr>
@@ -3045,8 +3047,8 @@
         </p:blipFill>
         <p:spPr>
           <a:xfrm>
-            <a:off x="21158" y="8538683"/>
-            <a:ext cx="5944293" cy="3359630"/>
+            <a:off x="3991386" y="0"/>
+            <a:ext cx="3896492" cy="5420599"/>
           </a:xfrm>
           <a:prstGeom prst="rect">
             <a:avLst/>
@@ -3055,10 +3057,10 @@
       </p:pic>
       <p:pic>
         <p:nvPicPr>
-          <p:cNvPr id="13" name="Picture 12" descr="Chart, bar chart&#10;&#10;Description automatically generated">
+          <p:cNvPr id="18" name="Picture 17" descr="Graphical user interface, application&#10;&#10;Description automatically generated">
             <a:extLst>
               <a:ext uri="{FF2B5EF4-FFF2-40B4-BE49-F238E27FC236}">
-                <a16:creationId xmlns:a16="http://schemas.microsoft.com/office/drawing/2014/main" id="{07C4F2BC-DD84-A959-6BA7-4696835C841B}"/>
+                <a16:creationId xmlns:a16="http://schemas.microsoft.com/office/drawing/2014/main" id="{1BFF698E-8FA0-05C6-1375-D486162B7699}"/>
               </a:ext>
             </a:extLst>
           </p:cNvPr>
@@ -3081,152 +3083,8 @@
         </p:blipFill>
         <p:spPr>
           <a:xfrm>
-            <a:off x="6095998" y="8538683"/>
-            <a:ext cx="6064628" cy="3336624"/>
-          </a:xfrm>
-          <a:prstGeom prst="rect">
-            <a:avLst/>
-          </a:prstGeom>
-        </p:spPr>
-      </p:pic>
-      <p:pic>
-        <p:nvPicPr>
-          <p:cNvPr id="15" name="Picture 14" descr="Graphical user interface, application&#10;&#10;Description automatically generated">
-            <a:extLst>
-              <a:ext uri="{FF2B5EF4-FFF2-40B4-BE49-F238E27FC236}">
-                <a16:creationId xmlns:a16="http://schemas.microsoft.com/office/drawing/2014/main" id="{DFF48C93-24F4-E131-EC63-33BB6BC37F79}"/>
-              </a:ext>
-            </a:extLst>
-          </p:cNvPr>
-          <p:cNvPicPr>
-            <a:picLocks noChangeAspect="1"/>
-          </p:cNvPicPr>
-          <p:nvPr/>
-        </p:nvPicPr>
-        <p:blipFill>
-          <a:blip r:embed="rId5">
-            <a:extLst>
-              <a:ext uri="{28A0092B-C50C-407E-A947-70E740481C1C}">
-                <a14:useLocalDpi xmlns:a14="http://schemas.microsoft.com/office/drawing/2010/main" val="0"/>
-              </a:ext>
-            </a:extLst>
-          </a:blip>
-          <a:stretch>
-            <a:fillRect/>
-          </a:stretch>
-        </p:blipFill>
-        <p:spPr>
-          <a:xfrm>
-            <a:off x="6195176" y="5040313"/>
-            <a:ext cx="5996824" cy="3373760"/>
-          </a:xfrm>
-          <a:prstGeom prst="rect">
-            <a:avLst/>
-          </a:prstGeom>
-        </p:spPr>
-      </p:pic>
-      <p:pic>
-        <p:nvPicPr>
-          <p:cNvPr id="3" name="Picture 2" descr="Chart&#10;&#10;Description automatically generated with low confidence">
-            <a:extLst>
-              <a:ext uri="{FF2B5EF4-FFF2-40B4-BE49-F238E27FC236}">
-                <a16:creationId xmlns:a16="http://schemas.microsoft.com/office/drawing/2014/main" id="{C17D6C98-4F10-2C1E-9C43-FD40FD8D8BBB}"/>
-              </a:ext>
-            </a:extLst>
-          </p:cNvPr>
-          <p:cNvPicPr>
-            <a:picLocks noChangeAspect="1"/>
-          </p:cNvPicPr>
-          <p:nvPr/>
-        </p:nvPicPr>
-        <p:blipFill>
-          <a:blip r:embed="rId6">
-            <a:extLst>
-              <a:ext uri="{28A0092B-C50C-407E-A947-70E740481C1C}">
-                <a14:useLocalDpi xmlns:a14="http://schemas.microsoft.com/office/drawing/2010/main" val="0"/>
-              </a:ext>
-            </a:extLst>
-          </a:blip>
-          <a:stretch>
-            <a:fillRect/>
-          </a:stretch>
-        </p:blipFill>
-        <p:spPr>
-          <a:xfrm>
-            <a:off x="115287" y="68119"/>
-            <a:ext cx="3546485" cy="4914415"/>
-          </a:xfrm>
-          <a:prstGeom prst="rect">
-            <a:avLst/>
-          </a:prstGeom>
-        </p:spPr>
-      </p:pic>
-      <p:pic>
-        <p:nvPicPr>
-          <p:cNvPr id="5" name="Picture 4" descr="Table&#10;&#10;Description automatically generated">
-            <a:extLst>
-              <a:ext uri="{FF2B5EF4-FFF2-40B4-BE49-F238E27FC236}">
-                <a16:creationId xmlns:a16="http://schemas.microsoft.com/office/drawing/2014/main" id="{4C6B14CD-828D-D6AB-AD0D-EA2B65C35039}"/>
-              </a:ext>
-            </a:extLst>
-          </p:cNvPr>
-          <p:cNvPicPr>
-            <a:picLocks noChangeAspect="1"/>
-          </p:cNvPicPr>
-          <p:nvPr/>
-        </p:nvPicPr>
-        <p:blipFill>
-          <a:blip r:embed="rId7">
-            <a:extLst>
-              <a:ext uri="{28A0092B-C50C-407E-A947-70E740481C1C}">
-                <a14:useLocalDpi xmlns:a14="http://schemas.microsoft.com/office/drawing/2010/main" val="0"/>
-              </a:ext>
-            </a:extLst>
-          </a:blip>
-          <a:stretch>
-            <a:fillRect/>
-          </a:stretch>
-        </p:blipFill>
-        <p:spPr>
-          <a:xfrm>
-            <a:off x="4223579" y="55453"/>
-            <a:ext cx="3546485" cy="4927081"/>
-          </a:xfrm>
-          <a:prstGeom prst="rect">
-            <a:avLst/>
-          </a:prstGeom>
-        </p:spPr>
-      </p:pic>
-      <p:pic>
-        <p:nvPicPr>
-          <p:cNvPr id="8" name="Picture 7" descr="Chart, application&#10;&#10;Description automatically generated">
-            <a:extLst>
-              <a:ext uri="{FF2B5EF4-FFF2-40B4-BE49-F238E27FC236}">
-                <a16:creationId xmlns:a16="http://schemas.microsoft.com/office/drawing/2014/main" id="{FD0FC174-CBBA-0670-2932-7CEA5913D538}"/>
-              </a:ext>
-            </a:extLst>
-          </p:cNvPr>
-          <p:cNvPicPr>
-            <a:picLocks noChangeAspect="1"/>
-          </p:cNvPicPr>
-          <p:nvPr/>
-        </p:nvPicPr>
-        <p:blipFill>
-          <a:blip r:embed="rId8">
-            <a:extLst>
-              <a:ext uri="{28A0092B-C50C-407E-A947-70E740481C1C}">
-                <a14:useLocalDpi xmlns:a14="http://schemas.microsoft.com/office/drawing/2010/main" val="0"/>
-              </a:ext>
-            </a:extLst>
-          </a:blip>
-          <a:stretch>
-            <a:fillRect/>
-          </a:stretch>
-        </p:blipFill>
-        <p:spPr>
-          <a:xfrm>
-            <a:off x="8217958" y="23006"/>
-            <a:ext cx="3562919" cy="4927081"/>
+            <a:off x="-2" y="0"/>
+            <a:ext cx="3924459" cy="5420600"/>
           </a:xfrm>
           <a:prstGeom prst="rect">
             <a:avLst/>
@@ -3236,7 +3094,7 @@
     </p:spTree>
     <p:extLst>
       <p:ext uri="{BB962C8B-B14F-4D97-AF65-F5344CB8AC3E}">
-        <p14:creationId xmlns:p14="http://schemas.microsoft.com/office/powerpoint/2010/main" val="841389699"/>
+        <p14:creationId xmlns:p14="http://schemas.microsoft.com/office/powerpoint/2010/main" val="1351459921"/>
       </p:ext>
     </p:extLst>
   </p:cSld>
@@ -3501,7 +3359,7 @@
   <a:extraClrSchemeLst/>
   <a:extLst>
     <a:ext uri="{05A4C25C-085E-4340-85A3-A5531E510DB2}">
-      <thm15:themeFamily xmlns:thm15="http://schemas.microsoft.com/office/thememl/2012/main" name="Office Theme" id="{62F939B6-93AF-4DB8-9C6B-D6C7DFDC589F}" vid="{4A3C46E8-61CC-4603-A589-7422A47A8E4A}"/>
+      <thm15:themeFamily xmlns:thm15="http://schemas.microsoft.com/office/thememl/2012/main" name="Office Theme 2013 - 2022" id="{62F939B6-93AF-4DB8-9C6B-D6C7DFDC589F}" vid="{4A3C46E8-61CC-4603-A589-7422A47A8E4A}"/>
     </a:ext>
   </a:extLst>
 </a:theme>
